--- a/TKT Project Whitepaper.pptx
+++ b/TKT Project Whitepaper.pptx
@@ -1,37 +1,37 @@
 
 <file path=ppt/presentation.xml><?xml version="1.0" encoding="utf-8"?>
-<p:presentation xmlns:a="http://schemas.openxmlformats.org/drawingml/2006/main" xmlns:r="http://schemas.openxmlformats.org/officeDocument/2006/relationships" xmlns:mc="http://schemas.openxmlformats.org/markup-compatibility/2006" xmlns:mv="urn:schemas-microsoft-com:mac:vml" xmlns:p="http://schemas.openxmlformats.org/presentationml/2006/main" xmlns:c="http://schemas.openxmlformats.org/drawingml/2006/chart" xmlns:dgm="http://schemas.openxmlformats.org/drawingml/2006/diagram" xmlns:o="urn:schemas-microsoft-com:office:office" xmlns:v="urn:schemas-microsoft-com:vml" xmlns:pvml="urn:schemas-microsoft-com:office:powerpoint" xmlns:com="http://schemas.openxmlformats.org/drawingml/2006/compatibility" xmlns:p14="http://schemas.microsoft.com/office/powerpoint/2010/main" xmlns:p15="http://schemas.microsoft.com/office/powerpoint/2012/main" xmlns:ahyp="http://schemas.microsoft.com/office/drawing/2018/hyperlinkcolor" autoCompressPictures="0" embedTrueTypeFonts="1" strictFirstAndLastChars="0" saveSubsetFonts="1">
+<p:presentation xmlns:a="http://schemas.openxmlformats.org/drawingml/2006/main" xmlns:r="http://schemas.openxmlformats.org/officeDocument/2006/relationships" xmlns:p="http://schemas.openxmlformats.org/presentationml/2006/main" strictFirstAndLastChars="0" embedTrueTypeFonts="1" saveSubsetFonts="1" autoCompressPictures="0">
   <p:sldMasterIdLst>
-    <p:sldMasterId id="2147483659" r:id="rId4"/>
+    <p:sldMasterId id="2147483659" r:id="rId1"/>
   </p:sldMasterIdLst>
   <p:notesMasterIdLst>
-    <p:notesMasterId r:id="rId5"/>
+    <p:notesMasterId r:id="rId12"/>
   </p:notesMasterIdLst>
   <p:sldIdLst>
-    <p:sldId id="256" r:id="rId6"/>
-    <p:sldId id="257" r:id="rId7"/>
-    <p:sldId id="258" r:id="rId8"/>
-    <p:sldId id="259" r:id="rId9"/>
-    <p:sldId id="260" r:id="rId10"/>
-    <p:sldId id="261" r:id="rId11"/>
-    <p:sldId id="262" r:id="rId12"/>
-    <p:sldId id="263" r:id="rId13"/>
-    <p:sldId id="264" r:id="rId14"/>
-    <p:sldId id="265" r:id="rId15"/>
+    <p:sldId id="256" r:id="rId2"/>
+    <p:sldId id="257" r:id="rId3"/>
+    <p:sldId id="258" r:id="rId4"/>
+    <p:sldId id="259" r:id="rId5"/>
+    <p:sldId id="260" r:id="rId6"/>
+    <p:sldId id="261" r:id="rId7"/>
+    <p:sldId id="262" r:id="rId8"/>
+    <p:sldId id="263" r:id="rId9"/>
+    <p:sldId id="264" r:id="rId10"/>
+    <p:sldId id="265" r:id="rId11"/>
   </p:sldIdLst>
-  <p:sldSz cy="5143500" cx="9144000"/>
+  <p:sldSz cx="9144000" cy="5143500" type="screen16x9"/>
   <p:notesSz cx="6858000" cy="9144000"/>
   <p:embeddedFontLst>
     <p:embeddedFont>
-      <p:font typeface="Roboto"/>
-      <p:regular r:id="rId16"/>
-      <p:bold r:id="rId17"/>
-      <p:italic r:id="rId18"/>
-      <p:boldItalic r:id="rId19"/>
+      <p:font typeface="Roboto" panose="02000000000000000000" pitchFamily="2" charset="0"/>
+      <p:regular r:id="rId13"/>
+      <p:bold r:id="rId14"/>
+      <p:italic r:id="rId15"/>
+      <p:boldItalic r:id="rId16"/>
     </p:embeddedFont>
   </p:embeddedFontLst>
   <p:defaultTextStyle>
-    <a:defPPr lvl="0" marR="0" rtl="0" algn="l">
+    <a:defPPr marR="0" lvl="0" algn="l" rtl="0">
       <a:lnSpc>
         <a:spcPct val="100000"/>
       </a:lnSpc>
@@ -42,7 +42,7 @@
         <a:spcPts val="0"/>
       </a:spcAft>
     </a:defPPr>
-    <a:lvl1pPr lvl="0" marR="0" rtl="0" algn="l">
+    <a:lvl1pPr marR="0" lvl="0" algn="l" rtl="0">
       <a:lnSpc>
         <a:spcPct val="100000"/>
       </a:lnSpc>
@@ -56,7 +56,7 @@
         <a:srgbClr val="000000"/>
       </a:buClr>
       <a:buFont typeface="Arial"/>
-      <a:defRPr b="0" i="0" sz="1400" u="none" cap="none" strike="noStrike">
+      <a:defRPr sz="1400" b="0" i="0" u="none" strike="noStrike" cap="none">
         <a:solidFill>
           <a:srgbClr val="000000"/>
         </a:solidFill>
@@ -66,7 +66,7 @@
         <a:sym typeface="Arial"/>
       </a:defRPr>
     </a:lvl1pPr>
-    <a:lvl2pPr lvl="1" marR="0" rtl="0" algn="l">
+    <a:lvl2pPr marR="0" lvl="1" algn="l" rtl="0">
       <a:lnSpc>
         <a:spcPct val="100000"/>
       </a:lnSpc>
@@ -80,7 +80,7 @@
         <a:srgbClr val="000000"/>
       </a:buClr>
       <a:buFont typeface="Arial"/>
-      <a:defRPr b="0" i="0" sz="1400" u="none" cap="none" strike="noStrike">
+      <a:defRPr sz="1400" b="0" i="0" u="none" strike="noStrike" cap="none">
         <a:solidFill>
           <a:srgbClr val="000000"/>
         </a:solidFill>
@@ -90,7 +90,7 @@
         <a:sym typeface="Arial"/>
       </a:defRPr>
     </a:lvl2pPr>
-    <a:lvl3pPr lvl="2" marR="0" rtl="0" algn="l">
+    <a:lvl3pPr marR="0" lvl="2" algn="l" rtl="0">
       <a:lnSpc>
         <a:spcPct val="100000"/>
       </a:lnSpc>
@@ -104,7 +104,7 @@
         <a:srgbClr val="000000"/>
       </a:buClr>
       <a:buFont typeface="Arial"/>
-      <a:defRPr b="0" i="0" sz="1400" u="none" cap="none" strike="noStrike">
+      <a:defRPr sz="1400" b="0" i="0" u="none" strike="noStrike" cap="none">
         <a:solidFill>
           <a:srgbClr val="000000"/>
         </a:solidFill>
@@ -114,7 +114,7 @@
         <a:sym typeface="Arial"/>
       </a:defRPr>
     </a:lvl3pPr>
-    <a:lvl4pPr lvl="3" marR="0" rtl="0" algn="l">
+    <a:lvl4pPr marR="0" lvl="3" algn="l" rtl="0">
       <a:lnSpc>
         <a:spcPct val="100000"/>
       </a:lnSpc>
@@ -128,7 +128,7 @@
         <a:srgbClr val="000000"/>
       </a:buClr>
       <a:buFont typeface="Arial"/>
-      <a:defRPr b="0" i="0" sz="1400" u="none" cap="none" strike="noStrike">
+      <a:defRPr sz="1400" b="0" i="0" u="none" strike="noStrike" cap="none">
         <a:solidFill>
           <a:srgbClr val="000000"/>
         </a:solidFill>
@@ -138,7 +138,7 @@
         <a:sym typeface="Arial"/>
       </a:defRPr>
     </a:lvl4pPr>
-    <a:lvl5pPr lvl="4" marR="0" rtl="0" algn="l">
+    <a:lvl5pPr marR="0" lvl="4" algn="l" rtl="0">
       <a:lnSpc>
         <a:spcPct val="100000"/>
       </a:lnSpc>
@@ -152,7 +152,7 @@
         <a:srgbClr val="000000"/>
       </a:buClr>
       <a:buFont typeface="Arial"/>
-      <a:defRPr b="0" i="0" sz="1400" u="none" cap="none" strike="noStrike">
+      <a:defRPr sz="1400" b="0" i="0" u="none" strike="noStrike" cap="none">
         <a:solidFill>
           <a:srgbClr val="000000"/>
         </a:solidFill>
@@ -162,7 +162,7 @@
         <a:sym typeface="Arial"/>
       </a:defRPr>
     </a:lvl5pPr>
-    <a:lvl6pPr lvl="5" marR="0" rtl="0" algn="l">
+    <a:lvl6pPr marR="0" lvl="5" algn="l" rtl="0">
       <a:lnSpc>
         <a:spcPct val="100000"/>
       </a:lnSpc>
@@ -176,7 +176,7 @@
         <a:srgbClr val="000000"/>
       </a:buClr>
       <a:buFont typeface="Arial"/>
-      <a:defRPr b="0" i="0" sz="1400" u="none" cap="none" strike="noStrike">
+      <a:defRPr sz="1400" b="0" i="0" u="none" strike="noStrike" cap="none">
         <a:solidFill>
           <a:srgbClr val="000000"/>
         </a:solidFill>
@@ -186,7 +186,7 @@
         <a:sym typeface="Arial"/>
       </a:defRPr>
     </a:lvl6pPr>
-    <a:lvl7pPr lvl="6" marR="0" rtl="0" algn="l">
+    <a:lvl7pPr marR="0" lvl="6" algn="l" rtl="0">
       <a:lnSpc>
         <a:spcPct val="100000"/>
       </a:lnSpc>
@@ -200,7 +200,7 @@
         <a:srgbClr val="000000"/>
       </a:buClr>
       <a:buFont typeface="Arial"/>
-      <a:defRPr b="0" i="0" sz="1400" u="none" cap="none" strike="noStrike">
+      <a:defRPr sz="1400" b="0" i="0" u="none" strike="noStrike" cap="none">
         <a:solidFill>
           <a:srgbClr val="000000"/>
         </a:solidFill>
@@ -210,7 +210,7 @@
         <a:sym typeface="Arial"/>
       </a:defRPr>
     </a:lvl7pPr>
-    <a:lvl8pPr lvl="7" marR="0" rtl="0" algn="l">
+    <a:lvl8pPr marR="0" lvl="7" algn="l" rtl="0">
       <a:lnSpc>
         <a:spcPct val="100000"/>
       </a:lnSpc>
@@ -224,7 +224,7 @@
         <a:srgbClr val="000000"/>
       </a:buClr>
       <a:buFont typeface="Arial"/>
-      <a:defRPr b="0" i="0" sz="1400" u="none" cap="none" strike="noStrike">
+      <a:defRPr sz="1400" b="0" i="0" u="none" strike="noStrike" cap="none">
         <a:solidFill>
           <a:srgbClr val="000000"/>
         </a:solidFill>
@@ -234,7 +234,7 @@
         <a:sym typeface="Arial"/>
       </a:defRPr>
     </a:lvl8pPr>
-    <a:lvl9pPr lvl="8" marR="0" rtl="0" algn="l">
+    <a:lvl9pPr marR="0" lvl="8" algn="l" rtl="0">
       <a:lnSpc>
         <a:spcPct val="100000"/>
       </a:lnSpc>
@@ -248,7 +248,7 @@
         <a:srgbClr val="000000"/>
       </a:buClr>
       <a:buFont typeface="Arial"/>
-      <a:defRPr b="0" i="0" sz="1400" u="none" cap="none" strike="noStrike">
+      <a:defRPr sz="1400" b="0" i="0" u="none" strike="noStrike" cap="none">
         <a:solidFill>
           <a:srgbClr val="000000"/>
         </a:solidFill>
@@ -261,7 +261,7 @@
   </p:defaultTextStyle>
   <p:extLst>
     <p:ext uri="{EFAFB233-063F-42B5-8137-9DF3F51BA10A}">
-      <p15:sldGuideLst>
+      <p15:sldGuideLst xmlns:p15="http://schemas.microsoft.com/office/powerpoint/2012/main">
         <p15:guide id="1" orient="horz" pos="1620">
           <p15:clr>
             <a:srgbClr val="747775"/>
@@ -279,11 +279,16 @@
 </file>
 
 <file path=ppt/notesMasters/notesMaster1.xml><?xml version="1.0" encoding="utf-8"?>
-<p:notesMaster xmlns:a="http://schemas.openxmlformats.org/drawingml/2006/main" xmlns:r="http://schemas.openxmlformats.org/officeDocument/2006/relationships" xmlns:mc="http://schemas.openxmlformats.org/markup-compatibility/2006" xmlns:mv="urn:schemas-microsoft-com:mac:vml" xmlns:p="http://schemas.openxmlformats.org/presentationml/2006/main" xmlns:c="http://schemas.openxmlformats.org/drawingml/2006/chart" xmlns:dgm="http://schemas.openxmlformats.org/drawingml/2006/diagram" xmlns:o="urn:schemas-microsoft-com:office:office" xmlns:v="urn:schemas-microsoft-com:vml" xmlns:pvml="urn:schemas-microsoft-com:office:powerpoint" xmlns:com="http://schemas.openxmlformats.org/drawingml/2006/compatibility" xmlns:p14="http://schemas.microsoft.com/office/powerpoint/2010/main" xmlns:p15="http://schemas.microsoft.com/office/powerpoint/2012/main" xmlns:ahyp="http://schemas.microsoft.com/office/drawing/2018/hyperlinkcolor">
+<p:notesMaster xmlns:a="http://schemas.openxmlformats.org/drawingml/2006/main" xmlns:r="http://schemas.openxmlformats.org/officeDocument/2006/relationships" xmlns:p="http://schemas.openxmlformats.org/presentationml/2006/main">
   <p:cSld>
+    <p:bg>
+      <p:bgRef idx="1001">
+        <a:schemeClr val="bg1"/>
+      </p:bgRef>
+    </p:bg>
     <p:spTree>
       <p:nvGrpSpPr>
-        <p:cNvPr id="2" name="Shape 2"/>
+        <p:cNvPr id="1" name="Shape 2"/>
         <p:cNvGrpSpPr/>
         <p:nvPr/>
       </p:nvGrpSpPr>
@@ -298,9 +303,11 @@
       <p:sp>
         <p:nvSpPr>
           <p:cNvPr id="3" name="Google Shape;3;n"/>
-          <p:cNvSpPr/>
+          <p:cNvSpPr>
+            <a:spLocks noGrp="1" noRot="1" noChangeAspect="1"/>
+          </p:cNvSpPr>
           <p:nvPr>
-            <p:ph idx="2" type="sldImg"/>
+            <p:ph type="sldImg" idx="2"/>
           </p:nvPr>
         </p:nvSpPr>
         <p:spPr>
@@ -309,9 +316,13 @@
             <a:ext cx="6096075" cy="3429000"/>
           </a:xfrm>
           <a:custGeom>
-            <a:rect b="b" l="l" r="r" t="t"/>
+            <a:avLst/>
+            <a:gdLst/>
+            <a:ahLst/>
+            <a:cxnLst/>
+            <a:rect l="l" t="t" r="r" b="b"/>
             <a:pathLst>
-              <a:path extrusionOk="0" h="120000" w="120000">
+              <a:path w="120000" h="120000" extrusionOk="0">
                 <a:moveTo>
                   <a:pt x="0" y="0"/>
                 </a:moveTo>
@@ -329,23 +340,25 @@
             </a:pathLst>
           </a:custGeom>
           <a:noFill/>
-          <a:ln cap="flat" cmpd="sng" w="9525">
+          <a:ln w="9525" cap="flat" cmpd="sng">
             <a:solidFill>
               <a:srgbClr val="000000"/>
             </a:solidFill>
             <a:prstDash val="solid"/>
             <a:round/>
-            <a:headEnd len="sm" w="sm" type="none"/>
-            <a:tailEnd len="sm" w="sm" type="none"/>
+            <a:headEnd type="none" w="sm" len="sm"/>
+            <a:tailEnd type="none" w="sm" len="sm"/>
           </a:ln>
         </p:spPr>
       </p:sp>
       <p:sp>
         <p:nvSpPr>
           <p:cNvPr id="4" name="Google Shape;4;n"/>
-          <p:cNvSpPr txBox="1"/>
+          <p:cNvSpPr txBox="1">
+            <a:spLocks noGrp="1"/>
+          </p:cNvSpPr>
           <p:nvPr>
-            <p:ph idx="1" type="body"/>
+            <p:ph type="body" idx="1"/>
           </p:nvPr>
         </p:nvSpPr>
         <p:spPr>
@@ -362,11 +375,11 @@
           </a:ln>
         </p:spPr>
         <p:txBody>
-          <a:bodyPr anchorCtr="0" anchor="t" bIns="91425" lIns="91425" spcFirstLastPara="1" rIns="91425" wrap="square" tIns="91425">
+          <a:bodyPr spcFirstLastPara="1" wrap="square" lIns="91425" tIns="91425" rIns="91425" bIns="91425" anchor="t" anchorCtr="0">
             <a:noAutofit/>
           </a:bodyPr>
           <a:lstStyle>
-            <a:lvl1pPr indent="-298450" lvl="0" marL="457200">
+            <a:lvl1pPr marL="457200" lvl="0" indent="-298450">
               <a:spcBef>
                 <a:spcPts val="0"/>
               </a:spcBef>
@@ -377,7 +390,7 @@
               <a:buChar char="●"/>
               <a:defRPr sz="1100"/>
             </a:lvl1pPr>
-            <a:lvl2pPr indent="-298450" lvl="1" marL="914400">
+            <a:lvl2pPr marL="914400" lvl="1" indent="-298450">
               <a:spcBef>
                 <a:spcPts val="0"/>
               </a:spcBef>
@@ -388,7 +401,7 @@
               <a:buChar char="○"/>
               <a:defRPr sz="1100"/>
             </a:lvl2pPr>
-            <a:lvl3pPr indent="-298450" lvl="2" marL="1371600">
+            <a:lvl3pPr marL="1371600" lvl="2" indent="-298450">
               <a:spcBef>
                 <a:spcPts val="0"/>
               </a:spcBef>
@@ -399,7 +412,7 @@
               <a:buChar char="■"/>
               <a:defRPr sz="1100"/>
             </a:lvl3pPr>
-            <a:lvl4pPr indent="-298450" lvl="3" marL="1828800">
+            <a:lvl4pPr marL="1828800" lvl="3" indent="-298450">
               <a:spcBef>
                 <a:spcPts val="0"/>
               </a:spcBef>
@@ -410,7 +423,7 @@
               <a:buChar char="●"/>
               <a:defRPr sz="1100"/>
             </a:lvl4pPr>
-            <a:lvl5pPr indent="-298450" lvl="4" marL="2286000">
+            <a:lvl5pPr marL="2286000" lvl="4" indent="-298450">
               <a:spcBef>
                 <a:spcPts val="0"/>
               </a:spcBef>
@@ -421,7 +434,7 @@
               <a:buChar char="○"/>
               <a:defRPr sz="1100"/>
             </a:lvl5pPr>
-            <a:lvl6pPr indent="-298450" lvl="5" marL="2743200">
+            <a:lvl6pPr marL="2743200" lvl="5" indent="-298450">
               <a:spcBef>
                 <a:spcPts val="0"/>
               </a:spcBef>
@@ -432,7 +445,7 @@
               <a:buChar char="■"/>
               <a:defRPr sz="1100"/>
             </a:lvl6pPr>
-            <a:lvl7pPr indent="-298450" lvl="6" marL="3200400">
+            <a:lvl7pPr marL="3200400" lvl="6" indent="-298450">
               <a:spcBef>
                 <a:spcPts val="0"/>
               </a:spcBef>
@@ -443,7 +456,7 @@
               <a:buChar char="●"/>
               <a:defRPr sz="1100"/>
             </a:lvl7pPr>
-            <a:lvl8pPr indent="-298450" lvl="7" marL="3657600">
+            <a:lvl8pPr marL="3657600" lvl="7" indent="-298450">
               <a:spcBef>
                 <a:spcPts val="0"/>
               </a:spcBef>
@@ -454,7 +467,7 @@
               <a:buChar char="○"/>
               <a:defRPr sz="1100"/>
             </a:lvl8pPr>
-            <a:lvl9pPr indent="-298450" lvl="8" marL="4114800">
+            <a:lvl9pPr marL="4114800" lvl="8" indent="-298450">
               <a:spcBef>
                 <a:spcPts val="0"/>
               </a:spcBef>
@@ -466,14 +479,16 @@
               <a:defRPr sz="1100"/>
             </a:lvl9pPr>
           </a:lstStyle>
-          <a:p/>
+          <a:p>
+            <a:endParaRPr/>
+          </a:p>
         </p:txBody>
       </p:sp>
     </p:spTree>
   </p:cSld>
-  <p:clrMap accent1="accent1" accent2="accent2" accent3="accent3" accent4="accent4" accent5="accent5" accent6="accent6" bg1="lt1" bg2="dk2" tx1="dk1" tx2="lt2" folHlink="folHlink" hlink="hlink"/>
+  <p:clrMap bg1="lt1" tx1="dk1" bg2="dk2" tx2="lt2" accent1="accent1" accent2="accent2" accent3="accent3" accent4="accent4" accent5="accent5" accent6="accent6" hlink="hlink" folHlink="folHlink"/>
   <p:notesStyle>
-    <a:defPPr lvl="0" marR="0" rtl="0" algn="l">
+    <a:defPPr marR="0" lvl="0" algn="l" rtl="0">
       <a:lnSpc>
         <a:spcPct val="100000"/>
       </a:lnSpc>
@@ -484,7 +499,7 @@
         <a:spcPts val="0"/>
       </a:spcAft>
     </a:defPPr>
-    <a:lvl1pPr lvl="0" marR="0" rtl="0" algn="l">
+    <a:lvl1pPr marR="0" lvl="0" algn="l" rtl="0">
       <a:lnSpc>
         <a:spcPct val="100000"/>
       </a:lnSpc>
@@ -498,7 +513,7 @@
         <a:srgbClr val="000000"/>
       </a:buClr>
       <a:buFont typeface="Arial"/>
-      <a:defRPr b="0" i="0" sz="1400" u="none" cap="none" strike="noStrike">
+      <a:defRPr sz="1400" b="0" i="0" u="none" strike="noStrike" cap="none">
         <a:solidFill>
           <a:srgbClr val="000000"/>
         </a:solidFill>
@@ -508,7 +523,7 @@
         <a:sym typeface="Arial"/>
       </a:defRPr>
     </a:lvl1pPr>
-    <a:lvl2pPr lvl="1" marR="0" rtl="0" algn="l">
+    <a:lvl2pPr marR="0" lvl="1" algn="l" rtl="0">
       <a:lnSpc>
         <a:spcPct val="100000"/>
       </a:lnSpc>
@@ -522,7 +537,7 @@
         <a:srgbClr val="000000"/>
       </a:buClr>
       <a:buFont typeface="Arial"/>
-      <a:defRPr b="0" i="0" sz="1400" u="none" cap="none" strike="noStrike">
+      <a:defRPr sz="1400" b="0" i="0" u="none" strike="noStrike" cap="none">
         <a:solidFill>
           <a:srgbClr val="000000"/>
         </a:solidFill>
@@ -532,7 +547,7 @@
         <a:sym typeface="Arial"/>
       </a:defRPr>
     </a:lvl2pPr>
-    <a:lvl3pPr lvl="2" marR="0" rtl="0" algn="l">
+    <a:lvl3pPr marR="0" lvl="2" algn="l" rtl="0">
       <a:lnSpc>
         <a:spcPct val="100000"/>
       </a:lnSpc>
@@ -546,7 +561,7 @@
         <a:srgbClr val="000000"/>
       </a:buClr>
       <a:buFont typeface="Arial"/>
-      <a:defRPr b="0" i="0" sz="1400" u="none" cap="none" strike="noStrike">
+      <a:defRPr sz="1400" b="0" i="0" u="none" strike="noStrike" cap="none">
         <a:solidFill>
           <a:srgbClr val="000000"/>
         </a:solidFill>
@@ -556,7 +571,7 @@
         <a:sym typeface="Arial"/>
       </a:defRPr>
     </a:lvl3pPr>
-    <a:lvl4pPr lvl="3" marR="0" rtl="0" algn="l">
+    <a:lvl4pPr marR="0" lvl="3" algn="l" rtl="0">
       <a:lnSpc>
         <a:spcPct val="100000"/>
       </a:lnSpc>
@@ -570,7 +585,7 @@
         <a:srgbClr val="000000"/>
       </a:buClr>
       <a:buFont typeface="Arial"/>
-      <a:defRPr b="0" i="0" sz="1400" u="none" cap="none" strike="noStrike">
+      <a:defRPr sz="1400" b="0" i="0" u="none" strike="noStrike" cap="none">
         <a:solidFill>
           <a:srgbClr val="000000"/>
         </a:solidFill>
@@ -580,7 +595,7 @@
         <a:sym typeface="Arial"/>
       </a:defRPr>
     </a:lvl4pPr>
-    <a:lvl5pPr lvl="4" marR="0" rtl="0" algn="l">
+    <a:lvl5pPr marR="0" lvl="4" algn="l" rtl="0">
       <a:lnSpc>
         <a:spcPct val="100000"/>
       </a:lnSpc>
@@ -594,7 +609,7 @@
         <a:srgbClr val="000000"/>
       </a:buClr>
       <a:buFont typeface="Arial"/>
-      <a:defRPr b="0" i="0" sz="1400" u="none" cap="none" strike="noStrike">
+      <a:defRPr sz="1400" b="0" i="0" u="none" strike="noStrike" cap="none">
         <a:solidFill>
           <a:srgbClr val="000000"/>
         </a:solidFill>
@@ -604,7 +619,7 @@
         <a:sym typeface="Arial"/>
       </a:defRPr>
     </a:lvl5pPr>
-    <a:lvl6pPr lvl="5" marR="0" rtl="0" algn="l">
+    <a:lvl6pPr marR="0" lvl="5" algn="l" rtl="0">
       <a:lnSpc>
         <a:spcPct val="100000"/>
       </a:lnSpc>
@@ -618,7 +633,7 @@
         <a:srgbClr val="000000"/>
       </a:buClr>
       <a:buFont typeface="Arial"/>
-      <a:defRPr b="0" i="0" sz="1400" u="none" cap="none" strike="noStrike">
+      <a:defRPr sz="1400" b="0" i="0" u="none" strike="noStrike" cap="none">
         <a:solidFill>
           <a:srgbClr val="000000"/>
         </a:solidFill>
@@ -628,7 +643,7 @@
         <a:sym typeface="Arial"/>
       </a:defRPr>
     </a:lvl6pPr>
-    <a:lvl7pPr lvl="6" marR="0" rtl="0" algn="l">
+    <a:lvl7pPr marR="0" lvl="6" algn="l" rtl="0">
       <a:lnSpc>
         <a:spcPct val="100000"/>
       </a:lnSpc>
@@ -642,7 +657,7 @@
         <a:srgbClr val="000000"/>
       </a:buClr>
       <a:buFont typeface="Arial"/>
-      <a:defRPr b="0" i="0" sz="1400" u="none" cap="none" strike="noStrike">
+      <a:defRPr sz="1400" b="0" i="0" u="none" strike="noStrike" cap="none">
         <a:solidFill>
           <a:srgbClr val="000000"/>
         </a:solidFill>
@@ -652,7 +667,7 @@
         <a:sym typeface="Arial"/>
       </a:defRPr>
     </a:lvl7pPr>
-    <a:lvl8pPr lvl="7" marR="0" rtl="0" algn="l">
+    <a:lvl8pPr marR="0" lvl="7" algn="l" rtl="0">
       <a:lnSpc>
         <a:spcPct val="100000"/>
       </a:lnSpc>
@@ -666,7 +681,7 @@
         <a:srgbClr val="000000"/>
       </a:buClr>
       <a:buFont typeface="Arial"/>
-      <a:defRPr b="0" i="0" sz="1400" u="none" cap="none" strike="noStrike">
+      <a:defRPr sz="1400" b="0" i="0" u="none" strike="noStrike" cap="none">
         <a:solidFill>
           <a:srgbClr val="000000"/>
         </a:solidFill>
@@ -676,7 +691,7 @@
         <a:sym typeface="Arial"/>
       </a:defRPr>
     </a:lvl8pPr>
-    <a:lvl9pPr lvl="8" marR="0" rtl="0" algn="l">
+    <a:lvl9pPr marR="0" lvl="8" algn="l" rtl="0">
       <a:lnSpc>
         <a:spcPct val="100000"/>
       </a:lnSpc>
@@ -690,7 +705,7 @@
         <a:srgbClr val="000000"/>
       </a:buClr>
       <a:buFont typeface="Arial"/>
-      <a:defRPr b="0" i="0" sz="1400" u="none" cap="none" strike="noStrike">
+      <a:defRPr sz="1400" b="0" i="0" u="none" strike="noStrike" cap="none">
         <a:solidFill>
           <a:srgbClr val="000000"/>
         </a:solidFill>
@@ -705,11 +720,11 @@
 </file>
 
 <file path=ppt/notesSlides/notesSlide1.xml><?xml version="1.0" encoding="utf-8"?>
-<p:notes xmlns:a="http://schemas.openxmlformats.org/drawingml/2006/main" xmlns:r="http://schemas.openxmlformats.org/officeDocument/2006/relationships" xmlns:mc="http://schemas.openxmlformats.org/markup-compatibility/2006" xmlns:mv="urn:schemas-microsoft-com:mac:vml" xmlns:p="http://schemas.openxmlformats.org/presentationml/2006/main" xmlns:c="http://schemas.openxmlformats.org/drawingml/2006/chart" xmlns:dgm="http://schemas.openxmlformats.org/drawingml/2006/diagram" xmlns:o="urn:schemas-microsoft-com:office:office" xmlns:v="urn:schemas-microsoft-com:vml" xmlns:pvml="urn:schemas-microsoft-com:office:powerpoint" xmlns:com="http://schemas.openxmlformats.org/drawingml/2006/compatibility" xmlns:p14="http://schemas.microsoft.com/office/powerpoint/2010/main" xmlns:p15="http://schemas.microsoft.com/office/powerpoint/2012/main" xmlns:ahyp="http://schemas.microsoft.com/office/drawing/2018/hyperlinkcolor" showMasterPhAnim="0" showMasterSp="0">
+<p:notes xmlns:a="http://schemas.openxmlformats.org/drawingml/2006/main" xmlns:r="http://schemas.openxmlformats.org/officeDocument/2006/relationships" xmlns:p="http://schemas.openxmlformats.org/presentationml/2006/main" showMasterSp="0" showMasterPhAnim="0">
   <p:cSld>
     <p:spTree>
       <p:nvGrpSpPr>
-        <p:cNvPr id="81" name="Shape 81"/>
+        <p:cNvPr id="1" name="Shape 81"/>
         <p:cNvGrpSpPr/>
         <p:nvPr/>
       </p:nvGrpSpPr>
@@ -724,9 +739,11 @@
       <p:sp>
         <p:nvSpPr>
           <p:cNvPr id="82" name="Google Shape;82;p:notes"/>
-          <p:cNvSpPr/>
+          <p:cNvSpPr>
+            <a:spLocks noGrp="1" noRot="1" noChangeAspect="1"/>
+          </p:cNvSpPr>
           <p:nvPr>
-            <p:ph idx="2" type="sldImg"/>
+            <p:ph type="sldImg" idx="2"/>
           </p:nvPr>
         </p:nvSpPr>
         <p:spPr>
@@ -735,9 +752,13 @@
             <a:ext cx="6096075" cy="3429000"/>
           </a:xfrm>
           <a:custGeom>
-            <a:rect b="b" l="l" r="r" t="t"/>
+            <a:avLst/>
+            <a:gdLst/>
+            <a:ahLst/>
+            <a:cxnLst/>
+            <a:rect l="l" t="t" r="r" b="b"/>
             <a:pathLst>
-              <a:path extrusionOk="0" h="120000" w="120000">
+              <a:path w="120000" h="120000" extrusionOk="0">
                 <a:moveTo>
                   <a:pt x="0" y="0"/>
                 </a:moveTo>
@@ -759,9 +780,11 @@
       <p:sp>
         <p:nvSpPr>
           <p:cNvPr id="83" name="Google Shape;83;p:notes"/>
-          <p:cNvSpPr txBox="1"/>
+          <p:cNvSpPr txBox="1">
+            <a:spLocks noGrp="1"/>
+          </p:cNvSpPr>
           <p:nvPr>
-            <p:ph idx="1" type="body"/>
+            <p:ph type="body" idx="1"/>
           </p:nvPr>
         </p:nvSpPr>
         <p:spPr>
@@ -774,12 +797,12 @@
           </a:prstGeom>
         </p:spPr>
         <p:txBody>
-          <a:bodyPr anchorCtr="0" anchor="t" bIns="91425" lIns="91425" spcFirstLastPara="1" rIns="91425" wrap="square" tIns="91425">
+          <a:bodyPr spcFirstLastPara="1" wrap="square" lIns="91425" tIns="91425" rIns="91425" bIns="91425" anchor="t" anchorCtr="0">
             <a:noAutofit/>
           </a:bodyPr>
           <a:lstStyle/>
           <a:p>
-            <a:pPr indent="0" lvl="0" marL="0" rtl="0" algn="l">
+            <a:pPr marL="0" lvl="0" indent="0" algn="l" rtl="0">
               <a:spcBef>
                 <a:spcPts val="0"/>
               </a:spcBef>
@@ -788,9 +811,6 @@
               </a:spcAft>
               <a:buNone/>
             </a:pPr>
-            <a:r>
-              <a:t/>
-            </a:r>
             <a:endParaRPr/>
           </a:p>
         </p:txBody>
@@ -804,11 +824,11 @@
 </file>
 
 <file path=ppt/notesSlides/notesSlide10.xml><?xml version="1.0" encoding="utf-8"?>
-<p:notes xmlns:a="http://schemas.openxmlformats.org/drawingml/2006/main" xmlns:r="http://schemas.openxmlformats.org/officeDocument/2006/relationships" xmlns:mc="http://schemas.openxmlformats.org/markup-compatibility/2006" xmlns:mv="urn:schemas-microsoft-com:mac:vml" xmlns:p="http://schemas.openxmlformats.org/presentationml/2006/main" xmlns:c="http://schemas.openxmlformats.org/drawingml/2006/chart" xmlns:dgm="http://schemas.openxmlformats.org/drawingml/2006/diagram" xmlns:o="urn:schemas-microsoft-com:office:office" xmlns:v="urn:schemas-microsoft-com:vml" xmlns:pvml="urn:schemas-microsoft-com:office:powerpoint" xmlns:com="http://schemas.openxmlformats.org/drawingml/2006/compatibility" xmlns:p14="http://schemas.microsoft.com/office/powerpoint/2010/main" xmlns:p15="http://schemas.microsoft.com/office/powerpoint/2012/main" xmlns:ahyp="http://schemas.microsoft.com/office/drawing/2018/hyperlinkcolor" showMasterPhAnim="0" showMasterSp="0">
+<p:notes xmlns:a="http://schemas.openxmlformats.org/drawingml/2006/main" xmlns:r="http://schemas.openxmlformats.org/officeDocument/2006/relationships" xmlns:p="http://schemas.openxmlformats.org/presentationml/2006/main" showMasterSp="0" showMasterPhAnim="0">
   <p:cSld>
     <p:spTree>
       <p:nvGrpSpPr>
-        <p:cNvPr id="143" name="Shape 143"/>
+        <p:cNvPr id="1" name="Shape 143"/>
         <p:cNvGrpSpPr/>
         <p:nvPr/>
       </p:nvGrpSpPr>
@@ -823,20 +843,26 @@
       <p:sp>
         <p:nvSpPr>
           <p:cNvPr id="144" name="Google Shape;144;g223b08df51d_0_112:notes"/>
-          <p:cNvSpPr/>
+          <p:cNvSpPr>
+            <a:spLocks noGrp="1" noRot="1" noChangeAspect="1"/>
+          </p:cNvSpPr>
           <p:nvPr>
-            <p:ph idx="2" type="sldImg"/>
+            <p:ph type="sldImg" idx="2"/>
           </p:nvPr>
         </p:nvSpPr>
         <p:spPr>
           <a:xfrm>
-            <a:off x="381300" y="685800"/>
+            <a:off x="381000" y="685800"/>
             <a:ext cx="6096000" cy="3429000"/>
           </a:xfrm>
           <a:custGeom>
-            <a:rect b="b" l="l" r="r" t="t"/>
+            <a:avLst/>
+            <a:gdLst/>
+            <a:ahLst/>
+            <a:cxnLst/>
+            <a:rect l="l" t="t" r="r" b="b"/>
             <a:pathLst>
-              <a:path extrusionOk="0" h="120000" w="120000">
+              <a:path w="120000" h="120000" extrusionOk="0">
                 <a:moveTo>
                   <a:pt x="0" y="0"/>
                 </a:moveTo>
@@ -858,9 +884,11 @@
       <p:sp>
         <p:nvSpPr>
           <p:cNvPr id="145" name="Google Shape;145;g223b08df51d_0_112:notes"/>
-          <p:cNvSpPr txBox="1"/>
+          <p:cNvSpPr txBox="1">
+            <a:spLocks noGrp="1"/>
+          </p:cNvSpPr>
           <p:nvPr>
-            <p:ph idx="1" type="body"/>
+            <p:ph type="body" idx="1"/>
           </p:nvPr>
         </p:nvSpPr>
         <p:spPr>
@@ -873,12 +901,12 @@
           </a:prstGeom>
         </p:spPr>
         <p:txBody>
-          <a:bodyPr anchorCtr="0" anchor="t" bIns="91425" lIns="91425" spcFirstLastPara="1" rIns="91425" wrap="square" tIns="91425">
+          <a:bodyPr spcFirstLastPara="1" wrap="square" lIns="91425" tIns="91425" rIns="91425" bIns="91425" anchor="t" anchorCtr="0">
             <a:noAutofit/>
           </a:bodyPr>
           <a:lstStyle/>
           <a:p>
-            <a:pPr indent="0" lvl="0" marL="0" rtl="0" algn="l">
+            <a:pPr marL="0" lvl="0" indent="0" algn="l" rtl="0">
               <a:spcBef>
                 <a:spcPts val="0"/>
               </a:spcBef>
@@ -887,9 +915,6 @@
               </a:spcAft>
               <a:buNone/>
             </a:pPr>
-            <a:r>
-              <a:t/>
-            </a:r>
             <a:endParaRPr/>
           </a:p>
         </p:txBody>
@@ -903,11 +928,11 @@
 </file>
 
 <file path=ppt/notesSlides/notesSlide2.xml><?xml version="1.0" encoding="utf-8"?>
-<p:notes xmlns:a="http://schemas.openxmlformats.org/drawingml/2006/main" xmlns:r="http://schemas.openxmlformats.org/officeDocument/2006/relationships" xmlns:mc="http://schemas.openxmlformats.org/markup-compatibility/2006" xmlns:mv="urn:schemas-microsoft-com:mac:vml" xmlns:p="http://schemas.openxmlformats.org/presentationml/2006/main" xmlns:c="http://schemas.openxmlformats.org/drawingml/2006/chart" xmlns:dgm="http://schemas.openxmlformats.org/drawingml/2006/diagram" xmlns:o="urn:schemas-microsoft-com:office:office" xmlns:v="urn:schemas-microsoft-com:vml" xmlns:pvml="urn:schemas-microsoft-com:office:powerpoint" xmlns:com="http://schemas.openxmlformats.org/drawingml/2006/compatibility" xmlns:p14="http://schemas.microsoft.com/office/powerpoint/2010/main" xmlns:p15="http://schemas.microsoft.com/office/powerpoint/2012/main" xmlns:ahyp="http://schemas.microsoft.com/office/drawing/2018/hyperlinkcolor" showMasterPhAnim="0" showMasterSp="0">
+<p:notes xmlns:a="http://schemas.openxmlformats.org/drawingml/2006/main" xmlns:r="http://schemas.openxmlformats.org/officeDocument/2006/relationships" xmlns:p="http://schemas.openxmlformats.org/presentationml/2006/main" showMasterSp="0" showMasterPhAnim="0">
   <p:cSld>
     <p:spTree>
       <p:nvGrpSpPr>
-        <p:cNvPr id="87" name="Shape 87"/>
+        <p:cNvPr id="1" name="Shape 87"/>
         <p:cNvGrpSpPr/>
         <p:nvPr/>
       </p:nvGrpSpPr>
@@ -922,9 +947,11 @@
       <p:sp>
         <p:nvSpPr>
           <p:cNvPr id="88" name="Google Shape;88;g223b08df51d_0_81:notes"/>
-          <p:cNvSpPr/>
+          <p:cNvSpPr>
+            <a:spLocks noGrp="1" noRot="1" noChangeAspect="1"/>
+          </p:cNvSpPr>
           <p:nvPr>
-            <p:ph idx="2" type="sldImg"/>
+            <p:ph type="sldImg" idx="2"/>
           </p:nvPr>
         </p:nvSpPr>
         <p:spPr>
@@ -933,9 +960,13 @@
             <a:ext cx="6096000" cy="3429000"/>
           </a:xfrm>
           <a:custGeom>
-            <a:rect b="b" l="l" r="r" t="t"/>
+            <a:avLst/>
+            <a:gdLst/>
+            <a:ahLst/>
+            <a:cxnLst/>
+            <a:rect l="l" t="t" r="r" b="b"/>
             <a:pathLst>
-              <a:path extrusionOk="0" h="120000" w="120000">
+              <a:path w="120000" h="120000" extrusionOk="0">
                 <a:moveTo>
                   <a:pt x="0" y="0"/>
                 </a:moveTo>
@@ -957,9 +988,11 @@
       <p:sp>
         <p:nvSpPr>
           <p:cNvPr id="89" name="Google Shape;89;g223b08df51d_0_81:notes"/>
-          <p:cNvSpPr txBox="1"/>
+          <p:cNvSpPr txBox="1">
+            <a:spLocks noGrp="1"/>
+          </p:cNvSpPr>
           <p:nvPr>
-            <p:ph idx="1" type="body"/>
+            <p:ph type="body" idx="1"/>
           </p:nvPr>
         </p:nvSpPr>
         <p:spPr>
@@ -972,12 +1005,12 @@
           </a:prstGeom>
         </p:spPr>
         <p:txBody>
-          <a:bodyPr anchorCtr="0" anchor="t" bIns="91425" lIns="91425" spcFirstLastPara="1" rIns="91425" wrap="square" tIns="91425">
+          <a:bodyPr spcFirstLastPara="1" wrap="square" lIns="91425" tIns="91425" rIns="91425" bIns="91425" anchor="t" anchorCtr="0">
             <a:noAutofit/>
           </a:bodyPr>
           <a:lstStyle/>
           <a:p>
-            <a:pPr indent="0" lvl="0" marL="0" rtl="0" algn="l">
+            <a:pPr marL="0" lvl="0" indent="0" algn="l" rtl="0">
               <a:spcBef>
                 <a:spcPts val="0"/>
               </a:spcBef>
@@ -986,9 +1019,6 @@
               </a:spcAft>
               <a:buNone/>
             </a:pPr>
-            <a:r>
-              <a:t/>
-            </a:r>
             <a:endParaRPr/>
           </a:p>
         </p:txBody>
@@ -1002,11 +1032,11 @@
 </file>
 
 <file path=ppt/notesSlides/notesSlide3.xml><?xml version="1.0" encoding="utf-8"?>
-<p:notes xmlns:a="http://schemas.openxmlformats.org/drawingml/2006/main" xmlns:r="http://schemas.openxmlformats.org/officeDocument/2006/relationships" xmlns:mc="http://schemas.openxmlformats.org/markup-compatibility/2006" xmlns:mv="urn:schemas-microsoft-com:mac:vml" xmlns:p="http://schemas.openxmlformats.org/presentationml/2006/main" xmlns:c="http://schemas.openxmlformats.org/drawingml/2006/chart" xmlns:dgm="http://schemas.openxmlformats.org/drawingml/2006/diagram" xmlns:o="urn:schemas-microsoft-com:office:office" xmlns:v="urn:schemas-microsoft-com:vml" xmlns:pvml="urn:schemas-microsoft-com:office:powerpoint" xmlns:com="http://schemas.openxmlformats.org/drawingml/2006/compatibility" xmlns:p14="http://schemas.microsoft.com/office/powerpoint/2010/main" xmlns:p15="http://schemas.microsoft.com/office/powerpoint/2012/main" xmlns:ahyp="http://schemas.microsoft.com/office/drawing/2018/hyperlinkcolor" showMasterPhAnim="0" showMasterSp="0">
+<p:notes xmlns:a="http://schemas.openxmlformats.org/drawingml/2006/main" xmlns:r="http://schemas.openxmlformats.org/officeDocument/2006/relationships" xmlns:p="http://schemas.openxmlformats.org/presentationml/2006/main" showMasterSp="0" showMasterPhAnim="0">
   <p:cSld>
     <p:spTree>
       <p:nvGrpSpPr>
-        <p:cNvPr id="93" name="Shape 93"/>
+        <p:cNvPr id="1" name="Shape 93"/>
         <p:cNvGrpSpPr/>
         <p:nvPr/>
       </p:nvGrpSpPr>
@@ -1021,9 +1051,11 @@
       <p:sp>
         <p:nvSpPr>
           <p:cNvPr id="94" name="Google Shape;94;g223b08df51d_0_122:notes"/>
-          <p:cNvSpPr/>
+          <p:cNvSpPr>
+            <a:spLocks noGrp="1" noRot="1" noChangeAspect="1"/>
+          </p:cNvSpPr>
           <p:nvPr>
-            <p:ph idx="2" type="sldImg"/>
+            <p:ph type="sldImg" idx="2"/>
           </p:nvPr>
         </p:nvSpPr>
         <p:spPr>
@@ -1032,9 +1064,13 @@
             <a:ext cx="6096000" cy="3429000"/>
           </a:xfrm>
           <a:custGeom>
-            <a:rect b="b" l="l" r="r" t="t"/>
+            <a:avLst/>
+            <a:gdLst/>
+            <a:ahLst/>
+            <a:cxnLst/>
+            <a:rect l="l" t="t" r="r" b="b"/>
             <a:pathLst>
-              <a:path extrusionOk="0" h="120000" w="120000">
+              <a:path w="120000" h="120000" extrusionOk="0">
                 <a:moveTo>
                   <a:pt x="0" y="0"/>
                 </a:moveTo>
@@ -1056,9 +1092,11 @@
       <p:sp>
         <p:nvSpPr>
           <p:cNvPr id="95" name="Google Shape;95;g223b08df51d_0_122:notes"/>
-          <p:cNvSpPr txBox="1"/>
+          <p:cNvSpPr txBox="1">
+            <a:spLocks noGrp="1"/>
+          </p:cNvSpPr>
           <p:nvPr>
-            <p:ph idx="1" type="body"/>
+            <p:ph type="body" idx="1"/>
           </p:nvPr>
         </p:nvSpPr>
         <p:spPr>
@@ -1071,12 +1109,12 @@
           </a:prstGeom>
         </p:spPr>
         <p:txBody>
-          <a:bodyPr anchorCtr="0" anchor="t" bIns="91425" lIns="91425" spcFirstLastPara="1" rIns="91425" wrap="square" tIns="91425">
+          <a:bodyPr spcFirstLastPara="1" wrap="square" lIns="91425" tIns="91425" rIns="91425" bIns="91425" anchor="t" anchorCtr="0">
             <a:noAutofit/>
           </a:bodyPr>
           <a:lstStyle/>
           <a:p>
-            <a:pPr indent="0" lvl="0" marL="0" rtl="0" algn="l">
+            <a:pPr marL="0" lvl="0" indent="0" algn="l" rtl="0">
               <a:spcBef>
                 <a:spcPts val="0"/>
               </a:spcBef>
@@ -1085,9 +1123,6 @@
               </a:spcAft>
               <a:buNone/>
             </a:pPr>
-            <a:r>
-              <a:t/>
-            </a:r>
             <a:endParaRPr/>
           </a:p>
         </p:txBody>
@@ -1101,11 +1136,11 @@
 </file>
 
 <file path=ppt/notesSlides/notesSlide4.xml><?xml version="1.0" encoding="utf-8"?>
-<p:notes xmlns:a="http://schemas.openxmlformats.org/drawingml/2006/main" xmlns:r="http://schemas.openxmlformats.org/officeDocument/2006/relationships" xmlns:mc="http://schemas.openxmlformats.org/markup-compatibility/2006" xmlns:mv="urn:schemas-microsoft-com:mac:vml" xmlns:p="http://schemas.openxmlformats.org/presentationml/2006/main" xmlns:c="http://schemas.openxmlformats.org/drawingml/2006/chart" xmlns:dgm="http://schemas.openxmlformats.org/drawingml/2006/diagram" xmlns:o="urn:schemas-microsoft-com:office:office" xmlns:v="urn:schemas-microsoft-com:vml" xmlns:pvml="urn:schemas-microsoft-com:office:powerpoint" xmlns:com="http://schemas.openxmlformats.org/drawingml/2006/compatibility" xmlns:p14="http://schemas.microsoft.com/office/powerpoint/2010/main" xmlns:p15="http://schemas.microsoft.com/office/powerpoint/2012/main" xmlns:ahyp="http://schemas.microsoft.com/office/drawing/2018/hyperlinkcolor" showMasterPhAnim="0" showMasterSp="0">
+<p:notes xmlns:a="http://schemas.openxmlformats.org/drawingml/2006/main" xmlns:r="http://schemas.openxmlformats.org/officeDocument/2006/relationships" xmlns:p="http://schemas.openxmlformats.org/presentationml/2006/main" showMasterSp="0" showMasterPhAnim="0">
   <p:cSld>
     <p:spTree>
       <p:nvGrpSpPr>
-        <p:cNvPr id="98" name="Shape 98"/>
+        <p:cNvPr id="1" name="Shape 98"/>
         <p:cNvGrpSpPr/>
         <p:nvPr/>
       </p:nvGrpSpPr>
@@ -1120,9 +1155,11 @@
       <p:sp>
         <p:nvSpPr>
           <p:cNvPr id="99" name="Google Shape;99;g223b08df51d_0_86:notes"/>
-          <p:cNvSpPr/>
+          <p:cNvSpPr>
+            <a:spLocks noGrp="1" noRot="1" noChangeAspect="1"/>
+          </p:cNvSpPr>
           <p:nvPr>
-            <p:ph idx="2" type="sldImg"/>
+            <p:ph type="sldImg" idx="2"/>
           </p:nvPr>
         </p:nvSpPr>
         <p:spPr>
@@ -1131,9 +1168,13 @@
             <a:ext cx="6096000" cy="3429000"/>
           </a:xfrm>
           <a:custGeom>
-            <a:rect b="b" l="l" r="r" t="t"/>
+            <a:avLst/>
+            <a:gdLst/>
+            <a:ahLst/>
+            <a:cxnLst/>
+            <a:rect l="l" t="t" r="r" b="b"/>
             <a:pathLst>
-              <a:path extrusionOk="0" h="120000" w="120000">
+              <a:path w="120000" h="120000" extrusionOk="0">
                 <a:moveTo>
                   <a:pt x="0" y="0"/>
                 </a:moveTo>
@@ -1155,9 +1196,11 @@
       <p:sp>
         <p:nvSpPr>
           <p:cNvPr id="100" name="Google Shape;100;g223b08df51d_0_86:notes"/>
-          <p:cNvSpPr txBox="1"/>
+          <p:cNvSpPr txBox="1">
+            <a:spLocks noGrp="1"/>
+          </p:cNvSpPr>
           <p:nvPr>
-            <p:ph idx="1" type="body"/>
+            <p:ph type="body" idx="1"/>
           </p:nvPr>
         </p:nvSpPr>
         <p:spPr>
@@ -1170,12 +1213,12 @@
           </a:prstGeom>
         </p:spPr>
         <p:txBody>
-          <a:bodyPr anchorCtr="0" anchor="t" bIns="91425" lIns="91425" spcFirstLastPara="1" rIns="91425" wrap="square" tIns="91425">
+          <a:bodyPr spcFirstLastPara="1" wrap="square" lIns="91425" tIns="91425" rIns="91425" bIns="91425" anchor="t" anchorCtr="0">
             <a:noAutofit/>
           </a:bodyPr>
           <a:lstStyle/>
           <a:p>
-            <a:pPr indent="0" lvl="0" marL="0" rtl="0" algn="l">
+            <a:pPr marL="0" lvl="0" indent="0" algn="l" rtl="0">
               <a:spcBef>
                 <a:spcPts val="0"/>
               </a:spcBef>
@@ -1184,9 +1227,6 @@
               </a:spcAft>
               <a:buNone/>
             </a:pPr>
-            <a:r>
-              <a:t/>
-            </a:r>
             <a:endParaRPr/>
           </a:p>
         </p:txBody>
@@ -1200,11 +1240,11 @@
 </file>
 
 <file path=ppt/notesSlides/notesSlide5.xml><?xml version="1.0" encoding="utf-8"?>
-<p:notes xmlns:a="http://schemas.openxmlformats.org/drawingml/2006/main" xmlns:r="http://schemas.openxmlformats.org/officeDocument/2006/relationships" xmlns:mc="http://schemas.openxmlformats.org/markup-compatibility/2006" xmlns:mv="urn:schemas-microsoft-com:mac:vml" xmlns:p="http://schemas.openxmlformats.org/presentationml/2006/main" xmlns:c="http://schemas.openxmlformats.org/drawingml/2006/chart" xmlns:dgm="http://schemas.openxmlformats.org/drawingml/2006/diagram" xmlns:o="urn:schemas-microsoft-com:office:office" xmlns:v="urn:schemas-microsoft-com:vml" xmlns:pvml="urn:schemas-microsoft-com:office:powerpoint" xmlns:com="http://schemas.openxmlformats.org/drawingml/2006/compatibility" xmlns:p14="http://schemas.microsoft.com/office/powerpoint/2010/main" xmlns:p15="http://schemas.microsoft.com/office/powerpoint/2012/main" xmlns:ahyp="http://schemas.microsoft.com/office/drawing/2018/hyperlinkcolor" showMasterPhAnim="0" showMasterSp="0">
+<p:notes xmlns:a="http://schemas.openxmlformats.org/drawingml/2006/main" xmlns:r="http://schemas.openxmlformats.org/officeDocument/2006/relationships" xmlns:p="http://schemas.openxmlformats.org/presentationml/2006/main" showMasterSp="0" showMasterPhAnim="0">
   <p:cSld>
     <p:spTree>
       <p:nvGrpSpPr>
-        <p:cNvPr id="107" name="Shape 107"/>
+        <p:cNvPr id="1" name="Shape 107"/>
         <p:cNvGrpSpPr/>
         <p:nvPr/>
       </p:nvGrpSpPr>
@@ -1219,9 +1259,11 @@
       <p:sp>
         <p:nvSpPr>
           <p:cNvPr id="108" name="Google Shape;108;g2442f00774e_0_0:notes"/>
-          <p:cNvSpPr/>
+          <p:cNvSpPr>
+            <a:spLocks noGrp="1" noRot="1" noChangeAspect="1"/>
+          </p:cNvSpPr>
           <p:nvPr>
-            <p:ph idx="2" type="sldImg"/>
+            <p:ph type="sldImg" idx="2"/>
           </p:nvPr>
         </p:nvSpPr>
         <p:spPr>
@@ -1230,9 +1272,13 @@
             <a:ext cx="6096000" cy="3429000"/>
           </a:xfrm>
           <a:custGeom>
-            <a:rect b="b" l="l" r="r" t="t"/>
+            <a:avLst/>
+            <a:gdLst/>
+            <a:ahLst/>
+            <a:cxnLst/>
+            <a:rect l="l" t="t" r="r" b="b"/>
             <a:pathLst>
-              <a:path extrusionOk="0" h="120000" w="120000">
+              <a:path w="120000" h="120000" extrusionOk="0">
                 <a:moveTo>
                   <a:pt x="0" y="0"/>
                 </a:moveTo>
@@ -1254,9 +1300,11 @@
       <p:sp>
         <p:nvSpPr>
           <p:cNvPr id="109" name="Google Shape;109;g2442f00774e_0_0:notes"/>
-          <p:cNvSpPr txBox="1"/>
+          <p:cNvSpPr txBox="1">
+            <a:spLocks noGrp="1"/>
+          </p:cNvSpPr>
           <p:nvPr>
-            <p:ph idx="1" type="body"/>
+            <p:ph type="body" idx="1"/>
           </p:nvPr>
         </p:nvSpPr>
         <p:spPr>
@@ -1269,12 +1317,12 @@
           </a:prstGeom>
         </p:spPr>
         <p:txBody>
-          <a:bodyPr anchorCtr="0" anchor="t" bIns="91425" lIns="91425" spcFirstLastPara="1" rIns="91425" wrap="square" tIns="91425">
+          <a:bodyPr spcFirstLastPara="1" wrap="square" lIns="91425" tIns="91425" rIns="91425" bIns="91425" anchor="t" anchorCtr="0">
             <a:noAutofit/>
           </a:bodyPr>
           <a:lstStyle/>
           <a:p>
-            <a:pPr indent="0" lvl="0" marL="0" rtl="0" algn="l">
+            <a:pPr marL="0" lvl="0" indent="0" algn="l" rtl="0">
               <a:spcBef>
                 <a:spcPts val="0"/>
               </a:spcBef>
@@ -1283,9 +1331,6 @@
               </a:spcAft>
               <a:buNone/>
             </a:pPr>
-            <a:r>
-              <a:t/>
-            </a:r>
             <a:endParaRPr/>
           </a:p>
         </p:txBody>
@@ -1299,11 +1344,11 @@
 </file>
 
 <file path=ppt/notesSlides/notesSlide6.xml><?xml version="1.0" encoding="utf-8"?>
-<p:notes xmlns:a="http://schemas.openxmlformats.org/drawingml/2006/main" xmlns:r="http://schemas.openxmlformats.org/officeDocument/2006/relationships" xmlns:mc="http://schemas.openxmlformats.org/markup-compatibility/2006" xmlns:mv="urn:schemas-microsoft-com:mac:vml" xmlns:p="http://schemas.openxmlformats.org/presentationml/2006/main" xmlns:c="http://schemas.openxmlformats.org/drawingml/2006/chart" xmlns:dgm="http://schemas.openxmlformats.org/drawingml/2006/diagram" xmlns:o="urn:schemas-microsoft-com:office:office" xmlns:v="urn:schemas-microsoft-com:vml" xmlns:pvml="urn:schemas-microsoft-com:office:powerpoint" xmlns:com="http://schemas.openxmlformats.org/drawingml/2006/compatibility" xmlns:p14="http://schemas.microsoft.com/office/powerpoint/2010/main" xmlns:p15="http://schemas.microsoft.com/office/powerpoint/2012/main" xmlns:ahyp="http://schemas.microsoft.com/office/drawing/2018/hyperlinkcolor" showMasterPhAnim="0" showMasterSp="0">
+<p:notes xmlns:a="http://schemas.openxmlformats.org/drawingml/2006/main" xmlns:r="http://schemas.openxmlformats.org/officeDocument/2006/relationships" xmlns:p="http://schemas.openxmlformats.org/presentationml/2006/main" showMasterSp="0" showMasterPhAnim="0">
   <p:cSld>
     <p:spTree>
       <p:nvGrpSpPr>
-        <p:cNvPr id="116" name="Shape 116"/>
+        <p:cNvPr id="1" name="Shape 116"/>
         <p:cNvGrpSpPr/>
         <p:nvPr/>
       </p:nvGrpSpPr>
@@ -1318,9 +1363,11 @@
       <p:sp>
         <p:nvSpPr>
           <p:cNvPr id="117" name="Google Shape;117;g223b08df51d_0_91:notes"/>
-          <p:cNvSpPr/>
+          <p:cNvSpPr>
+            <a:spLocks noGrp="1" noRot="1" noChangeAspect="1"/>
+          </p:cNvSpPr>
           <p:nvPr>
-            <p:ph idx="2" type="sldImg"/>
+            <p:ph type="sldImg" idx="2"/>
           </p:nvPr>
         </p:nvSpPr>
         <p:spPr>
@@ -1329,9 +1376,13 @@
             <a:ext cx="6096000" cy="3429000"/>
           </a:xfrm>
           <a:custGeom>
-            <a:rect b="b" l="l" r="r" t="t"/>
+            <a:avLst/>
+            <a:gdLst/>
+            <a:ahLst/>
+            <a:cxnLst/>
+            <a:rect l="l" t="t" r="r" b="b"/>
             <a:pathLst>
-              <a:path extrusionOk="0" h="120000" w="120000">
+              <a:path w="120000" h="120000" extrusionOk="0">
                 <a:moveTo>
                   <a:pt x="0" y="0"/>
                 </a:moveTo>
@@ -1353,9 +1404,11 @@
       <p:sp>
         <p:nvSpPr>
           <p:cNvPr id="118" name="Google Shape;118;g223b08df51d_0_91:notes"/>
-          <p:cNvSpPr txBox="1"/>
+          <p:cNvSpPr txBox="1">
+            <a:spLocks noGrp="1"/>
+          </p:cNvSpPr>
           <p:nvPr>
-            <p:ph idx="1" type="body"/>
+            <p:ph type="body" idx="1"/>
           </p:nvPr>
         </p:nvSpPr>
         <p:spPr>
@@ -1368,12 +1421,12 @@
           </a:prstGeom>
         </p:spPr>
         <p:txBody>
-          <a:bodyPr anchorCtr="0" anchor="t" bIns="91425" lIns="91425" spcFirstLastPara="1" rIns="91425" wrap="square" tIns="91425">
+          <a:bodyPr spcFirstLastPara="1" wrap="square" lIns="91425" tIns="91425" rIns="91425" bIns="91425" anchor="t" anchorCtr="0">
             <a:noAutofit/>
           </a:bodyPr>
           <a:lstStyle/>
           <a:p>
-            <a:pPr indent="0" lvl="0" marL="0" rtl="0" algn="l">
+            <a:pPr marL="0" lvl="0" indent="0" algn="l" rtl="0">
               <a:spcBef>
                 <a:spcPts val="0"/>
               </a:spcBef>
@@ -1382,9 +1435,6 @@
               </a:spcAft>
               <a:buNone/>
             </a:pPr>
-            <a:r>
-              <a:t/>
-            </a:r>
             <a:endParaRPr/>
           </a:p>
         </p:txBody>
@@ -1398,11 +1448,11 @@
 </file>
 
 <file path=ppt/notesSlides/notesSlide7.xml><?xml version="1.0" encoding="utf-8"?>
-<p:notes xmlns:a="http://schemas.openxmlformats.org/drawingml/2006/main" xmlns:r="http://schemas.openxmlformats.org/officeDocument/2006/relationships" xmlns:mc="http://schemas.openxmlformats.org/markup-compatibility/2006" xmlns:mv="urn:schemas-microsoft-com:mac:vml" xmlns:p="http://schemas.openxmlformats.org/presentationml/2006/main" xmlns:c="http://schemas.openxmlformats.org/drawingml/2006/chart" xmlns:dgm="http://schemas.openxmlformats.org/drawingml/2006/diagram" xmlns:o="urn:schemas-microsoft-com:office:office" xmlns:v="urn:schemas-microsoft-com:vml" xmlns:pvml="urn:schemas-microsoft-com:office:powerpoint" xmlns:com="http://schemas.openxmlformats.org/drawingml/2006/compatibility" xmlns:p14="http://schemas.microsoft.com/office/powerpoint/2010/main" xmlns:p15="http://schemas.microsoft.com/office/powerpoint/2012/main" xmlns:ahyp="http://schemas.microsoft.com/office/drawing/2018/hyperlinkcolor" showMasterPhAnim="0" showMasterSp="0">
+<p:notes xmlns:a="http://schemas.openxmlformats.org/drawingml/2006/main" xmlns:r="http://schemas.openxmlformats.org/officeDocument/2006/relationships" xmlns:p="http://schemas.openxmlformats.org/presentationml/2006/main" showMasterSp="0" showMasterPhAnim="0">
   <p:cSld>
     <p:spTree>
       <p:nvGrpSpPr>
-        <p:cNvPr id="126" name="Shape 126"/>
+        <p:cNvPr id="1" name="Shape 126"/>
         <p:cNvGrpSpPr/>
         <p:nvPr/>
       </p:nvGrpSpPr>
@@ -1417,9 +1467,11 @@
       <p:sp>
         <p:nvSpPr>
           <p:cNvPr id="127" name="Google Shape;127;g223b08df51d_0_108:notes"/>
-          <p:cNvSpPr/>
+          <p:cNvSpPr>
+            <a:spLocks noGrp="1" noRot="1" noChangeAspect="1"/>
+          </p:cNvSpPr>
           <p:nvPr>
-            <p:ph idx="2" type="sldImg"/>
+            <p:ph type="sldImg" idx="2"/>
           </p:nvPr>
         </p:nvSpPr>
         <p:spPr>
@@ -1428,9 +1480,13 @@
             <a:ext cx="6096000" cy="3429000"/>
           </a:xfrm>
           <a:custGeom>
-            <a:rect b="b" l="l" r="r" t="t"/>
+            <a:avLst/>
+            <a:gdLst/>
+            <a:ahLst/>
+            <a:cxnLst/>
+            <a:rect l="l" t="t" r="r" b="b"/>
             <a:pathLst>
-              <a:path extrusionOk="0" h="120000" w="120000">
+              <a:path w="120000" h="120000" extrusionOk="0">
                 <a:moveTo>
                   <a:pt x="0" y="0"/>
                 </a:moveTo>
@@ -1452,9 +1508,11 @@
       <p:sp>
         <p:nvSpPr>
           <p:cNvPr id="128" name="Google Shape;128;g223b08df51d_0_108:notes"/>
-          <p:cNvSpPr txBox="1"/>
+          <p:cNvSpPr txBox="1">
+            <a:spLocks noGrp="1"/>
+          </p:cNvSpPr>
           <p:nvPr>
-            <p:ph idx="1" type="body"/>
+            <p:ph type="body" idx="1"/>
           </p:nvPr>
         </p:nvSpPr>
         <p:spPr>
@@ -1467,12 +1525,12 @@
           </a:prstGeom>
         </p:spPr>
         <p:txBody>
-          <a:bodyPr anchorCtr="0" anchor="t" bIns="91425" lIns="91425" spcFirstLastPara="1" rIns="91425" wrap="square" tIns="91425">
+          <a:bodyPr spcFirstLastPara="1" wrap="square" lIns="91425" tIns="91425" rIns="91425" bIns="91425" anchor="t" anchorCtr="0">
             <a:noAutofit/>
           </a:bodyPr>
           <a:lstStyle/>
           <a:p>
-            <a:pPr indent="0" lvl="0" marL="0" rtl="0" algn="l">
+            <a:pPr marL="0" lvl="0" indent="0" algn="l" rtl="0">
               <a:spcBef>
                 <a:spcPts val="0"/>
               </a:spcBef>
@@ -1481,9 +1539,6 @@
               </a:spcAft>
               <a:buNone/>
             </a:pPr>
-            <a:r>
-              <a:t/>
-            </a:r>
             <a:endParaRPr/>
           </a:p>
         </p:txBody>
@@ -1497,11 +1552,11 @@
 </file>
 
 <file path=ppt/notesSlides/notesSlide8.xml><?xml version="1.0" encoding="utf-8"?>
-<p:notes xmlns:a="http://schemas.openxmlformats.org/drawingml/2006/main" xmlns:r="http://schemas.openxmlformats.org/officeDocument/2006/relationships" xmlns:mc="http://schemas.openxmlformats.org/markup-compatibility/2006" xmlns:mv="urn:schemas-microsoft-com:mac:vml" xmlns:p="http://schemas.openxmlformats.org/presentationml/2006/main" xmlns:c="http://schemas.openxmlformats.org/drawingml/2006/chart" xmlns:dgm="http://schemas.openxmlformats.org/drawingml/2006/diagram" xmlns:o="urn:schemas-microsoft-com:office:office" xmlns:v="urn:schemas-microsoft-com:vml" xmlns:pvml="urn:schemas-microsoft-com:office:powerpoint" xmlns:com="http://schemas.openxmlformats.org/drawingml/2006/compatibility" xmlns:p14="http://schemas.microsoft.com/office/powerpoint/2010/main" xmlns:p15="http://schemas.microsoft.com/office/powerpoint/2012/main" xmlns:ahyp="http://schemas.microsoft.com/office/drawing/2018/hyperlinkcolor" showMasterPhAnim="0" showMasterSp="0">
+<p:notes xmlns:a="http://schemas.openxmlformats.org/drawingml/2006/main" xmlns:r="http://schemas.openxmlformats.org/officeDocument/2006/relationships" xmlns:p="http://schemas.openxmlformats.org/presentationml/2006/main" showMasterSp="0" showMasterPhAnim="0">
   <p:cSld>
     <p:spTree>
       <p:nvGrpSpPr>
-        <p:cNvPr id="131" name="Shape 131"/>
+        <p:cNvPr id="1" name="Shape 131"/>
         <p:cNvGrpSpPr/>
         <p:nvPr/>
       </p:nvGrpSpPr>
@@ -1516,9 +1571,11 @@
       <p:sp>
         <p:nvSpPr>
           <p:cNvPr id="132" name="Google Shape;132;g223b08df51d_0_96:notes"/>
-          <p:cNvSpPr/>
+          <p:cNvSpPr>
+            <a:spLocks noGrp="1" noRot="1" noChangeAspect="1"/>
+          </p:cNvSpPr>
           <p:nvPr>
-            <p:ph idx="2" type="sldImg"/>
+            <p:ph type="sldImg" idx="2"/>
           </p:nvPr>
         </p:nvSpPr>
         <p:spPr>
@@ -1527,9 +1584,13 @@
             <a:ext cx="6096000" cy="3429000"/>
           </a:xfrm>
           <a:custGeom>
-            <a:rect b="b" l="l" r="r" t="t"/>
+            <a:avLst/>
+            <a:gdLst/>
+            <a:ahLst/>
+            <a:cxnLst/>
+            <a:rect l="l" t="t" r="r" b="b"/>
             <a:pathLst>
-              <a:path extrusionOk="0" h="120000" w="120000">
+              <a:path w="120000" h="120000" extrusionOk="0">
                 <a:moveTo>
                   <a:pt x="0" y="0"/>
                 </a:moveTo>
@@ -1551,9 +1612,11 @@
       <p:sp>
         <p:nvSpPr>
           <p:cNvPr id="133" name="Google Shape;133;g223b08df51d_0_96:notes"/>
-          <p:cNvSpPr txBox="1"/>
+          <p:cNvSpPr txBox="1">
+            <a:spLocks noGrp="1"/>
+          </p:cNvSpPr>
           <p:nvPr>
-            <p:ph idx="1" type="body"/>
+            <p:ph type="body" idx="1"/>
           </p:nvPr>
         </p:nvSpPr>
         <p:spPr>
@@ -1566,12 +1629,12 @@
           </a:prstGeom>
         </p:spPr>
         <p:txBody>
-          <a:bodyPr anchorCtr="0" anchor="t" bIns="91425" lIns="91425" spcFirstLastPara="1" rIns="91425" wrap="square" tIns="91425">
+          <a:bodyPr spcFirstLastPara="1" wrap="square" lIns="91425" tIns="91425" rIns="91425" bIns="91425" anchor="t" anchorCtr="0">
             <a:noAutofit/>
           </a:bodyPr>
           <a:lstStyle/>
           <a:p>
-            <a:pPr indent="0" lvl="0" marL="0" rtl="0" algn="l">
+            <a:pPr marL="0" lvl="0" indent="0" algn="l" rtl="0">
               <a:spcBef>
                 <a:spcPts val="0"/>
               </a:spcBef>
@@ -1580,9 +1643,6 @@
               </a:spcAft>
               <a:buNone/>
             </a:pPr>
-            <a:r>
-              <a:t/>
-            </a:r>
             <a:endParaRPr/>
           </a:p>
         </p:txBody>
@@ -1596,11 +1656,11 @@
 </file>
 
 <file path=ppt/notesSlides/notesSlide9.xml><?xml version="1.0" encoding="utf-8"?>
-<p:notes xmlns:a="http://schemas.openxmlformats.org/drawingml/2006/main" xmlns:r="http://schemas.openxmlformats.org/officeDocument/2006/relationships" xmlns:mc="http://schemas.openxmlformats.org/markup-compatibility/2006" xmlns:mv="urn:schemas-microsoft-com:mac:vml" xmlns:p="http://schemas.openxmlformats.org/presentationml/2006/main" xmlns:c="http://schemas.openxmlformats.org/drawingml/2006/chart" xmlns:dgm="http://schemas.openxmlformats.org/drawingml/2006/diagram" xmlns:o="urn:schemas-microsoft-com:office:office" xmlns:v="urn:schemas-microsoft-com:vml" xmlns:pvml="urn:schemas-microsoft-com:office:powerpoint" xmlns:com="http://schemas.openxmlformats.org/drawingml/2006/compatibility" xmlns:p14="http://schemas.microsoft.com/office/powerpoint/2010/main" xmlns:p15="http://schemas.microsoft.com/office/powerpoint/2012/main" xmlns:ahyp="http://schemas.microsoft.com/office/drawing/2018/hyperlinkcolor" showMasterPhAnim="0" showMasterSp="0">
+<p:notes xmlns:a="http://schemas.openxmlformats.org/drawingml/2006/main" xmlns:r="http://schemas.openxmlformats.org/officeDocument/2006/relationships" xmlns:p="http://schemas.openxmlformats.org/presentationml/2006/main" showMasterSp="0" showMasterPhAnim="0">
   <p:cSld>
     <p:spTree>
       <p:nvGrpSpPr>
-        <p:cNvPr id="137" name="Shape 137"/>
+        <p:cNvPr id="1" name="Shape 137"/>
         <p:cNvGrpSpPr/>
         <p:nvPr/>
       </p:nvGrpSpPr>
@@ -1615,9 +1675,11 @@
       <p:sp>
         <p:nvSpPr>
           <p:cNvPr id="138" name="Google Shape;138;g223b08df51d_0_117:notes"/>
-          <p:cNvSpPr/>
+          <p:cNvSpPr>
+            <a:spLocks noGrp="1" noRot="1" noChangeAspect="1"/>
+          </p:cNvSpPr>
           <p:nvPr>
-            <p:ph idx="2" type="sldImg"/>
+            <p:ph type="sldImg" idx="2"/>
           </p:nvPr>
         </p:nvSpPr>
         <p:spPr>
@@ -1626,9 +1688,13 @@
             <a:ext cx="6096000" cy="3429000"/>
           </a:xfrm>
           <a:custGeom>
-            <a:rect b="b" l="l" r="r" t="t"/>
+            <a:avLst/>
+            <a:gdLst/>
+            <a:ahLst/>
+            <a:cxnLst/>
+            <a:rect l="l" t="t" r="r" b="b"/>
             <a:pathLst>
-              <a:path extrusionOk="0" h="120000" w="120000">
+              <a:path w="120000" h="120000" extrusionOk="0">
                 <a:moveTo>
                   <a:pt x="0" y="0"/>
                 </a:moveTo>
@@ -1650,9 +1716,11 @@
       <p:sp>
         <p:nvSpPr>
           <p:cNvPr id="139" name="Google Shape;139;g223b08df51d_0_117:notes"/>
-          <p:cNvSpPr txBox="1"/>
+          <p:cNvSpPr txBox="1">
+            <a:spLocks noGrp="1"/>
+          </p:cNvSpPr>
           <p:nvPr>
-            <p:ph idx="1" type="body"/>
+            <p:ph type="body" idx="1"/>
           </p:nvPr>
         </p:nvSpPr>
         <p:spPr>
@@ -1665,12 +1733,12 @@
           </a:prstGeom>
         </p:spPr>
         <p:txBody>
-          <a:bodyPr anchorCtr="0" anchor="t" bIns="91425" lIns="91425" spcFirstLastPara="1" rIns="91425" wrap="square" tIns="91425">
+          <a:bodyPr spcFirstLastPara="1" wrap="square" lIns="91425" tIns="91425" rIns="91425" bIns="91425" anchor="t" anchorCtr="0">
             <a:noAutofit/>
           </a:bodyPr>
           <a:lstStyle/>
           <a:p>
-            <a:pPr indent="0" lvl="0" marL="0" rtl="0" algn="l">
+            <a:pPr marL="0" lvl="0" indent="0" algn="l" rtl="0">
               <a:spcBef>
                 <a:spcPts val="0"/>
               </a:spcBef>
@@ -1679,9 +1747,6 @@
               </a:spcAft>
               <a:buNone/>
             </a:pPr>
-            <a:r>
-              <a:t/>
-            </a:r>
             <a:endParaRPr/>
           </a:p>
         </p:txBody>
@@ -1695,18 +1760,19 @@
 </file>
 
 <file path=ppt/slideLayouts/slideLayout1.xml><?xml version="1.0" encoding="utf-8"?>
-<p:sldLayout xmlns:a="http://schemas.openxmlformats.org/drawingml/2006/main" xmlns:r="http://schemas.openxmlformats.org/officeDocument/2006/relationships" xmlns:mc="http://schemas.openxmlformats.org/markup-compatibility/2006" xmlns:mv="urn:schemas-microsoft-com:mac:vml" xmlns:p="http://schemas.openxmlformats.org/presentationml/2006/main" xmlns:c="http://schemas.openxmlformats.org/drawingml/2006/chart" xmlns:dgm="http://schemas.openxmlformats.org/drawingml/2006/diagram" xmlns:o="urn:schemas-microsoft-com:office:office" xmlns:v="urn:schemas-microsoft-com:vml" xmlns:pvml="urn:schemas-microsoft-com:office:powerpoint" xmlns:com="http://schemas.openxmlformats.org/drawingml/2006/compatibility" xmlns:p14="http://schemas.microsoft.com/office/powerpoint/2010/main" xmlns:p15="http://schemas.microsoft.com/office/powerpoint/2012/main" xmlns:ahyp="http://schemas.microsoft.com/office/drawing/2018/hyperlinkcolor" matchingName="Title slide" type="title">
+<p:sldLayout xmlns:a="http://schemas.openxmlformats.org/drawingml/2006/main" xmlns:r="http://schemas.openxmlformats.org/officeDocument/2006/relationships" xmlns:p="http://schemas.openxmlformats.org/presentationml/2006/main" matchingName="Title slide" type="title">
   <p:cSld name="TITLE">
     <p:bg>
       <p:bgPr>
         <a:solidFill>
           <a:schemeClr val="dk1"/>
         </a:solidFill>
+        <a:effectLst/>
       </p:bgPr>
     </p:bg>
     <p:spTree>
       <p:nvGrpSpPr>
-        <p:cNvPr id="9" name="Shape 9"/>
+        <p:cNvPr id="1" name="Shape 9"/>
         <p:cNvGrpSpPr/>
         <p:nvPr/>
       </p:nvGrpSpPr>
@@ -1754,12 +1820,12 @@
             </a:ln>
           </p:spPr>
           <p:txBody>
-            <a:bodyPr anchorCtr="0" anchor="ctr" bIns="91425" lIns="91425" spcFirstLastPara="1" rIns="91425" wrap="square" tIns="91425">
+            <a:bodyPr spcFirstLastPara="1" wrap="square" lIns="91425" tIns="91425" rIns="91425" bIns="91425" anchor="ctr" anchorCtr="0">
               <a:noAutofit/>
             </a:bodyPr>
             <a:lstStyle/>
             <a:p>
-              <a:pPr indent="0" lvl="0" marL="0" rtl="0" algn="l">
+              <a:pPr marL="0" lvl="0" indent="0" algn="l" rtl="0">
                 <a:spcBef>
                   <a:spcPts val="0"/>
                 </a:spcBef>
@@ -1768,9 +1834,6 @@
                 </a:spcAft>
                 <a:buNone/>
               </a:pPr>
-              <a:r>
-                <a:t/>
-              </a:r>
               <a:endParaRPr/>
             </a:p>
           </p:txBody>
@@ -1797,12 +1860,12 @@
             </a:ln>
           </p:spPr>
           <p:txBody>
-            <a:bodyPr anchorCtr="0" anchor="ctr" bIns="91425" lIns="91425" spcFirstLastPara="1" rIns="91425" wrap="square" tIns="91425">
+            <a:bodyPr spcFirstLastPara="1" wrap="square" lIns="91425" tIns="91425" rIns="91425" bIns="91425" anchor="ctr" anchorCtr="0">
               <a:noAutofit/>
             </a:bodyPr>
             <a:lstStyle/>
             <a:p>
-              <a:pPr indent="0" lvl="0" marL="0" rtl="0" algn="l">
+              <a:pPr marL="0" lvl="0" indent="0" algn="l" rtl="0">
                 <a:spcBef>
                   <a:spcPts val="0"/>
                 </a:spcBef>
@@ -1811,9 +1874,6 @@
                 </a:spcAft>
                 <a:buNone/>
               </a:pPr>
-              <a:r>
-                <a:t/>
-              </a:r>
               <a:endParaRPr/>
             </a:p>
           </p:txBody>
@@ -1825,7 +1885,7 @@
             <p:nvPr/>
           </p:nvSpPr>
           <p:spPr>
-            <a:xfrm flipH="1" rot="10800000">
+            <a:xfrm rot="10800000" flipH="1">
               <a:off x="7113588" y="107"/>
               <a:ext cx="1015200" cy="1015200"/>
             </a:xfrm>
@@ -1840,12 +1900,12 @@
             </a:ln>
           </p:spPr>
           <p:txBody>
-            <a:bodyPr anchorCtr="0" anchor="ctr" bIns="91425" lIns="91425" spcFirstLastPara="1" rIns="91425" wrap="square" tIns="91425">
+            <a:bodyPr spcFirstLastPara="1" wrap="square" lIns="91425" tIns="91425" rIns="91425" bIns="91425" anchor="ctr" anchorCtr="0">
               <a:noAutofit/>
             </a:bodyPr>
             <a:lstStyle/>
             <a:p>
-              <a:pPr indent="0" lvl="0" marL="0" rtl="0" algn="l">
+              <a:pPr marL="0" lvl="0" indent="0" algn="l" rtl="0">
                 <a:spcBef>
                   <a:spcPts val="0"/>
                 </a:spcBef>
@@ -1854,9 +1914,6 @@
                 </a:spcAft>
                 <a:buNone/>
               </a:pPr>
-              <a:r>
-                <a:t/>
-              </a:r>
               <a:endParaRPr/>
             </a:p>
           </p:txBody>
@@ -1883,12 +1940,12 @@
             </a:ln>
           </p:spPr>
           <p:txBody>
-            <a:bodyPr anchorCtr="0" anchor="ctr" bIns="91425" lIns="91425" spcFirstLastPara="1" rIns="91425" wrap="square" tIns="91425">
+            <a:bodyPr spcFirstLastPara="1" wrap="square" lIns="91425" tIns="91425" rIns="91425" bIns="91425" anchor="ctr" anchorCtr="0">
               <a:noAutofit/>
             </a:bodyPr>
             <a:lstStyle/>
             <a:p>
-              <a:pPr indent="0" lvl="0" marL="0" rtl="0" algn="l">
+              <a:pPr marL="0" lvl="0" indent="0" algn="l" rtl="0">
                 <a:spcBef>
                   <a:spcPts val="0"/>
                 </a:spcBef>
@@ -1897,9 +1954,6 @@
                 </a:spcAft>
                 <a:buNone/>
               </a:pPr>
-              <a:r>
-                <a:t/>
-              </a:r>
               <a:endParaRPr/>
             </a:p>
           </p:txBody>
@@ -1926,12 +1980,12 @@
             </a:ln>
           </p:spPr>
           <p:txBody>
-            <a:bodyPr anchorCtr="0" anchor="ctr" bIns="91425" lIns="91425" spcFirstLastPara="1" rIns="91425" wrap="square" tIns="91425">
+            <a:bodyPr spcFirstLastPara="1" wrap="square" lIns="91425" tIns="91425" rIns="91425" bIns="91425" anchor="ctr" anchorCtr="0">
               <a:noAutofit/>
             </a:bodyPr>
             <a:lstStyle/>
             <a:p>
-              <a:pPr indent="0" lvl="0" marL="0" rtl="0" algn="l">
+              <a:pPr marL="0" lvl="0" indent="0" algn="l" rtl="0">
                 <a:spcBef>
                   <a:spcPts val="0"/>
                 </a:spcBef>
@@ -1940,9 +1994,6 @@
                 </a:spcAft>
                 <a:buNone/>
               </a:pPr>
-              <a:r>
-                <a:t/>
-              </a:r>
               <a:endParaRPr/>
             </a:p>
           </p:txBody>
@@ -1951,7 +2002,9 @@
       <p:sp>
         <p:nvSpPr>
           <p:cNvPr id="16" name="Google Shape;16;p2"/>
-          <p:cNvSpPr txBox="1"/>
+          <p:cNvSpPr txBox="1">
+            <a:spLocks noGrp="1"/>
+          </p:cNvSpPr>
           <p:nvPr>
             <p:ph type="ctrTitle"/>
           </p:nvPr>
@@ -1966,7 +2019,7 @@
           </a:prstGeom>
         </p:spPr>
         <p:txBody>
-          <a:bodyPr anchorCtr="0" anchor="b" bIns="91425" lIns="91425" spcFirstLastPara="1" rIns="91425" wrap="square" tIns="91425">
+          <a:bodyPr spcFirstLastPara="1" wrap="square" lIns="91425" tIns="91425" rIns="91425" bIns="91425" anchor="b" anchorCtr="0">
             <a:normAutofit/>
           </a:bodyPr>
           <a:lstStyle>
@@ -2133,15 +2186,19 @@
               </a:defRPr>
             </a:lvl9pPr>
           </a:lstStyle>
-          <a:p/>
+          <a:p>
+            <a:endParaRPr/>
+          </a:p>
         </p:txBody>
       </p:sp>
       <p:sp>
         <p:nvSpPr>
           <p:cNvPr id="17" name="Google Shape;17;p2"/>
-          <p:cNvSpPr txBox="1"/>
+          <p:cNvSpPr txBox="1">
+            <a:spLocks noGrp="1"/>
+          </p:cNvSpPr>
           <p:nvPr>
-            <p:ph idx="1" type="subTitle"/>
+            <p:ph type="subTitle" idx="1"/>
           </p:nvPr>
         </p:nvSpPr>
         <p:spPr>
@@ -2154,7 +2211,7 @@
           </a:prstGeom>
         </p:spPr>
         <p:txBody>
-          <a:bodyPr anchorCtr="0" anchor="t" bIns="91425" lIns="91425" spcFirstLastPara="1" rIns="91425" wrap="square" tIns="91425">
+          <a:bodyPr spcFirstLastPara="1" wrap="square" lIns="91425" tIns="91425" rIns="91425" bIns="91425" anchor="t" anchorCtr="0">
             <a:normAutofit/>
           </a:bodyPr>
           <a:lstStyle>
@@ -2348,15 +2405,19 @@
               </a:defRPr>
             </a:lvl9pPr>
           </a:lstStyle>
-          <a:p/>
+          <a:p>
+            <a:endParaRPr/>
+          </a:p>
         </p:txBody>
       </p:sp>
       <p:sp>
         <p:nvSpPr>
           <p:cNvPr id="18" name="Google Shape;18;p2"/>
-          <p:cNvSpPr txBox="1"/>
+          <p:cNvSpPr txBox="1">
+            <a:spLocks noGrp="1"/>
+          </p:cNvSpPr>
           <p:nvPr>
-            <p:ph idx="12" type="sldNum"/>
+            <p:ph type="sldNum" idx="12"/>
           </p:nvPr>
         </p:nvSpPr>
         <p:spPr>
@@ -2369,7 +2430,7 @@
           </a:prstGeom>
         </p:spPr>
         <p:txBody>
-          <a:bodyPr anchorCtr="0" anchor="ctr" bIns="91425" lIns="91425" spcFirstLastPara="1" rIns="91425" wrap="square" tIns="91425">
+          <a:bodyPr spcFirstLastPara="1" wrap="square" lIns="91425" tIns="91425" rIns="91425" bIns="91425" anchor="ctr" anchorCtr="0">
             <a:normAutofit/>
           </a:bodyPr>
           <a:lstStyle>
@@ -2411,7 +2472,7 @@
             </a:lvl9pPr>
           </a:lstStyle>
           <a:p>
-            <a:pPr indent="0" lvl="0" marL="0" rtl="0" algn="r">
+            <a:pPr marL="0" lvl="0" indent="0" algn="r" rtl="0">
               <a:spcBef>
                 <a:spcPts val="0"/>
               </a:spcBef>
@@ -2437,18 +2498,19 @@
 </file>
 
 <file path=ppt/slideLayouts/slideLayout10.xml><?xml version="1.0" encoding="utf-8"?>
-<p:sldLayout xmlns:a="http://schemas.openxmlformats.org/drawingml/2006/main" xmlns:r="http://schemas.openxmlformats.org/officeDocument/2006/relationships" xmlns:mc="http://schemas.openxmlformats.org/markup-compatibility/2006" xmlns:mv="urn:schemas-microsoft-com:mac:vml" xmlns:p="http://schemas.openxmlformats.org/presentationml/2006/main" xmlns:c="http://schemas.openxmlformats.org/drawingml/2006/chart" xmlns:dgm="http://schemas.openxmlformats.org/drawingml/2006/diagram" xmlns:o="urn:schemas-microsoft-com:office:office" xmlns:v="urn:schemas-microsoft-com:vml" xmlns:pvml="urn:schemas-microsoft-com:office:powerpoint" xmlns:com="http://schemas.openxmlformats.org/drawingml/2006/compatibility" xmlns:p14="http://schemas.microsoft.com/office/powerpoint/2010/main" xmlns:p15="http://schemas.microsoft.com/office/powerpoint/2012/main" xmlns:ahyp="http://schemas.microsoft.com/office/drawing/2018/hyperlinkcolor" matchingName="Big number">
+<p:sldLayout xmlns:a="http://schemas.openxmlformats.org/drawingml/2006/main" xmlns:r="http://schemas.openxmlformats.org/officeDocument/2006/relationships" xmlns:p="http://schemas.openxmlformats.org/presentationml/2006/main" matchingName="Big number">
   <p:cSld name="BIG_NUMBER">
     <p:bg>
       <p:bgPr>
         <a:solidFill>
           <a:schemeClr val="dk1"/>
         </a:solidFill>
+        <a:effectLst/>
       </p:bgPr>
     </p:bg>
     <p:spTree>
       <p:nvGrpSpPr>
-        <p:cNvPr id="69" name="Shape 69"/>
+        <p:cNvPr id="1" name="Shape 69"/>
         <p:cNvGrpSpPr/>
         <p:nvPr/>
       </p:nvGrpSpPr>
@@ -2496,12 +2558,12 @@
             </a:ln>
           </p:spPr>
           <p:txBody>
-            <a:bodyPr anchorCtr="0" anchor="ctr" bIns="91425" lIns="91425" spcFirstLastPara="1" rIns="91425" wrap="square" tIns="91425">
+            <a:bodyPr spcFirstLastPara="1" wrap="square" lIns="91425" tIns="91425" rIns="91425" bIns="91425" anchor="ctr" anchorCtr="0">
               <a:noAutofit/>
             </a:bodyPr>
             <a:lstStyle/>
             <a:p>
-              <a:pPr indent="0" lvl="0" marL="0" rtl="0" algn="l">
+              <a:pPr marL="0" lvl="0" indent="0" algn="l" rtl="0">
                 <a:spcBef>
                   <a:spcPts val="0"/>
                 </a:spcBef>
@@ -2510,9 +2572,6 @@
                 </a:spcAft>
                 <a:buNone/>
               </a:pPr>
-              <a:r>
-                <a:t/>
-              </a:r>
               <a:endParaRPr/>
             </a:p>
           </p:txBody>
@@ -2539,12 +2598,12 @@
             </a:ln>
           </p:spPr>
           <p:txBody>
-            <a:bodyPr anchorCtr="0" anchor="ctr" bIns="91425" lIns="91425" spcFirstLastPara="1" rIns="91425" wrap="square" tIns="91425">
+            <a:bodyPr spcFirstLastPara="1" wrap="square" lIns="91425" tIns="91425" rIns="91425" bIns="91425" anchor="ctr" anchorCtr="0">
               <a:noAutofit/>
             </a:bodyPr>
             <a:lstStyle/>
             <a:p>
-              <a:pPr indent="0" lvl="0" marL="0" rtl="0" algn="l">
+              <a:pPr marL="0" lvl="0" indent="0" algn="l" rtl="0">
                 <a:spcBef>
                   <a:spcPts val="0"/>
                 </a:spcBef>
@@ -2553,9 +2612,6 @@
                 </a:spcAft>
                 <a:buNone/>
               </a:pPr>
-              <a:r>
-                <a:t/>
-              </a:r>
               <a:endParaRPr/>
             </a:p>
           </p:txBody>
@@ -2567,7 +2623,7 @@
             <p:nvPr/>
           </p:nvSpPr>
           <p:spPr>
-            <a:xfrm flipH="1" rot="10800000">
+            <a:xfrm rot="10800000" flipH="1">
               <a:off x="7113588" y="107"/>
               <a:ext cx="1015200" cy="1015200"/>
             </a:xfrm>
@@ -2582,12 +2638,12 @@
             </a:ln>
           </p:spPr>
           <p:txBody>
-            <a:bodyPr anchorCtr="0" anchor="ctr" bIns="91425" lIns="91425" spcFirstLastPara="1" rIns="91425" wrap="square" tIns="91425">
+            <a:bodyPr spcFirstLastPara="1" wrap="square" lIns="91425" tIns="91425" rIns="91425" bIns="91425" anchor="ctr" anchorCtr="0">
               <a:noAutofit/>
             </a:bodyPr>
             <a:lstStyle/>
             <a:p>
-              <a:pPr indent="0" lvl="0" marL="0" rtl="0" algn="l">
+              <a:pPr marL="0" lvl="0" indent="0" algn="l" rtl="0">
                 <a:spcBef>
                   <a:spcPts val="0"/>
                 </a:spcBef>
@@ -2596,9 +2652,6 @@
                 </a:spcAft>
                 <a:buNone/>
               </a:pPr>
-              <a:r>
-                <a:t/>
-              </a:r>
               <a:endParaRPr/>
             </a:p>
           </p:txBody>
@@ -2625,12 +2678,12 @@
             </a:ln>
           </p:spPr>
           <p:txBody>
-            <a:bodyPr anchorCtr="0" anchor="ctr" bIns="91425" lIns="91425" spcFirstLastPara="1" rIns="91425" wrap="square" tIns="91425">
+            <a:bodyPr spcFirstLastPara="1" wrap="square" lIns="91425" tIns="91425" rIns="91425" bIns="91425" anchor="ctr" anchorCtr="0">
               <a:noAutofit/>
             </a:bodyPr>
             <a:lstStyle/>
             <a:p>
-              <a:pPr indent="0" lvl="0" marL="0" rtl="0" algn="l">
+              <a:pPr marL="0" lvl="0" indent="0" algn="l" rtl="0">
                 <a:spcBef>
                   <a:spcPts val="0"/>
                 </a:spcBef>
@@ -2639,9 +2692,6 @@
                 </a:spcAft>
                 <a:buNone/>
               </a:pPr>
-              <a:r>
-                <a:t/>
-              </a:r>
               <a:endParaRPr/>
             </a:p>
           </p:txBody>
@@ -2668,12 +2718,12 @@
             </a:ln>
           </p:spPr>
           <p:txBody>
-            <a:bodyPr anchorCtr="0" anchor="ctr" bIns="91425" lIns="91425" spcFirstLastPara="1" rIns="91425" wrap="square" tIns="91425">
+            <a:bodyPr spcFirstLastPara="1" wrap="square" lIns="91425" tIns="91425" rIns="91425" bIns="91425" anchor="ctr" anchorCtr="0">
               <a:noAutofit/>
             </a:bodyPr>
             <a:lstStyle/>
             <a:p>
-              <a:pPr indent="0" lvl="0" marL="0" rtl="0" algn="l">
+              <a:pPr marL="0" lvl="0" indent="0" algn="l" rtl="0">
                 <a:spcBef>
                   <a:spcPts val="0"/>
                 </a:spcBef>
@@ -2682,9 +2732,6 @@
                 </a:spcAft>
                 <a:buNone/>
               </a:pPr>
-              <a:r>
-                <a:t/>
-              </a:r>
               <a:endParaRPr/>
             </a:p>
           </p:txBody>
@@ -2693,9 +2740,11 @@
       <p:sp>
         <p:nvSpPr>
           <p:cNvPr id="76" name="Google Shape;76;p11"/>
-          <p:cNvSpPr txBox="1"/>
+          <p:cNvSpPr txBox="1">
+            <a:spLocks noGrp="1"/>
+          </p:cNvSpPr>
           <p:nvPr>
-            <p:ph hasCustomPrompt="1" type="title"/>
+            <p:ph type="title" hasCustomPrompt="1"/>
           </p:nvPr>
         </p:nvSpPr>
         <p:spPr>
@@ -2708,7 +2757,7 @@
           </a:prstGeom>
         </p:spPr>
         <p:txBody>
-          <a:bodyPr anchorCtr="0" anchor="b" bIns="91425" lIns="91425" spcFirstLastPara="1" rIns="91425" wrap="square" tIns="91425">
+          <a:bodyPr spcFirstLastPara="1" wrap="square" lIns="91425" tIns="91425" rIns="91425" bIns="91425" anchor="b" anchorCtr="0">
             <a:normAutofit/>
           </a:bodyPr>
           <a:lstStyle>
@@ -2885,9 +2934,11 @@
       <p:sp>
         <p:nvSpPr>
           <p:cNvPr id="77" name="Google Shape;77;p11"/>
-          <p:cNvSpPr txBox="1"/>
+          <p:cNvSpPr txBox="1">
+            <a:spLocks noGrp="1"/>
+          </p:cNvSpPr>
           <p:nvPr>
-            <p:ph idx="1" type="body"/>
+            <p:ph type="body" idx="1"/>
           </p:nvPr>
         </p:nvSpPr>
         <p:spPr>
@@ -2900,11 +2951,11 @@
           </a:prstGeom>
         </p:spPr>
         <p:txBody>
-          <a:bodyPr anchorCtr="0" anchor="t" bIns="91425" lIns="91425" spcFirstLastPara="1" rIns="91425" wrap="square" tIns="91425">
+          <a:bodyPr spcFirstLastPara="1" wrap="square" lIns="91425" tIns="91425" rIns="91425" bIns="91425" anchor="t" anchorCtr="0">
             <a:normAutofit/>
           </a:bodyPr>
           <a:lstStyle>
-            <a:lvl1pPr indent="-342900" lvl="0" marL="457200" algn="ctr">
+            <a:lvl1pPr marL="457200" lvl="0" indent="-342900" algn="ctr">
               <a:spcBef>
                 <a:spcPts val="0"/>
               </a:spcBef>
@@ -2922,7 +2973,7 @@
                 </a:solidFill>
               </a:defRPr>
             </a:lvl1pPr>
-            <a:lvl2pPr indent="-317500" lvl="1" marL="914400" algn="ctr">
+            <a:lvl2pPr marL="914400" lvl="1" indent="-317500" algn="ctr">
               <a:spcBef>
                 <a:spcPts val="0"/>
               </a:spcBef>
@@ -2940,7 +2991,7 @@
                 </a:solidFill>
               </a:defRPr>
             </a:lvl2pPr>
-            <a:lvl3pPr indent="-317500" lvl="2" marL="1371600" algn="ctr">
+            <a:lvl3pPr marL="1371600" lvl="2" indent="-317500" algn="ctr">
               <a:spcBef>
                 <a:spcPts val="0"/>
               </a:spcBef>
@@ -2958,7 +3009,7 @@
                 </a:solidFill>
               </a:defRPr>
             </a:lvl3pPr>
-            <a:lvl4pPr indent="-317500" lvl="3" marL="1828800" algn="ctr">
+            <a:lvl4pPr marL="1828800" lvl="3" indent="-317500" algn="ctr">
               <a:spcBef>
                 <a:spcPts val="0"/>
               </a:spcBef>
@@ -2976,7 +3027,7 @@
                 </a:solidFill>
               </a:defRPr>
             </a:lvl4pPr>
-            <a:lvl5pPr indent="-317500" lvl="4" marL="2286000" algn="ctr">
+            <a:lvl5pPr marL="2286000" lvl="4" indent="-317500" algn="ctr">
               <a:spcBef>
                 <a:spcPts val="0"/>
               </a:spcBef>
@@ -2994,7 +3045,7 @@
                 </a:solidFill>
               </a:defRPr>
             </a:lvl5pPr>
-            <a:lvl6pPr indent="-317500" lvl="5" marL="2743200" algn="ctr">
+            <a:lvl6pPr marL="2743200" lvl="5" indent="-317500" algn="ctr">
               <a:spcBef>
                 <a:spcPts val="0"/>
               </a:spcBef>
@@ -3012,7 +3063,7 @@
                 </a:solidFill>
               </a:defRPr>
             </a:lvl6pPr>
-            <a:lvl7pPr indent="-317500" lvl="6" marL="3200400" algn="ctr">
+            <a:lvl7pPr marL="3200400" lvl="6" indent="-317500" algn="ctr">
               <a:spcBef>
                 <a:spcPts val="0"/>
               </a:spcBef>
@@ -3030,7 +3081,7 @@
                 </a:solidFill>
               </a:defRPr>
             </a:lvl7pPr>
-            <a:lvl8pPr indent="-317500" lvl="7" marL="3657600" algn="ctr">
+            <a:lvl8pPr marL="3657600" lvl="7" indent="-317500" algn="ctr">
               <a:spcBef>
                 <a:spcPts val="0"/>
               </a:spcBef>
@@ -3048,7 +3099,7 @@
                 </a:solidFill>
               </a:defRPr>
             </a:lvl8pPr>
-            <a:lvl9pPr indent="-317500" lvl="8" marL="4114800" algn="ctr">
+            <a:lvl9pPr marL="4114800" lvl="8" indent="-317500" algn="ctr">
               <a:spcBef>
                 <a:spcPts val="0"/>
               </a:spcBef>
@@ -3067,15 +3118,19 @@
               </a:defRPr>
             </a:lvl9pPr>
           </a:lstStyle>
-          <a:p/>
+          <a:p>
+            <a:endParaRPr/>
+          </a:p>
         </p:txBody>
       </p:sp>
       <p:sp>
         <p:nvSpPr>
           <p:cNvPr id="78" name="Google Shape;78;p11"/>
-          <p:cNvSpPr txBox="1"/>
+          <p:cNvSpPr txBox="1">
+            <a:spLocks noGrp="1"/>
+          </p:cNvSpPr>
           <p:nvPr>
-            <p:ph idx="12" type="sldNum"/>
+            <p:ph type="sldNum" idx="12"/>
           </p:nvPr>
         </p:nvSpPr>
         <p:spPr>
@@ -3088,7 +3143,7 @@
           </a:prstGeom>
         </p:spPr>
         <p:txBody>
-          <a:bodyPr anchorCtr="0" anchor="ctr" bIns="91425" lIns="91425" spcFirstLastPara="1" rIns="91425" wrap="square" tIns="91425">
+          <a:bodyPr spcFirstLastPara="1" wrap="square" lIns="91425" tIns="91425" rIns="91425" bIns="91425" anchor="ctr" anchorCtr="0">
             <a:normAutofit/>
           </a:bodyPr>
           <a:lstStyle>
@@ -3130,7 +3185,7 @@
             </a:lvl9pPr>
           </a:lstStyle>
           <a:p>
-            <a:pPr indent="0" lvl="0" marL="0" rtl="0" algn="r">
+            <a:pPr marL="0" lvl="0" indent="0" algn="r" rtl="0">
               <a:spcBef>
                 <a:spcPts val="0"/>
               </a:spcBef>
@@ -3156,11 +3211,11 @@
 </file>
 
 <file path=ppt/slideLayouts/slideLayout11.xml><?xml version="1.0" encoding="utf-8"?>
-<p:sldLayout xmlns:a="http://schemas.openxmlformats.org/drawingml/2006/main" xmlns:r="http://schemas.openxmlformats.org/officeDocument/2006/relationships" xmlns:mc="http://schemas.openxmlformats.org/markup-compatibility/2006" xmlns:mv="urn:schemas-microsoft-com:mac:vml" xmlns:p="http://schemas.openxmlformats.org/presentationml/2006/main" xmlns:c="http://schemas.openxmlformats.org/drawingml/2006/chart" xmlns:dgm="http://schemas.openxmlformats.org/drawingml/2006/diagram" xmlns:o="urn:schemas-microsoft-com:office:office" xmlns:v="urn:schemas-microsoft-com:vml" xmlns:pvml="urn:schemas-microsoft-com:office:powerpoint" xmlns:com="http://schemas.openxmlformats.org/drawingml/2006/compatibility" xmlns:p14="http://schemas.microsoft.com/office/powerpoint/2010/main" xmlns:p15="http://schemas.microsoft.com/office/powerpoint/2012/main" xmlns:ahyp="http://schemas.microsoft.com/office/drawing/2018/hyperlinkcolor" matchingName="Blank" type="blank">
+<p:sldLayout xmlns:a="http://schemas.openxmlformats.org/drawingml/2006/main" xmlns:r="http://schemas.openxmlformats.org/officeDocument/2006/relationships" xmlns:p="http://schemas.openxmlformats.org/presentationml/2006/main" matchingName="Blank" type="blank">
   <p:cSld name="BLANK">
     <p:spTree>
       <p:nvGrpSpPr>
-        <p:cNvPr id="79" name="Shape 79"/>
+        <p:cNvPr id="1" name="Shape 79"/>
         <p:cNvGrpSpPr/>
         <p:nvPr/>
       </p:nvGrpSpPr>
@@ -3175,9 +3230,11 @@
       <p:sp>
         <p:nvSpPr>
           <p:cNvPr id="80" name="Google Shape;80;p12"/>
-          <p:cNvSpPr txBox="1"/>
+          <p:cNvSpPr txBox="1">
+            <a:spLocks noGrp="1"/>
+          </p:cNvSpPr>
           <p:nvPr>
-            <p:ph idx="12" type="sldNum"/>
+            <p:ph type="sldNum" idx="12"/>
           </p:nvPr>
         </p:nvSpPr>
         <p:spPr>
@@ -3190,7 +3247,7 @@
           </a:prstGeom>
         </p:spPr>
         <p:txBody>
-          <a:bodyPr anchorCtr="0" anchor="ctr" bIns="91425" lIns="91425" spcFirstLastPara="1" rIns="91425" wrap="square" tIns="91425">
+          <a:bodyPr spcFirstLastPara="1" wrap="square" lIns="91425" tIns="91425" rIns="91425" bIns="91425" anchor="ctr" anchorCtr="0">
             <a:normAutofit/>
           </a:bodyPr>
           <a:lstStyle>
@@ -3268,7 +3325,7 @@
             </a:lvl9pPr>
           </a:lstStyle>
           <a:p>
-            <a:pPr indent="0" lvl="0" marL="0" rtl="0" algn="r">
+            <a:pPr marL="0" lvl="0" indent="0" algn="r" rtl="0">
               <a:spcBef>
                 <a:spcPts val="0"/>
               </a:spcBef>
@@ -3294,18 +3351,19 @@
 </file>
 
 <file path=ppt/slideLayouts/slideLayout2.xml><?xml version="1.0" encoding="utf-8"?>
-<p:sldLayout xmlns:a="http://schemas.openxmlformats.org/drawingml/2006/main" xmlns:r="http://schemas.openxmlformats.org/officeDocument/2006/relationships" xmlns:mc="http://schemas.openxmlformats.org/markup-compatibility/2006" xmlns:mv="urn:schemas-microsoft-com:mac:vml" xmlns:p="http://schemas.openxmlformats.org/presentationml/2006/main" xmlns:c="http://schemas.openxmlformats.org/drawingml/2006/chart" xmlns:dgm="http://schemas.openxmlformats.org/drawingml/2006/diagram" xmlns:o="urn:schemas-microsoft-com:office:office" xmlns:v="urn:schemas-microsoft-com:vml" xmlns:pvml="urn:schemas-microsoft-com:office:powerpoint" xmlns:com="http://schemas.openxmlformats.org/drawingml/2006/compatibility" xmlns:p14="http://schemas.microsoft.com/office/powerpoint/2010/main" xmlns:p15="http://schemas.microsoft.com/office/powerpoint/2012/main" xmlns:ahyp="http://schemas.microsoft.com/office/drawing/2018/hyperlinkcolor" matchingName="Section header" type="secHead">
+<p:sldLayout xmlns:a="http://schemas.openxmlformats.org/drawingml/2006/main" xmlns:r="http://schemas.openxmlformats.org/officeDocument/2006/relationships" xmlns:p="http://schemas.openxmlformats.org/presentationml/2006/main" matchingName="Section header" type="secHead">
   <p:cSld name="SECTION_HEADER">
     <p:bg>
       <p:bgPr>
         <a:solidFill>
           <a:schemeClr val="dk1"/>
         </a:solidFill>
+        <a:effectLst/>
       </p:bgPr>
     </p:bg>
     <p:spTree>
       <p:nvGrpSpPr>
-        <p:cNvPr id="19" name="Shape 19"/>
+        <p:cNvPr id="1" name="Shape 19"/>
         <p:cNvGrpSpPr/>
         <p:nvPr/>
       </p:nvGrpSpPr>
@@ -3353,12 +3411,12 @@
             </a:ln>
           </p:spPr>
           <p:txBody>
-            <a:bodyPr anchorCtr="0" anchor="ctr" bIns="91425" lIns="91425" spcFirstLastPara="1" rIns="91425" wrap="square" tIns="91425">
+            <a:bodyPr spcFirstLastPara="1" wrap="square" lIns="91425" tIns="91425" rIns="91425" bIns="91425" anchor="ctr" anchorCtr="0">
               <a:noAutofit/>
             </a:bodyPr>
             <a:lstStyle/>
             <a:p>
-              <a:pPr indent="0" lvl="0" marL="0" rtl="0" algn="l">
+              <a:pPr marL="0" lvl="0" indent="0" algn="l" rtl="0">
                 <a:spcBef>
                   <a:spcPts val="0"/>
                 </a:spcBef>
@@ -3367,9 +3425,6 @@
                 </a:spcAft>
                 <a:buNone/>
               </a:pPr>
-              <a:r>
-                <a:t/>
-              </a:r>
               <a:endParaRPr/>
             </a:p>
           </p:txBody>
@@ -3396,12 +3451,12 @@
             </a:ln>
           </p:spPr>
           <p:txBody>
-            <a:bodyPr anchorCtr="0" anchor="ctr" bIns="91425" lIns="91425" spcFirstLastPara="1" rIns="91425" wrap="square" tIns="91425">
+            <a:bodyPr spcFirstLastPara="1" wrap="square" lIns="91425" tIns="91425" rIns="91425" bIns="91425" anchor="ctr" anchorCtr="0">
               <a:noAutofit/>
             </a:bodyPr>
             <a:lstStyle/>
             <a:p>
-              <a:pPr indent="0" lvl="0" marL="0" rtl="0" algn="l">
+              <a:pPr marL="0" lvl="0" indent="0" algn="l" rtl="0">
                 <a:spcBef>
                   <a:spcPts val="0"/>
                 </a:spcBef>
@@ -3410,9 +3465,6 @@
                 </a:spcAft>
                 <a:buNone/>
               </a:pPr>
-              <a:r>
-                <a:t/>
-              </a:r>
               <a:endParaRPr/>
             </a:p>
           </p:txBody>
@@ -3424,7 +3476,7 @@
             <p:nvPr/>
           </p:nvSpPr>
           <p:spPr>
-            <a:xfrm flipH="1" rot="10800000">
+            <a:xfrm rot="10800000" flipH="1">
               <a:off x="7113588" y="107"/>
               <a:ext cx="1015200" cy="1015200"/>
             </a:xfrm>
@@ -3439,12 +3491,12 @@
             </a:ln>
           </p:spPr>
           <p:txBody>
-            <a:bodyPr anchorCtr="0" anchor="ctr" bIns="91425" lIns="91425" spcFirstLastPara="1" rIns="91425" wrap="square" tIns="91425">
+            <a:bodyPr spcFirstLastPara="1" wrap="square" lIns="91425" tIns="91425" rIns="91425" bIns="91425" anchor="ctr" anchorCtr="0">
               <a:noAutofit/>
             </a:bodyPr>
             <a:lstStyle/>
             <a:p>
-              <a:pPr indent="0" lvl="0" marL="0" rtl="0" algn="l">
+              <a:pPr marL="0" lvl="0" indent="0" algn="l" rtl="0">
                 <a:spcBef>
                   <a:spcPts val="0"/>
                 </a:spcBef>
@@ -3453,9 +3505,6 @@
                 </a:spcAft>
                 <a:buNone/>
               </a:pPr>
-              <a:r>
-                <a:t/>
-              </a:r>
               <a:endParaRPr/>
             </a:p>
           </p:txBody>
@@ -3482,12 +3531,12 @@
             </a:ln>
           </p:spPr>
           <p:txBody>
-            <a:bodyPr anchorCtr="0" anchor="ctr" bIns="91425" lIns="91425" spcFirstLastPara="1" rIns="91425" wrap="square" tIns="91425">
+            <a:bodyPr spcFirstLastPara="1" wrap="square" lIns="91425" tIns="91425" rIns="91425" bIns="91425" anchor="ctr" anchorCtr="0">
               <a:noAutofit/>
             </a:bodyPr>
             <a:lstStyle/>
             <a:p>
-              <a:pPr indent="0" lvl="0" marL="0" rtl="0" algn="l">
+              <a:pPr marL="0" lvl="0" indent="0" algn="l" rtl="0">
                 <a:spcBef>
                   <a:spcPts val="0"/>
                 </a:spcBef>
@@ -3496,9 +3545,6 @@
                 </a:spcAft>
                 <a:buNone/>
               </a:pPr>
-              <a:r>
-                <a:t/>
-              </a:r>
               <a:endParaRPr/>
             </a:p>
           </p:txBody>
@@ -3525,12 +3571,12 @@
             </a:ln>
           </p:spPr>
           <p:txBody>
-            <a:bodyPr anchorCtr="0" anchor="ctr" bIns="91425" lIns="91425" spcFirstLastPara="1" rIns="91425" wrap="square" tIns="91425">
+            <a:bodyPr spcFirstLastPara="1" wrap="square" lIns="91425" tIns="91425" rIns="91425" bIns="91425" anchor="ctr" anchorCtr="0">
               <a:noAutofit/>
             </a:bodyPr>
             <a:lstStyle/>
             <a:p>
-              <a:pPr indent="0" lvl="0" marL="0" rtl="0" algn="l">
+              <a:pPr marL="0" lvl="0" indent="0" algn="l" rtl="0">
                 <a:spcBef>
                   <a:spcPts val="0"/>
                 </a:spcBef>
@@ -3539,9 +3585,6 @@
                 </a:spcAft>
                 <a:buNone/>
               </a:pPr>
-              <a:r>
-                <a:t/>
-              </a:r>
               <a:endParaRPr/>
             </a:p>
           </p:txBody>
@@ -3550,7 +3593,9 @@
       <p:sp>
         <p:nvSpPr>
           <p:cNvPr id="26" name="Google Shape;26;p3"/>
-          <p:cNvSpPr txBox="1"/>
+          <p:cNvSpPr txBox="1">
+            <a:spLocks noGrp="1"/>
+          </p:cNvSpPr>
           <p:nvPr>
             <p:ph type="title"/>
           </p:nvPr>
@@ -3565,7 +3610,7 @@
           </a:prstGeom>
         </p:spPr>
         <p:txBody>
-          <a:bodyPr anchorCtr="0" anchor="ctr" bIns="91425" lIns="91425" spcFirstLastPara="1" rIns="91425" wrap="square" tIns="91425">
+          <a:bodyPr spcFirstLastPara="1" wrap="square" lIns="91425" tIns="91425" rIns="91425" bIns="91425" anchor="ctr" anchorCtr="0">
             <a:normAutofit/>
           </a:bodyPr>
           <a:lstStyle>
@@ -3732,15 +3777,19 @@
               </a:defRPr>
             </a:lvl9pPr>
           </a:lstStyle>
-          <a:p/>
+          <a:p>
+            <a:endParaRPr/>
+          </a:p>
         </p:txBody>
       </p:sp>
       <p:sp>
         <p:nvSpPr>
           <p:cNvPr id="27" name="Google Shape;27;p3"/>
-          <p:cNvSpPr txBox="1"/>
+          <p:cNvSpPr txBox="1">
+            <a:spLocks noGrp="1"/>
+          </p:cNvSpPr>
           <p:nvPr>
-            <p:ph idx="12" type="sldNum"/>
+            <p:ph type="sldNum" idx="12"/>
           </p:nvPr>
         </p:nvSpPr>
         <p:spPr>
@@ -3753,7 +3802,7 @@
           </a:prstGeom>
         </p:spPr>
         <p:txBody>
-          <a:bodyPr anchorCtr="0" anchor="ctr" bIns="91425" lIns="91425" spcFirstLastPara="1" rIns="91425" wrap="square" tIns="91425">
+          <a:bodyPr spcFirstLastPara="1" wrap="square" lIns="91425" tIns="91425" rIns="91425" bIns="91425" anchor="ctr" anchorCtr="0">
             <a:normAutofit/>
           </a:bodyPr>
           <a:lstStyle>
@@ -3795,7 +3844,7 @@
             </a:lvl9pPr>
           </a:lstStyle>
           <a:p>
-            <a:pPr indent="0" lvl="0" marL="0" rtl="0" algn="r">
+            <a:pPr marL="0" lvl="0" indent="0" algn="r" rtl="0">
               <a:spcBef>
                 <a:spcPts val="0"/>
               </a:spcBef>
@@ -3821,11 +3870,11 @@
 </file>
 
 <file path=ppt/slideLayouts/slideLayout3.xml><?xml version="1.0" encoding="utf-8"?>
-<p:sldLayout xmlns:a="http://schemas.openxmlformats.org/drawingml/2006/main" xmlns:r="http://schemas.openxmlformats.org/officeDocument/2006/relationships" xmlns:mc="http://schemas.openxmlformats.org/markup-compatibility/2006" xmlns:mv="urn:schemas-microsoft-com:mac:vml" xmlns:p="http://schemas.openxmlformats.org/presentationml/2006/main" xmlns:c="http://schemas.openxmlformats.org/drawingml/2006/chart" xmlns:dgm="http://schemas.openxmlformats.org/drawingml/2006/diagram" xmlns:o="urn:schemas-microsoft-com:office:office" xmlns:v="urn:schemas-microsoft-com:vml" xmlns:pvml="urn:schemas-microsoft-com:office:powerpoint" xmlns:com="http://schemas.openxmlformats.org/drawingml/2006/compatibility" xmlns:p14="http://schemas.microsoft.com/office/powerpoint/2010/main" xmlns:p15="http://schemas.microsoft.com/office/powerpoint/2012/main" xmlns:ahyp="http://schemas.microsoft.com/office/drawing/2018/hyperlinkcolor" matchingName="Title and body" type="tx">
+<p:sldLayout xmlns:a="http://schemas.openxmlformats.org/drawingml/2006/main" xmlns:r="http://schemas.openxmlformats.org/officeDocument/2006/relationships" xmlns:p="http://schemas.openxmlformats.org/presentationml/2006/main" matchingName="Title and body" type="tx">
   <p:cSld name="TITLE_AND_BODY">
     <p:spTree>
       <p:nvGrpSpPr>
-        <p:cNvPr id="28" name="Shape 28"/>
+        <p:cNvPr id="1" name="Shape 28"/>
         <p:cNvGrpSpPr/>
         <p:nvPr/>
       </p:nvGrpSpPr>
@@ -3873,12 +3922,12 @@
             </a:ln>
           </p:spPr>
           <p:txBody>
-            <a:bodyPr anchorCtr="0" anchor="ctr" bIns="91425" lIns="91425" spcFirstLastPara="1" rIns="91425" wrap="square" tIns="91425">
+            <a:bodyPr spcFirstLastPara="1" wrap="square" lIns="91425" tIns="91425" rIns="91425" bIns="91425" anchor="ctr" anchorCtr="0">
               <a:noAutofit/>
             </a:bodyPr>
             <a:lstStyle/>
             <a:p>
-              <a:pPr indent="0" lvl="0" marL="0" rtl="0" algn="l">
+              <a:pPr marL="0" lvl="0" indent="0" algn="l" rtl="0">
                 <a:spcBef>
                   <a:spcPts val="0"/>
                 </a:spcBef>
@@ -3887,9 +3936,6 @@
                 </a:spcAft>
                 <a:buNone/>
               </a:pPr>
-              <a:r>
-                <a:t/>
-              </a:r>
               <a:endParaRPr/>
             </a:p>
           </p:txBody>
@@ -3916,12 +3962,12 @@
             </a:ln>
           </p:spPr>
           <p:txBody>
-            <a:bodyPr anchorCtr="0" anchor="ctr" bIns="91425" lIns="91425" spcFirstLastPara="1" rIns="91425" wrap="square" tIns="91425">
+            <a:bodyPr spcFirstLastPara="1" wrap="square" lIns="91425" tIns="91425" rIns="91425" bIns="91425" anchor="ctr" anchorCtr="0">
               <a:noAutofit/>
             </a:bodyPr>
             <a:lstStyle/>
             <a:p>
-              <a:pPr indent="0" lvl="0" marL="0" rtl="0" algn="l">
+              <a:pPr marL="0" lvl="0" indent="0" algn="l" rtl="0">
                 <a:spcBef>
                   <a:spcPts val="0"/>
                 </a:spcBef>
@@ -3930,9 +3976,6 @@
                 </a:spcAft>
                 <a:buNone/>
               </a:pPr>
-              <a:r>
-                <a:t/>
-              </a:r>
               <a:endParaRPr/>
             </a:p>
           </p:txBody>
@@ -3959,12 +4002,12 @@
             </a:ln>
           </p:spPr>
           <p:txBody>
-            <a:bodyPr anchorCtr="0" anchor="ctr" bIns="91425" lIns="91425" spcFirstLastPara="1" rIns="91425" wrap="square" tIns="91425">
+            <a:bodyPr spcFirstLastPara="1" wrap="square" lIns="91425" tIns="91425" rIns="91425" bIns="91425" anchor="ctr" anchorCtr="0">
               <a:noAutofit/>
             </a:bodyPr>
             <a:lstStyle/>
             <a:p>
-              <a:pPr indent="0" lvl="0" marL="0" rtl="0" algn="l">
+              <a:pPr marL="0" lvl="0" indent="0" algn="l" rtl="0">
                 <a:spcBef>
                   <a:spcPts val="0"/>
                 </a:spcBef>
@@ -3973,9 +4016,6 @@
                 </a:spcAft>
                 <a:buNone/>
               </a:pPr>
-              <a:r>
-                <a:t/>
-              </a:r>
               <a:endParaRPr/>
             </a:p>
           </p:txBody>
@@ -4002,12 +4042,12 @@
             </a:ln>
           </p:spPr>
           <p:txBody>
-            <a:bodyPr anchorCtr="0" anchor="ctr" bIns="91425" lIns="91425" spcFirstLastPara="1" rIns="91425" wrap="square" tIns="91425">
+            <a:bodyPr spcFirstLastPara="1" wrap="square" lIns="91425" tIns="91425" rIns="91425" bIns="91425" anchor="ctr" anchorCtr="0">
               <a:noAutofit/>
             </a:bodyPr>
             <a:lstStyle/>
             <a:p>
-              <a:pPr indent="0" lvl="0" marL="0" rtl="0" algn="l">
+              <a:pPr marL="0" lvl="0" indent="0" algn="l" rtl="0">
                 <a:spcBef>
                   <a:spcPts val="0"/>
                 </a:spcBef>
@@ -4016,9 +4056,6 @@
                 </a:spcAft>
                 <a:buNone/>
               </a:pPr>
-              <a:r>
-                <a:t/>
-              </a:r>
               <a:endParaRPr/>
             </a:p>
           </p:txBody>
@@ -4045,12 +4082,12 @@
             </a:ln>
           </p:spPr>
           <p:txBody>
-            <a:bodyPr anchorCtr="0" anchor="ctr" bIns="91425" lIns="91425" spcFirstLastPara="1" rIns="91425" wrap="square" tIns="91425">
+            <a:bodyPr spcFirstLastPara="1" wrap="square" lIns="91425" tIns="91425" rIns="91425" bIns="91425" anchor="ctr" anchorCtr="0">
               <a:noAutofit/>
             </a:bodyPr>
             <a:lstStyle/>
             <a:p>
-              <a:pPr indent="0" lvl="0" marL="0" rtl="0" algn="l">
+              <a:pPr marL="0" lvl="0" indent="0" algn="l" rtl="0">
                 <a:spcBef>
                   <a:spcPts val="0"/>
                 </a:spcBef>
@@ -4059,9 +4096,6 @@
                 </a:spcAft>
                 <a:buNone/>
               </a:pPr>
-              <a:r>
-                <a:t/>
-              </a:r>
               <a:endParaRPr/>
             </a:p>
           </p:txBody>
@@ -4070,7 +4104,9 @@
       <p:sp>
         <p:nvSpPr>
           <p:cNvPr id="35" name="Google Shape;35;p4"/>
-          <p:cNvSpPr txBox="1"/>
+          <p:cNvSpPr txBox="1">
+            <a:spLocks noGrp="1"/>
+          </p:cNvSpPr>
           <p:nvPr>
             <p:ph type="title"/>
           </p:nvPr>
@@ -4085,7 +4121,7 @@
           </a:prstGeom>
         </p:spPr>
         <p:txBody>
-          <a:bodyPr anchorCtr="0" anchor="t" bIns="91425" lIns="91425" spcFirstLastPara="1" rIns="91425" wrap="square" tIns="91425">
+          <a:bodyPr spcFirstLastPara="1" wrap="square" lIns="91425" tIns="91425" rIns="91425" bIns="91425" anchor="t" anchorCtr="0">
             <a:normAutofit/>
           </a:bodyPr>
           <a:lstStyle>
@@ -4189,15 +4225,19 @@
               <a:defRPr/>
             </a:lvl9pPr>
           </a:lstStyle>
-          <a:p/>
+          <a:p>
+            <a:endParaRPr/>
+          </a:p>
         </p:txBody>
       </p:sp>
       <p:sp>
         <p:nvSpPr>
           <p:cNvPr id="36" name="Google Shape;36;p4"/>
-          <p:cNvSpPr txBox="1"/>
+          <p:cNvSpPr txBox="1">
+            <a:spLocks noGrp="1"/>
+          </p:cNvSpPr>
           <p:nvPr>
-            <p:ph idx="1" type="body"/>
+            <p:ph type="body" idx="1"/>
           </p:nvPr>
         </p:nvSpPr>
         <p:spPr>
@@ -4210,11 +4250,11 @@
           </a:prstGeom>
         </p:spPr>
         <p:txBody>
-          <a:bodyPr anchorCtr="0" anchor="t" bIns="91425" lIns="91425" spcFirstLastPara="1" rIns="91425" wrap="square" tIns="91425">
+          <a:bodyPr spcFirstLastPara="1" wrap="square" lIns="91425" tIns="91425" rIns="91425" bIns="91425" anchor="t" anchorCtr="0">
             <a:normAutofit/>
           </a:bodyPr>
           <a:lstStyle>
-            <a:lvl1pPr indent="-342900" lvl="0" marL="457200">
+            <a:lvl1pPr marL="457200" lvl="0" indent="-342900">
               <a:spcBef>
                 <a:spcPts val="0"/>
               </a:spcBef>
@@ -4225,7 +4265,7 @@
               <a:buChar char="●"/>
               <a:defRPr/>
             </a:lvl1pPr>
-            <a:lvl2pPr indent="-317500" lvl="1" marL="914400">
+            <a:lvl2pPr marL="914400" lvl="1" indent="-317500">
               <a:spcBef>
                 <a:spcPts val="0"/>
               </a:spcBef>
@@ -4236,7 +4276,7 @@
               <a:buChar char="○"/>
               <a:defRPr/>
             </a:lvl2pPr>
-            <a:lvl3pPr indent="-317500" lvl="2" marL="1371600">
+            <a:lvl3pPr marL="1371600" lvl="2" indent="-317500">
               <a:spcBef>
                 <a:spcPts val="0"/>
               </a:spcBef>
@@ -4247,7 +4287,7 @@
               <a:buChar char="■"/>
               <a:defRPr/>
             </a:lvl3pPr>
-            <a:lvl4pPr indent="-317500" lvl="3" marL="1828800">
+            <a:lvl4pPr marL="1828800" lvl="3" indent="-317500">
               <a:spcBef>
                 <a:spcPts val="0"/>
               </a:spcBef>
@@ -4258,7 +4298,7 @@
               <a:buChar char="●"/>
               <a:defRPr/>
             </a:lvl4pPr>
-            <a:lvl5pPr indent="-317500" lvl="4" marL="2286000">
+            <a:lvl5pPr marL="2286000" lvl="4" indent="-317500">
               <a:spcBef>
                 <a:spcPts val="0"/>
               </a:spcBef>
@@ -4269,7 +4309,7 @@
               <a:buChar char="○"/>
               <a:defRPr/>
             </a:lvl5pPr>
-            <a:lvl6pPr indent="-317500" lvl="5" marL="2743200">
+            <a:lvl6pPr marL="2743200" lvl="5" indent="-317500">
               <a:spcBef>
                 <a:spcPts val="0"/>
               </a:spcBef>
@@ -4280,7 +4320,7 @@
               <a:buChar char="■"/>
               <a:defRPr/>
             </a:lvl6pPr>
-            <a:lvl7pPr indent="-317500" lvl="6" marL="3200400">
+            <a:lvl7pPr marL="3200400" lvl="6" indent="-317500">
               <a:spcBef>
                 <a:spcPts val="0"/>
               </a:spcBef>
@@ -4291,7 +4331,7 @@
               <a:buChar char="●"/>
               <a:defRPr/>
             </a:lvl7pPr>
-            <a:lvl8pPr indent="-317500" lvl="7" marL="3657600">
+            <a:lvl8pPr marL="3657600" lvl="7" indent="-317500">
               <a:spcBef>
                 <a:spcPts val="0"/>
               </a:spcBef>
@@ -4302,7 +4342,7 @@
               <a:buChar char="○"/>
               <a:defRPr/>
             </a:lvl8pPr>
-            <a:lvl9pPr indent="-317500" lvl="8" marL="4114800">
+            <a:lvl9pPr marL="4114800" lvl="8" indent="-317500">
               <a:spcBef>
                 <a:spcPts val="0"/>
               </a:spcBef>
@@ -4314,15 +4354,19 @@
               <a:defRPr/>
             </a:lvl9pPr>
           </a:lstStyle>
-          <a:p/>
+          <a:p>
+            <a:endParaRPr/>
+          </a:p>
         </p:txBody>
       </p:sp>
       <p:sp>
         <p:nvSpPr>
           <p:cNvPr id="37" name="Google Shape;37;p4"/>
-          <p:cNvSpPr txBox="1"/>
+          <p:cNvSpPr txBox="1">
+            <a:spLocks noGrp="1"/>
+          </p:cNvSpPr>
           <p:nvPr>
-            <p:ph idx="12" type="sldNum"/>
+            <p:ph type="sldNum" idx="12"/>
           </p:nvPr>
         </p:nvSpPr>
         <p:spPr>
@@ -4335,7 +4379,7 @@
           </a:prstGeom>
         </p:spPr>
         <p:txBody>
-          <a:bodyPr anchorCtr="0" anchor="ctr" bIns="91425" lIns="91425" spcFirstLastPara="1" rIns="91425" wrap="square" tIns="91425">
+          <a:bodyPr spcFirstLastPara="1" wrap="square" lIns="91425" tIns="91425" rIns="91425" bIns="91425" anchor="ctr" anchorCtr="0">
             <a:normAutofit/>
           </a:bodyPr>
           <a:lstStyle>
@@ -4377,7 +4421,7 @@
             </a:lvl9pPr>
           </a:lstStyle>
           <a:p>
-            <a:pPr indent="0" lvl="0" marL="0" rtl="0" algn="r">
+            <a:pPr marL="0" lvl="0" indent="0" algn="r" rtl="0">
               <a:spcBef>
                 <a:spcPts val="0"/>
               </a:spcBef>
@@ -4403,11 +4447,11 @@
 </file>
 
 <file path=ppt/slideLayouts/slideLayout4.xml><?xml version="1.0" encoding="utf-8"?>
-<p:sldLayout xmlns:a="http://schemas.openxmlformats.org/drawingml/2006/main" xmlns:r="http://schemas.openxmlformats.org/officeDocument/2006/relationships" xmlns:mc="http://schemas.openxmlformats.org/markup-compatibility/2006" xmlns:mv="urn:schemas-microsoft-com:mac:vml" xmlns:p="http://schemas.openxmlformats.org/presentationml/2006/main" xmlns:c="http://schemas.openxmlformats.org/drawingml/2006/chart" xmlns:dgm="http://schemas.openxmlformats.org/drawingml/2006/diagram" xmlns:o="urn:schemas-microsoft-com:office:office" xmlns:v="urn:schemas-microsoft-com:vml" xmlns:pvml="urn:schemas-microsoft-com:office:powerpoint" xmlns:com="http://schemas.openxmlformats.org/drawingml/2006/compatibility" xmlns:p14="http://schemas.microsoft.com/office/powerpoint/2010/main" xmlns:p15="http://schemas.microsoft.com/office/powerpoint/2012/main" xmlns:ahyp="http://schemas.microsoft.com/office/drawing/2018/hyperlinkcolor" matchingName="Title and two columns" type="twoColTx">
+<p:sldLayout xmlns:a="http://schemas.openxmlformats.org/drawingml/2006/main" xmlns:r="http://schemas.openxmlformats.org/officeDocument/2006/relationships" xmlns:p="http://schemas.openxmlformats.org/presentationml/2006/main" matchingName="Title and two columns" type="twoColTx">
   <p:cSld name="TITLE_AND_TWO_COLUMNS">
     <p:spTree>
       <p:nvGrpSpPr>
-        <p:cNvPr id="38" name="Shape 38"/>
+        <p:cNvPr id="1" name="Shape 38"/>
         <p:cNvGrpSpPr/>
         <p:nvPr/>
       </p:nvGrpSpPr>
@@ -4422,7 +4466,9 @@
       <p:sp>
         <p:nvSpPr>
           <p:cNvPr id="39" name="Google Shape;39;p5"/>
-          <p:cNvSpPr txBox="1"/>
+          <p:cNvSpPr txBox="1">
+            <a:spLocks noGrp="1"/>
+          </p:cNvSpPr>
           <p:nvPr>
             <p:ph type="title"/>
           </p:nvPr>
@@ -4437,7 +4483,7 @@
           </a:prstGeom>
         </p:spPr>
         <p:txBody>
-          <a:bodyPr anchorCtr="0" anchor="t" bIns="91425" lIns="91425" spcFirstLastPara="1" rIns="91425" wrap="square" tIns="91425">
+          <a:bodyPr spcFirstLastPara="1" wrap="square" lIns="91425" tIns="91425" rIns="91425" bIns="91425" anchor="t" anchorCtr="0">
             <a:normAutofit/>
           </a:bodyPr>
           <a:lstStyle>
@@ -4541,15 +4587,19 @@
               <a:defRPr/>
             </a:lvl9pPr>
           </a:lstStyle>
-          <a:p/>
+          <a:p>
+            <a:endParaRPr/>
+          </a:p>
         </p:txBody>
       </p:sp>
       <p:sp>
         <p:nvSpPr>
           <p:cNvPr id="40" name="Google Shape;40;p5"/>
-          <p:cNvSpPr txBox="1"/>
+          <p:cNvSpPr txBox="1">
+            <a:spLocks noGrp="1"/>
+          </p:cNvSpPr>
           <p:nvPr>
-            <p:ph idx="1" type="body"/>
+            <p:ph type="body" idx="1"/>
           </p:nvPr>
         </p:nvSpPr>
         <p:spPr>
@@ -4562,11 +4612,11 @@
           </a:prstGeom>
         </p:spPr>
         <p:txBody>
-          <a:bodyPr anchorCtr="0" anchor="t" bIns="91425" lIns="91425" spcFirstLastPara="1" rIns="91425" wrap="square" tIns="91425">
+          <a:bodyPr spcFirstLastPara="1" wrap="square" lIns="91425" tIns="91425" rIns="91425" bIns="91425" anchor="t" anchorCtr="0">
             <a:normAutofit/>
           </a:bodyPr>
           <a:lstStyle>
-            <a:lvl1pPr indent="-317500" lvl="0" marL="457200">
+            <a:lvl1pPr marL="457200" lvl="0" indent="-317500">
               <a:spcBef>
                 <a:spcPts val="0"/>
               </a:spcBef>
@@ -4577,7 +4627,7 @@
               <a:buChar char="●"/>
               <a:defRPr sz="1400"/>
             </a:lvl1pPr>
-            <a:lvl2pPr indent="-304800" lvl="1" marL="914400">
+            <a:lvl2pPr marL="914400" lvl="1" indent="-304800">
               <a:spcBef>
                 <a:spcPts val="0"/>
               </a:spcBef>
@@ -4588,7 +4638,7 @@
               <a:buChar char="○"/>
               <a:defRPr sz="1200"/>
             </a:lvl2pPr>
-            <a:lvl3pPr indent="-304800" lvl="2" marL="1371600">
+            <a:lvl3pPr marL="1371600" lvl="2" indent="-304800">
               <a:spcBef>
                 <a:spcPts val="0"/>
               </a:spcBef>
@@ -4599,7 +4649,7 @@
               <a:buChar char="■"/>
               <a:defRPr sz="1200"/>
             </a:lvl3pPr>
-            <a:lvl4pPr indent="-304800" lvl="3" marL="1828800">
+            <a:lvl4pPr marL="1828800" lvl="3" indent="-304800">
               <a:spcBef>
                 <a:spcPts val="0"/>
               </a:spcBef>
@@ -4610,7 +4660,7 @@
               <a:buChar char="●"/>
               <a:defRPr sz="1200"/>
             </a:lvl4pPr>
-            <a:lvl5pPr indent="-304800" lvl="4" marL="2286000">
+            <a:lvl5pPr marL="2286000" lvl="4" indent="-304800">
               <a:spcBef>
                 <a:spcPts val="0"/>
               </a:spcBef>
@@ -4621,7 +4671,7 @@
               <a:buChar char="○"/>
               <a:defRPr sz="1200"/>
             </a:lvl5pPr>
-            <a:lvl6pPr indent="-304800" lvl="5" marL="2743200">
+            <a:lvl6pPr marL="2743200" lvl="5" indent="-304800">
               <a:spcBef>
                 <a:spcPts val="0"/>
               </a:spcBef>
@@ -4632,7 +4682,7 @@
               <a:buChar char="■"/>
               <a:defRPr sz="1200"/>
             </a:lvl6pPr>
-            <a:lvl7pPr indent="-304800" lvl="6" marL="3200400">
+            <a:lvl7pPr marL="3200400" lvl="6" indent="-304800">
               <a:spcBef>
                 <a:spcPts val="0"/>
               </a:spcBef>
@@ -4643,7 +4693,7 @@
               <a:buChar char="●"/>
               <a:defRPr sz="1200"/>
             </a:lvl7pPr>
-            <a:lvl8pPr indent="-304800" lvl="7" marL="3657600">
+            <a:lvl8pPr marL="3657600" lvl="7" indent="-304800">
               <a:spcBef>
                 <a:spcPts val="0"/>
               </a:spcBef>
@@ -4654,7 +4704,7 @@
               <a:buChar char="○"/>
               <a:defRPr sz="1200"/>
             </a:lvl8pPr>
-            <a:lvl9pPr indent="-304800" lvl="8" marL="4114800">
+            <a:lvl9pPr marL="4114800" lvl="8" indent="-304800">
               <a:spcBef>
                 <a:spcPts val="0"/>
               </a:spcBef>
@@ -4666,15 +4716,19 @@
               <a:defRPr sz="1200"/>
             </a:lvl9pPr>
           </a:lstStyle>
-          <a:p/>
+          <a:p>
+            <a:endParaRPr/>
+          </a:p>
         </p:txBody>
       </p:sp>
       <p:sp>
         <p:nvSpPr>
           <p:cNvPr id="41" name="Google Shape;41;p5"/>
-          <p:cNvSpPr txBox="1"/>
+          <p:cNvSpPr txBox="1">
+            <a:spLocks noGrp="1"/>
+          </p:cNvSpPr>
           <p:nvPr>
-            <p:ph idx="2" type="body"/>
+            <p:ph type="body" idx="2"/>
           </p:nvPr>
         </p:nvSpPr>
         <p:spPr>
@@ -4687,11 +4741,11 @@
           </a:prstGeom>
         </p:spPr>
         <p:txBody>
-          <a:bodyPr anchorCtr="0" anchor="t" bIns="91425" lIns="91425" spcFirstLastPara="1" rIns="91425" wrap="square" tIns="91425">
+          <a:bodyPr spcFirstLastPara="1" wrap="square" lIns="91425" tIns="91425" rIns="91425" bIns="91425" anchor="t" anchorCtr="0">
             <a:normAutofit/>
           </a:bodyPr>
           <a:lstStyle>
-            <a:lvl1pPr indent="-317500" lvl="0" marL="457200">
+            <a:lvl1pPr marL="457200" lvl="0" indent="-317500">
               <a:spcBef>
                 <a:spcPts val="0"/>
               </a:spcBef>
@@ -4702,7 +4756,7 @@
               <a:buChar char="●"/>
               <a:defRPr sz="1400"/>
             </a:lvl1pPr>
-            <a:lvl2pPr indent="-304800" lvl="1" marL="914400">
+            <a:lvl2pPr marL="914400" lvl="1" indent="-304800">
               <a:spcBef>
                 <a:spcPts val="0"/>
               </a:spcBef>
@@ -4713,7 +4767,7 @@
               <a:buChar char="○"/>
               <a:defRPr sz="1200"/>
             </a:lvl2pPr>
-            <a:lvl3pPr indent="-304800" lvl="2" marL="1371600">
+            <a:lvl3pPr marL="1371600" lvl="2" indent="-304800">
               <a:spcBef>
                 <a:spcPts val="0"/>
               </a:spcBef>
@@ -4724,7 +4778,7 @@
               <a:buChar char="■"/>
               <a:defRPr sz="1200"/>
             </a:lvl3pPr>
-            <a:lvl4pPr indent="-304800" lvl="3" marL="1828800">
+            <a:lvl4pPr marL="1828800" lvl="3" indent="-304800">
               <a:spcBef>
                 <a:spcPts val="0"/>
               </a:spcBef>
@@ -4735,7 +4789,7 @@
               <a:buChar char="●"/>
               <a:defRPr sz="1200"/>
             </a:lvl4pPr>
-            <a:lvl5pPr indent="-304800" lvl="4" marL="2286000">
+            <a:lvl5pPr marL="2286000" lvl="4" indent="-304800">
               <a:spcBef>
                 <a:spcPts val="0"/>
               </a:spcBef>
@@ -4746,7 +4800,7 @@
               <a:buChar char="○"/>
               <a:defRPr sz="1200"/>
             </a:lvl5pPr>
-            <a:lvl6pPr indent="-304800" lvl="5" marL="2743200">
+            <a:lvl6pPr marL="2743200" lvl="5" indent="-304800">
               <a:spcBef>
                 <a:spcPts val="0"/>
               </a:spcBef>
@@ -4757,7 +4811,7 @@
               <a:buChar char="■"/>
               <a:defRPr sz="1200"/>
             </a:lvl6pPr>
-            <a:lvl7pPr indent="-304800" lvl="6" marL="3200400">
+            <a:lvl7pPr marL="3200400" lvl="6" indent="-304800">
               <a:spcBef>
                 <a:spcPts val="0"/>
               </a:spcBef>
@@ -4768,7 +4822,7 @@
               <a:buChar char="●"/>
               <a:defRPr sz="1200"/>
             </a:lvl7pPr>
-            <a:lvl8pPr indent="-304800" lvl="7" marL="3657600">
+            <a:lvl8pPr marL="3657600" lvl="7" indent="-304800">
               <a:spcBef>
                 <a:spcPts val="0"/>
               </a:spcBef>
@@ -4779,7 +4833,7 @@
               <a:buChar char="○"/>
               <a:defRPr sz="1200"/>
             </a:lvl8pPr>
-            <a:lvl9pPr indent="-304800" lvl="8" marL="4114800">
+            <a:lvl9pPr marL="4114800" lvl="8" indent="-304800">
               <a:spcBef>
                 <a:spcPts val="0"/>
               </a:spcBef>
@@ -4791,15 +4845,19 @@
               <a:defRPr sz="1200"/>
             </a:lvl9pPr>
           </a:lstStyle>
-          <a:p/>
+          <a:p>
+            <a:endParaRPr/>
+          </a:p>
         </p:txBody>
       </p:sp>
       <p:sp>
         <p:nvSpPr>
           <p:cNvPr id="42" name="Google Shape;42;p5"/>
-          <p:cNvSpPr txBox="1"/>
+          <p:cNvSpPr txBox="1">
+            <a:spLocks noGrp="1"/>
+          </p:cNvSpPr>
           <p:nvPr>
-            <p:ph idx="12" type="sldNum"/>
+            <p:ph type="sldNum" idx="12"/>
           </p:nvPr>
         </p:nvSpPr>
         <p:spPr>
@@ -4812,7 +4870,7 @@
           </a:prstGeom>
         </p:spPr>
         <p:txBody>
-          <a:bodyPr anchorCtr="0" anchor="ctr" bIns="91425" lIns="91425" spcFirstLastPara="1" rIns="91425" wrap="square" tIns="91425">
+          <a:bodyPr spcFirstLastPara="1" wrap="square" lIns="91425" tIns="91425" rIns="91425" bIns="91425" anchor="ctr" anchorCtr="0">
             <a:normAutofit/>
           </a:bodyPr>
           <a:lstStyle>
@@ -4890,7 +4948,7 @@
             </a:lvl9pPr>
           </a:lstStyle>
           <a:p>
-            <a:pPr indent="0" lvl="0" marL="0" rtl="0" algn="r">
+            <a:pPr marL="0" lvl="0" indent="0" algn="r" rtl="0">
               <a:spcBef>
                 <a:spcPts val="0"/>
               </a:spcBef>
@@ -4916,11 +4974,11 @@
 </file>
 
 <file path=ppt/slideLayouts/slideLayout5.xml><?xml version="1.0" encoding="utf-8"?>
-<p:sldLayout xmlns:a="http://schemas.openxmlformats.org/drawingml/2006/main" xmlns:r="http://schemas.openxmlformats.org/officeDocument/2006/relationships" xmlns:mc="http://schemas.openxmlformats.org/markup-compatibility/2006" xmlns:mv="urn:schemas-microsoft-com:mac:vml" xmlns:p="http://schemas.openxmlformats.org/presentationml/2006/main" xmlns:c="http://schemas.openxmlformats.org/drawingml/2006/chart" xmlns:dgm="http://schemas.openxmlformats.org/drawingml/2006/diagram" xmlns:o="urn:schemas-microsoft-com:office:office" xmlns:v="urn:schemas-microsoft-com:vml" xmlns:pvml="urn:schemas-microsoft-com:office:powerpoint" xmlns:com="http://schemas.openxmlformats.org/drawingml/2006/compatibility" xmlns:p14="http://schemas.microsoft.com/office/powerpoint/2010/main" xmlns:p15="http://schemas.microsoft.com/office/powerpoint/2012/main" xmlns:ahyp="http://schemas.microsoft.com/office/drawing/2018/hyperlinkcolor" matchingName="Title only" type="titleOnly">
+<p:sldLayout xmlns:a="http://schemas.openxmlformats.org/drawingml/2006/main" xmlns:r="http://schemas.openxmlformats.org/officeDocument/2006/relationships" xmlns:p="http://schemas.openxmlformats.org/presentationml/2006/main" matchingName="Title only" type="titleOnly">
   <p:cSld name="TITLE_ONLY">
     <p:spTree>
       <p:nvGrpSpPr>
-        <p:cNvPr id="43" name="Shape 43"/>
+        <p:cNvPr id="1" name="Shape 43"/>
         <p:cNvGrpSpPr/>
         <p:nvPr/>
       </p:nvGrpSpPr>
@@ -4935,7 +4993,9 @@
       <p:sp>
         <p:nvSpPr>
           <p:cNvPr id="44" name="Google Shape;44;p6"/>
-          <p:cNvSpPr txBox="1"/>
+          <p:cNvSpPr txBox="1">
+            <a:spLocks noGrp="1"/>
+          </p:cNvSpPr>
           <p:nvPr>
             <p:ph type="title"/>
           </p:nvPr>
@@ -4950,7 +5010,7 @@
           </a:prstGeom>
         </p:spPr>
         <p:txBody>
-          <a:bodyPr anchorCtr="0" anchor="t" bIns="91425" lIns="91425" spcFirstLastPara="1" rIns="91425" wrap="square" tIns="91425">
+          <a:bodyPr spcFirstLastPara="1" wrap="square" lIns="91425" tIns="91425" rIns="91425" bIns="91425" anchor="t" anchorCtr="0">
             <a:normAutofit/>
           </a:bodyPr>
           <a:lstStyle>
@@ -5054,15 +5114,19 @@
               <a:defRPr/>
             </a:lvl9pPr>
           </a:lstStyle>
-          <a:p/>
+          <a:p>
+            <a:endParaRPr/>
+          </a:p>
         </p:txBody>
       </p:sp>
       <p:sp>
         <p:nvSpPr>
           <p:cNvPr id="45" name="Google Shape;45;p6"/>
-          <p:cNvSpPr txBox="1"/>
+          <p:cNvSpPr txBox="1">
+            <a:spLocks noGrp="1"/>
+          </p:cNvSpPr>
           <p:nvPr>
-            <p:ph idx="12" type="sldNum"/>
+            <p:ph type="sldNum" idx="12"/>
           </p:nvPr>
         </p:nvSpPr>
         <p:spPr>
@@ -5075,7 +5139,7 @@
           </a:prstGeom>
         </p:spPr>
         <p:txBody>
-          <a:bodyPr anchorCtr="0" anchor="ctr" bIns="91425" lIns="91425" spcFirstLastPara="1" rIns="91425" wrap="square" tIns="91425">
+          <a:bodyPr spcFirstLastPara="1" wrap="square" lIns="91425" tIns="91425" rIns="91425" bIns="91425" anchor="ctr" anchorCtr="0">
             <a:normAutofit/>
           </a:bodyPr>
           <a:lstStyle>
@@ -5153,7 +5217,7 @@
             </a:lvl9pPr>
           </a:lstStyle>
           <a:p>
-            <a:pPr indent="0" lvl="0" marL="0" rtl="0" algn="r">
+            <a:pPr marL="0" lvl="0" indent="0" algn="r" rtl="0">
               <a:spcBef>
                 <a:spcPts val="0"/>
               </a:spcBef>
@@ -5179,11 +5243,11 @@
 </file>
 
 <file path=ppt/slideLayouts/slideLayout6.xml><?xml version="1.0" encoding="utf-8"?>
-<p:sldLayout xmlns:a="http://schemas.openxmlformats.org/drawingml/2006/main" xmlns:r="http://schemas.openxmlformats.org/officeDocument/2006/relationships" xmlns:mc="http://schemas.openxmlformats.org/markup-compatibility/2006" xmlns:mv="urn:schemas-microsoft-com:mac:vml" xmlns:p="http://schemas.openxmlformats.org/presentationml/2006/main" xmlns:c="http://schemas.openxmlformats.org/drawingml/2006/chart" xmlns:dgm="http://schemas.openxmlformats.org/drawingml/2006/diagram" xmlns:o="urn:schemas-microsoft-com:office:office" xmlns:v="urn:schemas-microsoft-com:vml" xmlns:pvml="urn:schemas-microsoft-com:office:powerpoint" xmlns:com="http://schemas.openxmlformats.org/drawingml/2006/compatibility" xmlns:p14="http://schemas.microsoft.com/office/powerpoint/2010/main" xmlns:p15="http://schemas.microsoft.com/office/powerpoint/2012/main" xmlns:ahyp="http://schemas.microsoft.com/office/drawing/2018/hyperlinkcolor" matchingName="One column text">
+<p:sldLayout xmlns:a="http://schemas.openxmlformats.org/drawingml/2006/main" xmlns:r="http://schemas.openxmlformats.org/officeDocument/2006/relationships" xmlns:p="http://schemas.openxmlformats.org/presentationml/2006/main" matchingName="One column text">
   <p:cSld name="ONE_COLUMN_TEXT">
     <p:spTree>
       <p:nvGrpSpPr>
-        <p:cNvPr id="46" name="Shape 46"/>
+        <p:cNvPr id="1" name="Shape 46"/>
         <p:cNvGrpSpPr/>
         <p:nvPr/>
       </p:nvGrpSpPr>
@@ -5198,7 +5262,9 @@
       <p:sp>
         <p:nvSpPr>
           <p:cNvPr id="47" name="Google Shape;47;p7"/>
-          <p:cNvSpPr txBox="1"/>
+          <p:cNvSpPr txBox="1">
+            <a:spLocks noGrp="1"/>
+          </p:cNvSpPr>
           <p:nvPr>
             <p:ph type="title"/>
           </p:nvPr>
@@ -5213,7 +5279,7 @@
           </a:prstGeom>
         </p:spPr>
         <p:txBody>
-          <a:bodyPr anchorCtr="0" anchor="b" bIns="91425" lIns="91425" spcFirstLastPara="1" rIns="91425" wrap="square" tIns="91425">
+          <a:bodyPr spcFirstLastPara="1" wrap="square" lIns="91425" tIns="91425" rIns="91425" bIns="91425" anchor="b" anchorCtr="0">
             <a:normAutofit/>
           </a:bodyPr>
           <a:lstStyle>
@@ -5317,15 +5383,19 @@
               <a:defRPr sz="2400"/>
             </a:lvl9pPr>
           </a:lstStyle>
-          <a:p/>
+          <a:p>
+            <a:endParaRPr/>
+          </a:p>
         </p:txBody>
       </p:sp>
       <p:sp>
         <p:nvSpPr>
           <p:cNvPr id="48" name="Google Shape;48;p7"/>
-          <p:cNvSpPr txBox="1"/>
+          <p:cNvSpPr txBox="1">
+            <a:spLocks noGrp="1"/>
+          </p:cNvSpPr>
           <p:nvPr>
-            <p:ph idx="1" type="body"/>
+            <p:ph type="body" idx="1"/>
           </p:nvPr>
         </p:nvSpPr>
         <p:spPr>
@@ -5338,11 +5408,11 @@
           </a:prstGeom>
         </p:spPr>
         <p:txBody>
-          <a:bodyPr anchorCtr="0" anchor="t" bIns="91425" lIns="91425" spcFirstLastPara="1" rIns="91425" wrap="square" tIns="91425">
+          <a:bodyPr spcFirstLastPara="1" wrap="square" lIns="91425" tIns="91425" rIns="91425" bIns="91425" anchor="t" anchorCtr="0">
             <a:normAutofit/>
           </a:bodyPr>
           <a:lstStyle>
-            <a:lvl1pPr indent="-304800" lvl="0" marL="457200">
+            <a:lvl1pPr marL="457200" lvl="0" indent="-304800">
               <a:spcBef>
                 <a:spcPts val="0"/>
               </a:spcBef>
@@ -5353,7 +5423,7 @@
               <a:buChar char="●"/>
               <a:defRPr sz="1200"/>
             </a:lvl1pPr>
-            <a:lvl2pPr indent="-304800" lvl="1" marL="914400">
+            <a:lvl2pPr marL="914400" lvl="1" indent="-304800">
               <a:spcBef>
                 <a:spcPts val="0"/>
               </a:spcBef>
@@ -5364,7 +5434,7 @@
               <a:buChar char="○"/>
               <a:defRPr sz="1200"/>
             </a:lvl2pPr>
-            <a:lvl3pPr indent="-304800" lvl="2" marL="1371600">
+            <a:lvl3pPr marL="1371600" lvl="2" indent="-304800">
               <a:spcBef>
                 <a:spcPts val="0"/>
               </a:spcBef>
@@ -5375,7 +5445,7 @@
               <a:buChar char="■"/>
               <a:defRPr sz="1200"/>
             </a:lvl3pPr>
-            <a:lvl4pPr indent="-304800" lvl="3" marL="1828800">
+            <a:lvl4pPr marL="1828800" lvl="3" indent="-304800">
               <a:spcBef>
                 <a:spcPts val="0"/>
               </a:spcBef>
@@ -5386,7 +5456,7 @@
               <a:buChar char="●"/>
               <a:defRPr sz="1200"/>
             </a:lvl4pPr>
-            <a:lvl5pPr indent="-304800" lvl="4" marL="2286000">
+            <a:lvl5pPr marL="2286000" lvl="4" indent="-304800">
               <a:spcBef>
                 <a:spcPts val="0"/>
               </a:spcBef>
@@ -5397,7 +5467,7 @@
               <a:buChar char="○"/>
               <a:defRPr sz="1200"/>
             </a:lvl5pPr>
-            <a:lvl6pPr indent="-304800" lvl="5" marL="2743200">
+            <a:lvl6pPr marL="2743200" lvl="5" indent="-304800">
               <a:spcBef>
                 <a:spcPts val="0"/>
               </a:spcBef>
@@ -5408,7 +5478,7 @@
               <a:buChar char="■"/>
               <a:defRPr sz="1200"/>
             </a:lvl6pPr>
-            <a:lvl7pPr indent="-304800" lvl="6" marL="3200400">
+            <a:lvl7pPr marL="3200400" lvl="6" indent="-304800">
               <a:spcBef>
                 <a:spcPts val="0"/>
               </a:spcBef>
@@ -5419,7 +5489,7 @@
               <a:buChar char="●"/>
               <a:defRPr sz="1200"/>
             </a:lvl7pPr>
-            <a:lvl8pPr indent="-304800" lvl="7" marL="3657600">
+            <a:lvl8pPr marL="3657600" lvl="7" indent="-304800">
               <a:spcBef>
                 <a:spcPts val="0"/>
               </a:spcBef>
@@ -5430,7 +5500,7 @@
               <a:buChar char="○"/>
               <a:defRPr sz="1200"/>
             </a:lvl8pPr>
-            <a:lvl9pPr indent="-304800" lvl="8" marL="4114800">
+            <a:lvl9pPr marL="4114800" lvl="8" indent="-304800">
               <a:spcBef>
                 <a:spcPts val="0"/>
               </a:spcBef>
@@ -5442,15 +5512,19 @@
               <a:defRPr sz="1200"/>
             </a:lvl9pPr>
           </a:lstStyle>
-          <a:p/>
+          <a:p>
+            <a:endParaRPr/>
+          </a:p>
         </p:txBody>
       </p:sp>
       <p:sp>
         <p:nvSpPr>
           <p:cNvPr id="49" name="Google Shape;49;p7"/>
-          <p:cNvSpPr txBox="1"/>
+          <p:cNvSpPr txBox="1">
+            <a:spLocks noGrp="1"/>
+          </p:cNvSpPr>
           <p:nvPr>
-            <p:ph idx="12" type="sldNum"/>
+            <p:ph type="sldNum" idx="12"/>
           </p:nvPr>
         </p:nvSpPr>
         <p:spPr>
@@ -5463,7 +5537,7 @@
           </a:prstGeom>
         </p:spPr>
         <p:txBody>
-          <a:bodyPr anchorCtr="0" anchor="ctr" bIns="91425" lIns="91425" spcFirstLastPara="1" rIns="91425" wrap="square" tIns="91425">
+          <a:bodyPr spcFirstLastPara="1" wrap="square" lIns="91425" tIns="91425" rIns="91425" bIns="91425" anchor="ctr" anchorCtr="0">
             <a:normAutofit/>
           </a:bodyPr>
           <a:lstStyle>
@@ -5541,7 +5615,7 @@
             </a:lvl9pPr>
           </a:lstStyle>
           <a:p>
-            <a:pPr indent="0" lvl="0" marL="0" rtl="0" algn="r">
+            <a:pPr marL="0" lvl="0" indent="0" algn="r" rtl="0">
               <a:spcBef>
                 <a:spcPts val="0"/>
               </a:spcBef>
@@ -5567,18 +5641,19 @@
 </file>
 
 <file path=ppt/slideLayouts/slideLayout7.xml><?xml version="1.0" encoding="utf-8"?>
-<p:sldLayout xmlns:a="http://schemas.openxmlformats.org/drawingml/2006/main" xmlns:r="http://schemas.openxmlformats.org/officeDocument/2006/relationships" xmlns:mc="http://schemas.openxmlformats.org/markup-compatibility/2006" xmlns:mv="urn:schemas-microsoft-com:mac:vml" xmlns:p="http://schemas.openxmlformats.org/presentationml/2006/main" xmlns:c="http://schemas.openxmlformats.org/drawingml/2006/chart" xmlns:dgm="http://schemas.openxmlformats.org/drawingml/2006/diagram" xmlns:o="urn:schemas-microsoft-com:office:office" xmlns:v="urn:schemas-microsoft-com:vml" xmlns:pvml="urn:schemas-microsoft-com:office:powerpoint" xmlns:com="http://schemas.openxmlformats.org/drawingml/2006/compatibility" xmlns:p14="http://schemas.microsoft.com/office/powerpoint/2010/main" xmlns:p15="http://schemas.microsoft.com/office/powerpoint/2012/main" xmlns:ahyp="http://schemas.microsoft.com/office/drawing/2018/hyperlinkcolor" matchingName="Main point">
+<p:sldLayout xmlns:a="http://schemas.openxmlformats.org/drawingml/2006/main" xmlns:r="http://schemas.openxmlformats.org/officeDocument/2006/relationships" xmlns:p="http://schemas.openxmlformats.org/presentationml/2006/main" matchingName="Main point">
   <p:cSld name="MAIN_POINT">
     <p:bg>
       <p:bgPr>
         <a:solidFill>
           <a:schemeClr val="accent4"/>
         </a:solidFill>
+        <a:effectLst/>
       </p:bgPr>
     </p:bg>
     <p:spTree>
       <p:nvGrpSpPr>
-        <p:cNvPr id="50" name="Shape 50"/>
+        <p:cNvPr id="1" name="Shape 50"/>
         <p:cNvGrpSpPr/>
         <p:nvPr/>
       </p:nvGrpSpPr>
@@ -5626,12 +5701,12 @@
             </a:ln>
           </p:spPr>
           <p:txBody>
-            <a:bodyPr anchorCtr="0" anchor="ctr" bIns="91425" lIns="91425" spcFirstLastPara="1" rIns="91425" wrap="square" tIns="91425">
+            <a:bodyPr spcFirstLastPara="1" wrap="square" lIns="91425" tIns="91425" rIns="91425" bIns="91425" anchor="ctr" anchorCtr="0">
               <a:noAutofit/>
             </a:bodyPr>
             <a:lstStyle/>
             <a:p>
-              <a:pPr indent="0" lvl="0" marL="0" rtl="0" algn="l">
+              <a:pPr marL="0" lvl="0" indent="0" algn="l" rtl="0">
                 <a:spcBef>
                   <a:spcPts val="0"/>
                 </a:spcBef>
@@ -5640,9 +5715,6 @@
                 </a:spcAft>
                 <a:buNone/>
               </a:pPr>
-              <a:r>
-                <a:t/>
-              </a:r>
               <a:endParaRPr/>
             </a:p>
           </p:txBody>
@@ -5669,12 +5741,12 @@
             </a:ln>
           </p:spPr>
           <p:txBody>
-            <a:bodyPr anchorCtr="0" anchor="ctr" bIns="91425" lIns="91425" spcFirstLastPara="1" rIns="91425" wrap="square" tIns="91425">
+            <a:bodyPr spcFirstLastPara="1" wrap="square" lIns="91425" tIns="91425" rIns="91425" bIns="91425" anchor="ctr" anchorCtr="0">
               <a:noAutofit/>
             </a:bodyPr>
             <a:lstStyle/>
             <a:p>
-              <a:pPr indent="0" lvl="0" marL="0" rtl="0" algn="l">
+              <a:pPr marL="0" lvl="0" indent="0" algn="l" rtl="0">
                 <a:spcBef>
                   <a:spcPts val="0"/>
                 </a:spcBef>
@@ -5683,9 +5755,6 @@
                 </a:spcAft>
                 <a:buNone/>
               </a:pPr>
-              <a:r>
-                <a:t/>
-              </a:r>
               <a:endParaRPr/>
             </a:p>
           </p:txBody>
@@ -5697,7 +5766,7 @@
             <p:nvPr/>
           </p:nvSpPr>
           <p:spPr>
-            <a:xfrm flipH="1" rot="10800000">
+            <a:xfrm rot="10800000" flipH="1">
               <a:off x="7113588" y="107"/>
               <a:ext cx="1015200" cy="1015200"/>
             </a:xfrm>
@@ -5712,12 +5781,12 @@
             </a:ln>
           </p:spPr>
           <p:txBody>
-            <a:bodyPr anchorCtr="0" anchor="ctr" bIns="91425" lIns="91425" spcFirstLastPara="1" rIns="91425" wrap="square" tIns="91425">
+            <a:bodyPr spcFirstLastPara="1" wrap="square" lIns="91425" tIns="91425" rIns="91425" bIns="91425" anchor="ctr" anchorCtr="0">
               <a:noAutofit/>
             </a:bodyPr>
             <a:lstStyle/>
             <a:p>
-              <a:pPr indent="0" lvl="0" marL="0" rtl="0" algn="l">
+              <a:pPr marL="0" lvl="0" indent="0" algn="l" rtl="0">
                 <a:spcBef>
                   <a:spcPts val="0"/>
                 </a:spcBef>
@@ -5726,9 +5795,6 @@
                 </a:spcAft>
                 <a:buNone/>
               </a:pPr>
-              <a:r>
-                <a:t/>
-              </a:r>
               <a:endParaRPr/>
             </a:p>
           </p:txBody>
@@ -5755,12 +5821,12 @@
             </a:ln>
           </p:spPr>
           <p:txBody>
-            <a:bodyPr anchorCtr="0" anchor="ctr" bIns="91425" lIns="91425" spcFirstLastPara="1" rIns="91425" wrap="square" tIns="91425">
+            <a:bodyPr spcFirstLastPara="1" wrap="square" lIns="91425" tIns="91425" rIns="91425" bIns="91425" anchor="ctr" anchorCtr="0">
               <a:noAutofit/>
             </a:bodyPr>
             <a:lstStyle/>
             <a:p>
-              <a:pPr indent="0" lvl="0" marL="0" rtl="0" algn="l">
+              <a:pPr marL="0" lvl="0" indent="0" algn="l" rtl="0">
                 <a:spcBef>
                   <a:spcPts val="0"/>
                 </a:spcBef>
@@ -5769,9 +5835,6 @@
                 </a:spcAft>
                 <a:buNone/>
               </a:pPr>
-              <a:r>
-                <a:t/>
-              </a:r>
               <a:endParaRPr/>
             </a:p>
           </p:txBody>
@@ -5798,12 +5861,12 @@
             </a:ln>
           </p:spPr>
           <p:txBody>
-            <a:bodyPr anchorCtr="0" anchor="ctr" bIns="91425" lIns="91425" spcFirstLastPara="1" rIns="91425" wrap="square" tIns="91425">
+            <a:bodyPr spcFirstLastPara="1" wrap="square" lIns="91425" tIns="91425" rIns="91425" bIns="91425" anchor="ctr" anchorCtr="0">
               <a:noAutofit/>
             </a:bodyPr>
             <a:lstStyle/>
             <a:p>
-              <a:pPr indent="0" lvl="0" marL="0" rtl="0" algn="l">
+              <a:pPr marL="0" lvl="0" indent="0" algn="l" rtl="0">
                 <a:spcBef>
                   <a:spcPts val="0"/>
                 </a:spcBef>
@@ -5812,9 +5875,6 @@
                 </a:spcAft>
                 <a:buNone/>
               </a:pPr>
-              <a:r>
-                <a:t/>
-              </a:r>
               <a:endParaRPr/>
             </a:p>
           </p:txBody>
@@ -5823,7 +5883,9 @@
       <p:sp>
         <p:nvSpPr>
           <p:cNvPr id="57" name="Google Shape;57;p8"/>
-          <p:cNvSpPr txBox="1"/>
+          <p:cNvSpPr txBox="1">
+            <a:spLocks noGrp="1"/>
+          </p:cNvSpPr>
           <p:nvPr>
             <p:ph type="title"/>
           </p:nvPr>
@@ -5838,7 +5900,7 @@
           </a:prstGeom>
         </p:spPr>
         <p:txBody>
-          <a:bodyPr anchorCtr="0" anchor="ctr" bIns="91425" lIns="91425" spcFirstLastPara="1" rIns="91425" wrap="square" tIns="91425">
+          <a:bodyPr spcFirstLastPara="1" wrap="square" lIns="91425" tIns="91425" rIns="91425" bIns="91425" anchor="ctr" anchorCtr="0">
             <a:normAutofit/>
           </a:bodyPr>
           <a:lstStyle>
@@ -6005,15 +6067,19 @@
               </a:defRPr>
             </a:lvl9pPr>
           </a:lstStyle>
-          <a:p/>
+          <a:p>
+            <a:endParaRPr/>
+          </a:p>
         </p:txBody>
       </p:sp>
       <p:sp>
         <p:nvSpPr>
           <p:cNvPr id="58" name="Google Shape;58;p8"/>
-          <p:cNvSpPr txBox="1"/>
+          <p:cNvSpPr txBox="1">
+            <a:spLocks noGrp="1"/>
+          </p:cNvSpPr>
           <p:nvPr>
-            <p:ph idx="12" type="sldNum"/>
+            <p:ph type="sldNum" idx="12"/>
           </p:nvPr>
         </p:nvSpPr>
         <p:spPr>
@@ -6026,7 +6092,7 @@
           </a:prstGeom>
         </p:spPr>
         <p:txBody>
-          <a:bodyPr anchorCtr="0" anchor="ctr" bIns="91425" lIns="91425" spcFirstLastPara="1" rIns="91425" wrap="square" tIns="91425">
+          <a:bodyPr spcFirstLastPara="1" wrap="square" lIns="91425" tIns="91425" rIns="91425" bIns="91425" anchor="ctr" anchorCtr="0">
             <a:normAutofit/>
           </a:bodyPr>
           <a:lstStyle>
@@ -6068,7 +6134,7 @@
             </a:lvl9pPr>
           </a:lstStyle>
           <a:p>
-            <a:pPr indent="0" lvl="0" marL="0" rtl="0" algn="r">
+            <a:pPr marL="0" lvl="0" indent="0" algn="r" rtl="0">
               <a:spcBef>
                 <a:spcPts val="0"/>
               </a:spcBef>
@@ -6094,11 +6160,11 @@
 </file>
 
 <file path=ppt/slideLayouts/slideLayout8.xml><?xml version="1.0" encoding="utf-8"?>
-<p:sldLayout xmlns:a="http://schemas.openxmlformats.org/drawingml/2006/main" xmlns:r="http://schemas.openxmlformats.org/officeDocument/2006/relationships" xmlns:mc="http://schemas.openxmlformats.org/markup-compatibility/2006" xmlns:mv="urn:schemas-microsoft-com:mac:vml" xmlns:p="http://schemas.openxmlformats.org/presentationml/2006/main" xmlns:c="http://schemas.openxmlformats.org/drawingml/2006/chart" xmlns:dgm="http://schemas.openxmlformats.org/drawingml/2006/diagram" xmlns:o="urn:schemas-microsoft-com:office:office" xmlns:v="urn:schemas-microsoft-com:vml" xmlns:pvml="urn:schemas-microsoft-com:office:powerpoint" xmlns:com="http://schemas.openxmlformats.org/drawingml/2006/compatibility" xmlns:p14="http://schemas.microsoft.com/office/powerpoint/2010/main" xmlns:p15="http://schemas.microsoft.com/office/powerpoint/2012/main" xmlns:ahyp="http://schemas.microsoft.com/office/drawing/2018/hyperlinkcolor" matchingName="Section title and description">
+<p:sldLayout xmlns:a="http://schemas.openxmlformats.org/drawingml/2006/main" xmlns:r="http://schemas.openxmlformats.org/officeDocument/2006/relationships" xmlns:p="http://schemas.openxmlformats.org/presentationml/2006/main" matchingName="Section title and description">
   <p:cSld name="SECTION_TITLE_AND_DESCRIPTION">
     <p:spTree>
       <p:nvGrpSpPr>
-        <p:cNvPr id="59" name="Shape 59"/>
+        <p:cNvPr id="1" name="Shape 59"/>
         <p:cNvGrpSpPr/>
         <p:nvPr/>
       </p:nvGrpSpPr>
@@ -6132,12 +6198,12 @@
           </a:ln>
         </p:spPr>
         <p:txBody>
-          <a:bodyPr anchorCtr="0" anchor="ctr" bIns="91425" lIns="91425" spcFirstLastPara="1" rIns="91425" wrap="square" tIns="91425">
+          <a:bodyPr spcFirstLastPara="1" wrap="square" lIns="91425" tIns="91425" rIns="91425" bIns="91425" anchor="ctr" anchorCtr="0">
             <a:noAutofit/>
           </a:bodyPr>
           <a:lstStyle/>
           <a:p>
-            <a:pPr indent="0" lvl="0" marL="0" rtl="0" algn="l">
+            <a:pPr marL="0" lvl="0" indent="0" algn="l" rtl="0">
               <a:spcBef>
                 <a:spcPts val="0"/>
               </a:spcBef>
@@ -6146,9 +6212,6 @@
               </a:spcAft>
               <a:buNone/>
             </a:pPr>
-            <a:r>
-              <a:t/>
-            </a:r>
             <a:endParaRPr/>
           </a:p>
         </p:txBody>
@@ -6168,21 +6231,23 @@
             <a:avLst/>
           </a:prstGeom>
           <a:noFill/>
-          <a:ln cap="flat" cmpd="sng" w="19050">
+          <a:ln w="19050" cap="flat" cmpd="sng">
             <a:solidFill>
               <a:schemeClr val="lt1"/>
             </a:solidFill>
             <a:prstDash val="solid"/>
             <a:round/>
-            <a:headEnd len="sm" w="sm" type="none"/>
-            <a:tailEnd len="sm" w="sm" type="none"/>
+            <a:headEnd type="none" w="sm" len="sm"/>
+            <a:tailEnd type="none" w="sm" len="sm"/>
           </a:ln>
         </p:spPr>
       </p:cxnSp>
       <p:sp>
         <p:nvSpPr>
           <p:cNvPr id="62" name="Google Shape;62;p9"/>
-          <p:cNvSpPr txBox="1"/>
+          <p:cNvSpPr txBox="1">
+            <a:spLocks noGrp="1"/>
+          </p:cNvSpPr>
           <p:nvPr>
             <p:ph type="title"/>
           </p:nvPr>
@@ -6197,7 +6262,7 @@
           </a:prstGeom>
         </p:spPr>
         <p:txBody>
-          <a:bodyPr anchorCtr="0" anchor="b" bIns="91425" lIns="91425" spcFirstLastPara="1" rIns="91425" wrap="square" tIns="91425">
+          <a:bodyPr spcFirstLastPara="1" wrap="square" lIns="91425" tIns="91425" rIns="91425" bIns="91425" anchor="b" anchorCtr="0">
             <a:normAutofit/>
           </a:bodyPr>
           <a:lstStyle>
@@ -6301,15 +6366,19 @@
               <a:defRPr sz="4200"/>
             </a:lvl9pPr>
           </a:lstStyle>
-          <a:p/>
+          <a:p>
+            <a:endParaRPr/>
+          </a:p>
         </p:txBody>
       </p:sp>
       <p:sp>
         <p:nvSpPr>
           <p:cNvPr id="63" name="Google Shape;63;p9"/>
-          <p:cNvSpPr txBox="1"/>
+          <p:cNvSpPr txBox="1">
+            <a:spLocks noGrp="1"/>
+          </p:cNvSpPr>
           <p:nvPr>
-            <p:ph idx="1" type="subTitle"/>
+            <p:ph type="subTitle" idx="1"/>
           </p:nvPr>
         </p:nvSpPr>
         <p:spPr>
@@ -6322,7 +6391,7 @@
           </a:prstGeom>
         </p:spPr>
         <p:txBody>
-          <a:bodyPr anchorCtr="0" anchor="t" bIns="91425" lIns="91425" spcFirstLastPara="1" rIns="91425" wrap="square" tIns="91425">
+          <a:bodyPr spcFirstLastPara="1" wrap="square" lIns="91425" tIns="91425" rIns="91425" bIns="91425" anchor="t" anchorCtr="0">
             <a:normAutofit/>
           </a:bodyPr>
           <a:lstStyle>
@@ -6453,15 +6522,19 @@
               <a:defRPr sz="2100"/>
             </a:lvl9pPr>
           </a:lstStyle>
-          <a:p/>
+          <a:p>
+            <a:endParaRPr/>
+          </a:p>
         </p:txBody>
       </p:sp>
       <p:sp>
         <p:nvSpPr>
           <p:cNvPr id="64" name="Google Shape;64;p9"/>
-          <p:cNvSpPr txBox="1"/>
+          <p:cNvSpPr txBox="1">
+            <a:spLocks noGrp="1"/>
+          </p:cNvSpPr>
           <p:nvPr>
-            <p:ph idx="2" type="body"/>
+            <p:ph type="body" idx="2"/>
           </p:nvPr>
         </p:nvSpPr>
         <p:spPr>
@@ -6474,11 +6547,11 @@
           </a:prstGeom>
         </p:spPr>
         <p:txBody>
-          <a:bodyPr anchorCtr="0" anchor="ctr" bIns="91425" lIns="91425" spcFirstLastPara="1" rIns="91425" wrap="square" tIns="91425">
+          <a:bodyPr spcFirstLastPara="1" wrap="square" lIns="91425" tIns="91425" rIns="91425" bIns="91425" anchor="ctr" anchorCtr="0">
             <a:normAutofit/>
           </a:bodyPr>
           <a:lstStyle>
-            <a:lvl1pPr indent="-342900" lvl="0" marL="457200">
+            <a:lvl1pPr marL="457200" lvl="0" indent="-342900">
               <a:spcBef>
                 <a:spcPts val="0"/>
               </a:spcBef>
@@ -6496,7 +6569,7 @@
                 </a:solidFill>
               </a:defRPr>
             </a:lvl1pPr>
-            <a:lvl2pPr indent="-317500" lvl="1" marL="914400">
+            <a:lvl2pPr marL="914400" lvl="1" indent="-317500">
               <a:spcBef>
                 <a:spcPts val="0"/>
               </a:spcBef>
@@ -6514,7 +6587,7 @@
                 </a:solidFill>
               </a:defRPr>
             </a:lvl2pPr>
-            <a:lvl3pPr indent="-317500" lvl="2" marL="1371600">
+            <a:lvl3pPr marL="1371600" lvl="2" indent="-317500">
               <a:spcBef>
                 <a:spcPts val="0"/>
               </a:spcBef>
@@ -6532,7 +6605,7 @@
                 </a:solidFill>
               </a:defRPr>
             </a:lvl3pPr>
-            <a:lvl4pPr indent="-317500" lvl="3" marL="1828800">
+            <a:lvl4pPr marL="1828800" lvl="3" indent="-317500">
               <a:spcBef>
                 <a:spcPts val="0"/>
               </a:spcBef>
@@ -6550,7 +6623,7 @@
                 </a:solidFill>
               </a:defRPr>
             </a:lvl4pPr>
-            <a:lvl5pPr indent="-317500" lvl="4" marL="2286000">
+            <a:lvl5pPr marL="2286000" lvl="4" indent="-317500">
               <a:spcBef>
                 <a:spcPts val="0"/>
               </a:spcBef>
@@ -6568,7 +6641,7 @@
                 </a:solidFill>
               </a:defRPr>
             </a:lvl5pPr>
-            <a:lvl6pPr indent="-317500" lvl="5" marL="2743200">
+            <a:lvl6pPr marL="2743200" lvl="5" indent="-317500">
               <a:spcBef>
                 <a:spcPts val="0"/>
               </a:spcBef>
@@ -6586,7 +6659,7 @@
                 </a:solidFill>
               </a:defRPr>
             </a:lvl6pPr>
-            <a:lvl7pPr indent="-317500" lvl="6" marL="3200400">
+            <a:lvl7pPr marL="3200400" lvl="6" indent="-317500">
               <a:spcBef>
                 <a:spcPts val="0"/>
               </a:spcBef>
@@ -6604,7 +6677,7 @@
                 </a:solidFill>
               </a:defRPr>
             </a:lvl7pPr>
-            <a:lvl8pPr indent="-317500" lvl="7" marL="3657600">
+            <a:lvl8pPr marL="3657600" lvl="7" indent="-317500">
               <a:spcBef>
                 <a:spcPts val="0"/>
               </a:spcBef>
@@ -6622,7 +6695,7 @@
                 </a:solidFill>
               </a:defRPr>
             </a:lvl8pPr>
-            <a:lvl9pPr indent="-317500" lvl="8" marL="4114800">
+            <a:lvl9pPr marL="4114800" lvl="8" indent="-317500">
               <a:spcBef>
                 <a:spcPts val="0"/>
               </a:spcBef>
@@ -6641,15 +6714,19 @@
               </a:defRPr>
             </a:lvl9pPr>
           </a:lstStyle>
-          <a:p/>
+          <a:p>
+            <a:endParaRPr/>
+          </a:p>
         </p:txBody>
       </p:sp>
       <p:sp>
         <p:nvSpPr>
           <p:cNvPr id="65" name="Google Shape;65;p9"/>
-          <p:cNvSpPr txBox="1"/>
+          <p:cNvSpPr txBox="1">
+            <a:spLocks noGrp="1"/>
+          </p:cNvSpPr>
           <p:nvPr>
-            <p:ph idx="12" type="sldNum"/>
+            <p:ph type="sldNum" idx="12"/>
           </p:nvPr>
         </p:nvSpPr>
         <p:spPr>
@@ -6662,7 +6739,7 @@
           </a:prstGeom>
         </p:spPr>
         <p:txBody>
-          <a:bodyPr anchorCtr="0" anchor="ctr" bIns="91425" lIns="91425" spcFirstLastPara="1" rIns="91425" wrap="square" tIns="91425">
+          <a:bodyPr spcFirstLastPara="1" wrap="square" lIns="91425" tIns="91425" rIns="91425" bIns="91425" anchor="ctr" anchorCtr="0">
             <a:normAutofit/>
           </a:bodyPr>
           <a:lstStyle>
@@ -6704,7 +6781,7 @@
             </a:lvl9pPr>
           </a:lstStyle>
           <a:p>
-            <a:pPr indent="0" lvl="0" marL="0" rtl="0" algn="r">
+            <a:pPr marL="0" lvl="0" indent="0" algn="r" rtl="0">
               <a:spcBef>
                 <a:spcPts val="0"/>
               </a:spcBef>
@@ -6730,11 +6807,11 @@
 </file>
 
 <file path=ppt/slideLayouts/slideLayout9.xml><?xml version="1.0" encoding="utf-8"?>
-<p:sldLayout xmlns:a="http://schemas.openxmlformats.org/drawingml/2006/main" xmlns:r="http://schemas.openxmlformats.org/officeDocument/2006/relationships" xmlns:mc="http://schemas.openxmlformats.org/markup-compatibility/2006" xmlns:mv="urn:schemas-microsoft-com:mac:vml" xmlns:p="http://schemas.openxmlformats.org/presentationml/2006/main" xmlns:c="http://schemas.openxmlformats.org/drawingml/2006/chart" xmlns:dgm="http://schemas.openxmlformats.org/drawingml/2006/diagram" xmlns:o="urn:schemas-microsoft-com:office:office" xmlns:v="urn:schemas-microsoft-com:vml" xmlns:pvml="urn:schemas-microsoft-com:office:powerpoint" xmlns:com="http://schemas.openxmlformats.org/drawingml/2006/compatibility" xmlns:p14="http://schemas.microsoft.com/office/powerpoint/2010/main" xmlns:p15="http://schemas.microsoft.com/office/powerpoint/2012/main" xmlns:ahyp="http://schemas.microsoft.com/office/drawing/2018/hyperlinkcolor" matchingName="Caption">
+<p:sldLayout xmlns:a="http://schemas.openxmlformats.org/drawingml/2006/main" xmlns:r="http://schemas.openxmlformats.org/officeDocument/2006/relationships" xmlns:p="http://schemas.openxmlformats.org/presentationml/2006/main" matchingName="Caption">
   <p:cSld name="CAPTION_ONLY">
     <p:spTree>
       <p:nvGrpSpPr>
-        <p:cNvPr id="66" name="Shape 66"/>
+        <p:cNvPr id="1" name="Shape 66"/>
         <p:cNvGrpSpPr/>
         <p:nvPr/>
       </p:nvGrpSpPr>
@@ -6749,9 +6826,11 @@
       <p:sp>
         <p:nvSpPr>
           <p:cNvPr id="67" name="Google Shape;67;p10"/>
-          <p:cNvSpPr txBox="1"/>
+          <p:cNvSpPr txBox="1">
+            <a:spLocks noGrp="1"/>
+          </p:cNvSpPr>
           <p:nvPr>
-            <p:ph idx="1" type="body"/>
+            <p:ph type="body" idx="1"/>
           </p:nvPr>
         </p:nvSpPr>
         <p:spPr>
@@ -6764,11 +6843,11 @@
           </a:prstGeom>
         </p:spPr>
         <p:txBody>
-          <a:bodyPr anchorCtr="0" anchor="ctr" bIns="91425" lIns="91425" spcFirstLastPara="1" rIns="91425" wrap="square" tIns="91425">
+          <a:bodyPr spcFirstLastPara="1" wrap="square" lIns="91425" tIns="91425" rIns="91425" bIns="91425" anchor="ctr" anchorCtr="0">
             <a:normAutofit/>
           </a:bodyPr>
           <a:lstStyle>
-            <a:lvl1pPr indent="-228600" lvl="0" marL="457200">
+            <a:lvl1pPr marL="457200" lvl="0" indent="-228600">
               <a:lnSpc>
                 <a:spcPct val="100000"/>
               </a:lnSpc>
@@ -6783,15 +6862,19 @@
               <a:defRPr/>
             </a:lvl1pPr>
           </a:lstStyle>
-          <a:p/>
+          <a:p>
+            <a:endParaRPr/>
+          </a:p>
         </p:txBody>
       </p:sp>
       <p:sp>
         <p:nvSpPr>
           <p:cNvPr id="68" name="Google Shape;68;p10"/>
-          <p:cNvSpPr txBox="1"/>
+          <p:cNvSpPr txBox="1">
+            <a:spLocks noGrp="1"/>
+          </p:cNvSpPr>
           <p:nvPr>
-            <p:ph idx="12" type="sldNum"/>
+            <p:ph type="sldNum" idx="12"/>
           </p:nvPr>
         </p:nvSpPr>
         <p:spPr>
@@ -6804,7 +6887,7 @@
           </a:prstGeom>
         </p:spPr>
         <p:txBody>
-          <a:bodyPr anchorCtr="0" anchor="ctr" bIns="91425" lIns="91425" spcFirstLastPara="1" rIns="91425" wrap="square" tIns="91425">
+          <a:bodyPr spcFirstLastPara="1" wrap="square" lIns="91425" tIns="91425" rIns="91425" bIns="91425" anchor="ctr" anchorCtr="0">
             <a:normAutofit/>
           </a:bodyPr>
           <a:lstStyle>
@@ -6882,7 +6965,7 @@
             </a:lvl9pPr>
           </a:lstStyle>
           <a:p>
-            <a:pPr indent="0" lvl="0" marL="0" rtl="0" algn="r">
+            <a:pPr marL="0" lvl="0" indent="0" algn="r" rtl="0">
               <a:spcBef>
                 <a:spcPts val="0"/>
               </a:spcBef>
@@ -6908,18 +6991,19 @@
 </file>
 
 <file path=ppt/slideMasters/slideMaster1.xml><?xml version="1.0" encoding="utf-8"?>
-<p:sldMaster xmlns:a="http://schemas.openxmlformats.org/drawingml/2006/main" xmlns:r="http://schemas.openxmlformats.org/officeDocument/2006/relationships" xmlns:mc="http://schemas.openxmlformats.org/markup-compatibility/2006" xmlns:mv="urn:schemas-microsoft-com:mac:vml" xmlns:p="http://schemas.openxmlformats.org/presentationml/2006/main" xmlns:c="http://schemas.openxmlformats.org/drawingml/2006/chart" xmlns:dgm="http://schemas.openxmlformats.org/drawingml/2006/diagram" xmlns:o="urn:schemas-microsoft-com:office:office" xmlns:v="urn:schemas-microsoft-com:vml" xmlns:pvml="urn:schemas-microsoft-com:office:powerpoint" xmlns:com="http://schemas.openxmlformats.org/drawingml/2006/compatibility" xmlns:p14="http://schemas.microsoft.com/office/powerpoint/2010/main" xmlns:p15="http://schemas.microsoft.com/office/powerpoint/2012/main" xmlns:ahyp="http://schemas.microsoft.com/office/drawing/2018/hyperlinkcolor">
+<p:sldMaster xmlns:a="http://schemas.openxmlformats.org/drawingml/2006/main" xmlns:r="http://schemas.openxmlformats.org/officeDocument/2006/relationships" xmlns:p="http://schemas.openxmlformats.org/presentationml/2006/main">
   <p:cSld name="geometric">
     <p:bg>
       <p:bgPr>
         <a:solidFill>
           <a:schemeClr val="lt1"/>
         </a:solidFill>
+        <a:effectLst/>
       </p:bgPr>
     </p:bg>
     <p:spTree>
       <p:nvGrpSpPr>
-        <p:cNvPr id="5" name="Shape 5"/>
+        <p:cNvPr id="1" name="Shape 5"/>
         <p:cNvGrpSpPr/>
         <p:nvPr/>
       </p:nvGrpSpPr>
@@ -6934,7 +7018,9 @@
       <p:sp>
         <p:nvSpPr>
           <p:cNvPr id="6" name="Google Shape;6;p1"/>
-          <p:cNvSpPr txBox="1"/>
+          <p:cNvSpPr txBox="1">
+            <a:spLocks noGrp="1"/>
+          </p:cNvSpPr>
           <p:nvPr>
             <p:ph type="title"/>
           </p:nvPr>
@@ -6953,7 +7039,7 @@
           </a:ln>
         </p:spPr>
         <p:txBody>
-          <a:bodyPr anchorCtr="0" anchor="t" bIns="91425" lIns="91425" spcFirstLastPara="1" rIns="91425" wrap="square" tIns="91425">
+          <a:bodyPr spcFirstLastPara="1" wrap="square" lIns="91425" tIns="91425" rIns="91425" bIns="91425" anchor="t" anchorCtr="0">
             <a:normAutofit/>
           </a:bodyPr>
           <a:lstStyle>
@@ -7165,15 +7251,19 @@
               </a:defRPr>
             </a:lvl9pPr>
           </a:lstStyle>
-          <a:p/>
+          <a:p>
+            <a:endParaRPr/>
+          </a:p>
         </p:txBody>
       </p:sp>
       <p:sp>
         <p:nvSpPr>
           <p:cNvPr id="7" name="Google Shape;7;p1"/>
-          <p:cNvSpPr txBox="1"/>
+          <p:cNvSpPr txBox="1">
+            <a:spLocks noGrp="1"/>
+          </p:cNvSpPr>
           <p:nvPr>
-            <p:ph idx="1" type="body"/>
+            <p:ph type="body" idx="1"/>
           </p:nvPr>
         </p:nvSpPr>
         <p:spPr>
@@ -7190,11 +7280,11 @@
           </a:ln>
         </p:spPr>
         <p:txBody>
-          <a:bodyPr anchorCtr="0" anchor="t" bIns="91425" lIns="91425" spcFirstLastPara="1" rIns="91425" wrap="square" tIns="91425">
+          <a:bodyPr spcFirstLastPara="1" wrap="square" lIns="91425" tIns="91425" rIns="91425" bIns="91425" anchor="t" anchorCtr="0">
             <a:normAutofit/>
           </a:bodyPr>
           <a:lstStyle>
-            <a:lvl1pPr indent="-342900" lvl="0" marL="457200">
+            <a:lvl1pPr marL="457200" lvl="0" indent="-342900">
               <a:lnSpc>
                 <a:spcPct val="115000"/>
               </a:lnSpc>
@@ -7220,7 +7310,7 @@
                 <a:sym typeface="Roboto"/>
               </a:defRPr>
             </a:lvl1pPr>
-            <a:lvl2pPr indent="-317500" lvl="1" marL="914400">
+            <a:lvl2pPr marL="914400" lvl="1" indent="-317500">
               <a:lnSpc>
                 <a:spcPct val="115000"/>
               </a:lnSpc>
@@ -7246,7 +7336,7 @@
                 <a:sym typeface="Roboto"/>
               </a:defRPr>
             </a:lvl2pPr>
-            <a:lvl3pPr indent="-317500" lvl="2" marL="1371600">
+            <a:lvl3pPr marL="1371600" lvl="2" indent="-317500">
               <a:lnSpc>
                 <a:spcPct val="115000"/>
               </a:lnSpc>
@@ -7272,7 +7362,7 @@
                 <a:sym typeface="Roboto"/>
               </a:defRPr>
             </a:lvl3pPr>
-            <a:lvl4pPr indent="-317500" lvl="3" marL="1828800">
+            <a:lvl4pPr marL="1828800" lvl="3" indent="-317500">
               <a:lnSpc>
                 <a:spcPct val="115000"/>
               </a:lnSpc>
@@ -7298,7 +7388,7 @@
                 <a:sym typeface="Roboto"/>
               </a:defRPr>
             </a:lvl4pPr>
-            <a:lvl5pPr indent="-317500" lvl="4" marL="2286000">
+            <a:lvl5pPr marL="2286000" lvl="4" indent="-317500">
               <a:lnSpc>
                 <a:spcPct val="115000"/>
               </a:lnSpc>
@@ -7324,7 +7414,7 @@
                 <a:sym typeface="Roboto"/>
               </a:defRPr>
             </a:lvl5pPr>
-            <a:lvl6pPr indent="-317500" lvl="5" marL="2743200">
+            <a:lvl6pPr marL="2743200" lvl="5" indent="-317500">
               <a:lnSpc>
                 <a:spcPct val="115000"/>
               </a:lnSpc>
@@ -7350,7 +7440,7 @@
                 <a:sym typeface="Roboto"/>
               </a:defRPr>
             </a:lvl6pPr>
-            <a:lvl7pPr indent="-317500" lvl="6" marL="3200400">
+            <a:lvl7pPr marL="3200400" lvl="6" indent="-317500">
               <a:lnSpc>
                 <a:spcPct val="115000"/>
               </a:lnSpc>
@@ -7376,7 +7466,7 @@
                 <a:sym typeface="Roboto"/>
               </a:defRPr>
             </a:lvl7pPr>
-            <a:lvl8pPr indent="-317500" lvl="7" marL="3657600">
+            <a:lvl8pPr marL="3657600" lvl="7" indent="-317500">
               <a:lnSpc>
                 <a:spcPct val="115000"/>
               </a:lnSpc>
@@ -7402,7 +7492,7 @@
                 <a:sym typeface="Roboto"/>
               </a:defRPr>
             </a:lvl8pPr>
-            <a:lvl9pPr indent="-317500" lvl="8" marL="4114800">
+            <a:lvl9pPr marL="4114800" lvl="8" indent="-317500">
               <a:lnSpc>
                 <a:spcPct val="115000"/>
               </a:lnSpc>
@@ -7429,15 +7519,19 @@
               </a:defRPr>
             </a:lvl9pPr>
           </a:lstStyle>
-          <a:p/>
+          <a:p>
+            <a:endParaRPr/>
+          </a:p>
         </p:txBody>
       </p:sp>
       <p:sp>
         <p:nvSpPr>
           <p:cNvPr id="8" name="Google Shape;8;p1"/>
-          <p:cNvSpPr txBox="1"/>
+          <p:cNvSpPr txBox="1">
+            <a:spLocks noGrp="1"/>
+          </p:cNvSpPr>
           <p:nvPr>
-            <p:ph idx="12" type="sldNum"/>
+            <p:ph type="sldNum" idx="12"/>
           </p:nvPr>
         </p:nvSpPr>
         <p:spPr>
@@ -7454,7 +7548,7 @@
           </a:ln>
         </p:spPr>
         <p:txBody>
-          <a:bodyPr anchorCtr="0" anchor="ctr" bIns="91425" lIns="91425" spcFirstLastPara="1" rIns="91425" wrap="square" tIns="91425">
+          <a:bodyPr spcFirstLastPara="1" wrap="square" lIns="91425" tIns="91425" rIns="91425" bIns="91425" anchor="ctr" anchorCtr="0">
             <a:normAutofit/>
           </a:bodyPr>
           <a:lstStyle>
@@ -7568,7 +7662,7 @@
             </a:lvl9pPr>
           </a:lstStyle>
           <a:p>
-            <a:pPr indent="0" lvl="0" marL="0" rtl="0" algn="r">
+            <a:pPr marL="0" lvl="0" indent="0" algn="r" rtl="0">
               <a:spcBef>
                 <a:spcPts val="0"/>
               </a:spcBef>
@@ -7587,7 +7681,7 @@
       </p:sp>
     </p:spTree>
   </p:cSld>
-  <p:clrMap accent1="accent1" accent2="accent2" accent3="accent3" accent4="accent4" accent5="accent5" accent6="accent6" bg1="lt1" bg2="dk2" tx1="dk1" tx2="lt2" folHlink="folHlink" hlink="hlink"/>
+  <p:clrMap bg1="lt1" tx1="dk1" bg2="dk2" tx2="lt2" accent1="accent1" accent2="accent2" accent3="accent3" accent4="accent4" accent5="accent5" accent6="accent6" hlink="hlink" folHlink="folHlink"/>
   <p:sldLayoutIdLst>
     <p:sldLayoutId id="2147483648" r:id="rId1"/>
     <p:sldLayoutId id="2147483649" r:id="rId2"/>
@@ -7601,10 +7695,10 @@
     <p:sldLayoutId id="2147483657" r:id="rId10"/>
     <p:sldLayoutId id="2147483658" r:id="rId11"/>
   </p:sldLayoutIdLst>
-  <p:hf dt="0" ftr="0" hdr="0" sldNum="0"/>
+  <p:hf sldNum="0" hdr="0" ftr="0" dt="0"/>
   <p:txStyles>
     <p:titleStyle>
-      <a:defPPr lvl="0" marR="0" rtl="0" algn="l">
+      <a:defPPr marR="0" lvl="0" algn="l" rtl="0">
         <a:lnSpc>
           <a:spcPct val="100000"/>
         </a:lnSpc>
@@ -7615,7 +7709,7 @@
           <a:spcPts val="0"/>
         </a:spcAft>
       </a:defPPr>
-      <a:lvl1pPr lvl="0" marR="0" rtl="0" algn="l">
+      <a:lvl1pPr marR="0" lvl="0" algn="l" rtl="0">
         <a:lnSpc>
           <a:spcPct val="100000"/>
         </a:lnSpc>
@@ -7629,7 +7723,7 @@
           <a:srgbClr val="000000"/>
         </a:buClr>
         <a:buFont typeface="Arial"/>
-        <a:defRPr b="0" i="0" sz="1400" u="none" cap="none" strike="noStrike">
+        <a:defRPr sz="1400" b="0" i="0" u="none" strike="noStrike" cap="none">
           <a:solidFill>
             <a:srgbClr val="000000"/>
           </a:solidFill>
@@ -7639,7 +7733,7 @@
           <a:sym typeface="Arial"/>
         </a:defRPr>
       </a:lvl1pPr>
-      <a:lvl2pPr lvl="1" marR="0" rtl="0" algn="l">
+      <a:lvl2pPr marR="0" lvl="1" algn="l" rtl="0">
         <a:lnSpc>
           <a:spcPct val="100000"/>
         </a:lnSpc>
@@ -7653,7 +7747,7 @@
           <a:srgbClr val="000000"/>
         </a:buClr>
         <a:buFont typeface="Arial"/>
-        <a:defRPr b="0" i="0" sz="1400" u="none" cap="none" strike="noStrike">
+        <a:defRPr sz="1400" b="0" i="0" u="none" strike="noStrike" cap="none">
           <a:solidFill>
             <a:srgbClr val="000000"/>
           </a:solidFill>
@@ -7663,7 +7757,7 @@
           <a:sym typeface="Arial"/>
         </a:defRPr>
       </a:lvl2pPr>
-      <a:lvl3pPr lvl="2" marR="0" rtl="0" algn="l">
+      <a:lvl3pPr marR="0" lvl="2" algn="l" rtl="0">
         <a:lnSpc>
           <a:spcPct val="100000"/>
         </a:lnSpc>
@@ -7677,7 +7771,7 @@
           <a:srgbClr val="000000"/>
         </a:buClr>
         <a:buFont typeface="Arial"/>
-        <a:defRPr b="0" i="0" sz="1400" u="none" cap="none" strike="noStrike">
+        <a:defRPr sz="1400" b="0" i="0" u="none" strike="noStrike" cap="none">
           <a:solidFill>
             <a:srgbClr val="000000"/>
           </a:solidFill>
@@ -7687,7 +7781,7 @@
           <a:sym typeface="Arial"/>
         </a:defRPr>
       </a:lvl3pPr>
-      <a:lvl4pPr lvl="3" marR="0" rtl="0" algn="l">
+      <a:lvl4pPr marR="0" lvl="3" algn="l" rtl="0">
         <a:lnSpc>
           <a:spcPct val="100000"/>
         </a:lnSpc>
@@ -7701,7 +7795,7 @@
           <a:srgbClr val="000000"/>
         </a:buClr>
         <a:buFont typeface="Arial"/>
-        <a:defRPr b="0" i="0" sz="1400" u="none" cap="none" strike="noStrike">
+        <a:defRPr sz="1400" b="0" i="0" u="none" strike="noStrike" cap="none">
           <a:solidFill>
             <a:srgbClr val="000000"/>
           </a:solidFill>
@@ -7711,7 +7805,7 @@
           <a:sym typeface="Arial"/>
         </a:defRPr>
       </a:lvl4pPr>
-      <a:lvl5pPr lvl="4" marR="0" rtl="0" algn="l">
+      <a:lvl5pPr marR="0" lvl="4" algn="l" rtl="0">
         <a:lnSpc>
           <a:spcPct val="100000"/>
         </a:lnSpc>
@@ -7725,7 +7819,7 @@
           <a:srgbClr val="000000"/>
         </a:buClr>
         <a:buFont typeface="Arial"/>
-        <a:defRPr b="0" i="0" sz="1400" u="none" cap="none" strike="noStrike">
+        <a:defRPr sz="1400" b="0" i="0" u="none" strike="noStrike" cap="none">
           <a:solidFill>
             <a:srgbClr val="000000"/>
           </a:solidFill>
@@ -7735,7 +7829,7 @@
           <a:sym typeface="Arial"/>
         </a:defRPr>
       </a:lvl5pPr>
-      <a:lvl6pPr lvl="5" marR="0" rtl="0" algn="l">
+      <a:lvl6pPr marR="0" lvl="5" algn="l" rtl="0">
         <a:lnSpc>
           <a:spcPct val="100000"/>
         </a:lnSpc>
@@ -7749,7 +7843,7 @@
           <a:srgbClr val="000000"/>
         </a:buClr>
         <a:buFont typeface="Arial"/>
-        <a:defRPr b="0" i="0" sz="1400" u="none" cap="none" strike="noStrike">
+        <a:defRPr sz="1400" b="0" i="0" u="none" strike="noStrike" cap="none">
           <a:solidFill>
             <a:srgbClr val="000000"/>
           </a:solidFill>
@@ -7759,7 +7853,7 @@
           <a:sym typeface="Arial"/>
         </a:defRPr>
       </a:lvl6pPr>
-      <a:lvl7pPr lvl="6" marR="0" rtl="0" algn="l">
+      <a:lvl7pPr marR="0" lvl="6" algn="l" rtl="0">
         <a:lnSpc>
           <a:spcPct val="100000"/>
         </a:lnSpc>
@@ -7773,7 +7867,7 @@
           <a:srgbClr val="000000"/>
         </a:buClr>
         <a:buFont typeface="Arial"/>
-        <a:defRPr b="0" i="0" sz="1400" u="none" cap="none" strike="noStrike">
+        <a:defRPr sz="1400" b="0" i="0" u="none" strike="noStrike" cap="none">
           <a:solidFill>
             <a:srgbClr val="000000"/>
           </a:solidFill>
@@ -7783,7 +7877,7 @@
           <a:sym typeface="Arial"/>
         </a:defRPr>
       </a:lvl7pPr>
-      <a:lvl8pPr lvl="7" marR="0" rtl="0" algn="l">
+      <a:lvl8pPr marR="0" lvl="7" algn="l" rtl="0">
         <a:lnSpc>
           <a:spcPct val="100000"/>
         </a:lnSpc>
@@ -7797,7 +7891,7 @@
           <a:srgbClr val="000000"/>
         </a:buClr>
         <a:buFont typeface="Arial"/>
-        <a:defRPr b="0" i="0" sz="1400" u="none" cap="none" strike="noStrike">
+        <a:defRPr sz="1400" b="0" i="0" u="none" strike="noStrike" cap="none">
           <a:solidFill>
             <a:srgbClr val="000000"/>
           </a:solidFill>
@@ -7807,7 +7901,7 @@
           <a:sym typeface="Arial"/>
         </a:defRPr>
       </a:lvl8pPr>
-      <a:lvl9pPr lvl="8" marR="0" rtl="0" algn="l">
+      <a:lvl9pPr marR="0" lvl="8" algn="l" rtl="0">
         <a:lnSpc>
           <a:spcPct val="100000"/>
         </a:lnSpc>
@@ -7821,7 +7915,7 @@
           <a:srgbClr val="000000"/>
         </a:buClr>
         <a:buFont typeface="Arial"/>
-        <a:defRPr b="0" i="0" sz="1400" u="none" cap="none" strike="noStrike">
+        <a:defRPr sz="1400" b="0" i="0" u="none" strike="noStrike" cap="none">
           <a:solidFill>
             <a:srgbClr val="000000"/>
           </a:solidFill>
@@ -7833,7 +7927,7 @@
       </a:lvl9pPr>
     </p:titleStyle>
     <p:bodyStyle>
-      <a:defPPr lvl="0" marR="0" rtl="0" algn="l">
+      <a:defPPr marR="0" lvl="0" algn="l" rtl="0">
         <a:lnSpc>
           <a:spcPct val="100000"/>
         </a:lnSpc>
@@ -7844,7 +7938,7 @@
           <a:spcPts val="0"/>
         </a:spcAft>
       </a:defPPr>
-      <a:lvl1pPr lvl="0" marR="0" rtl="0" algn="l">
+      <a:lvl1pPr marR="0" lvl="0" algn="l" rtl="0">
         <a:lnSpc>
           <a:spcPct val="100000"/>
         </a:lnSpc>
@@ -7858,7 +7952,7 @@
           <a:srgbClr val="000000"/>
         </a:buClr>
         <a:buFont typeface="Arial"/>
-        <a:defRPr b="0" i="0" sz="1400" u="none" cap="none" strike="noStrike">
+        <a:defRPr sz="1400" b="0" i="0" u="none" strike="noStrike" cap="none">
           <a:solidFill>
             <a:srgbClr val="000000"/>
           </a:solidFill>
@@ -7868,7 +7962,7 @@
           <a:sym typeface="Arial"/>
         </a:defRPr>
       </a:lvl1pPr>
-      <a:lvl2pPr lvl="1" marR="0" rtl="0" algn="l">
+      <a:lvl2pPr marR="0" lvl="1" algn="l" rtl="0">
         <a:lnSpc>
           <a:spcPct val="100000"/>
         </a:lnSpc>
@@ -7882,7 +7976,7 @@
           <a:srgbClr val="000000"/>
         </a:buClr>
         <a:buFont typeface="Arial"/>
-        <a:defRPr b="0" i="0" sz="1400" u="none" cap="none" strike="noStrike">
+        <a:defRPr sz="1400" b="0" i="0" u="none" strike="noStrike" cap="none">
           <a:solidFill>
             <a:srgbClr val="000000"/>
           </a:solidFill>
@@ -7892,7 +7986,7 @@
           <a:sym typeface="Arial"/>
         </a:defRPr>
       </a:lvl2pPr>
-      <a:lvl3pPr lvl="2" marR="0" rtl="0" algn="l">
+      <a:lvl3pPr marR="0" lvl="2" algn="l" rtl="0">
         <a:lnSpc>
           <a:spcPct val="100000"/>
         </a:lnSpc>
@@ -7906,7 +8000,7 @@
           <a:srgbClr val="000000"/>
         </a:buClr>
         <a:buFont typeface="Arial"/>
-        <a:defRPr b="0" i="0" sz="1400" u="none" cap="none" strike="noStrike">
+        <a:defRPr sz="1400" b="0" i="0" u="none" strike="noStrike" cap="none">
           <a:solidFill>
             <a:srgbClr val="000000"/>
           </a:solidFill>
@@ -7916,7 +8010,7 @@
           <a:sym typeface="Arial"/>
         </a:defRPr>
       </a:lvl3pPr>
-      <a:lvl4pPr lvl="3" marR="0" rtl="0" algn="l">
+      <a:lvl4pPr marR="0" lvl="3" algn="l" rtl="0">
         <a:lnSpc>
           <a:spcPct val="100000"/>
         </a:lnSpc>
@@ -7930,7 +8024,7 @@
           <a:srgbClr val="000000"/>
         </a:buClr>
         <a:buFont typeface="Arial"/>
-        <a:defRPr b="0" i="0" sz="1400" u="none" cap="none" strike="noStrike">
+        <a:defRPr sz="1400" b="0" i="0" u="none" strike="noStrike" cap="none">
           <a:solidFill>
             <a:srgbClr val="000000"/>
           </a:solidFill>
@@ -7940,7 +8034,7 @@
           <a:sym typeface="Arial"/>
         </a:defRPr>
       </a:lvl4pPr>
-      <a:lvl5pPr lvl="4" marR="0" rtl="0" algn="l">
+      <a:lvl5pPr marR="0" lvl="4" algn="l" rtl="0">
         <a:lnSpc>
           <a:spcPct val="100000"/>
         </a:lnSpc>
@@ -7954,7 +8048,7 @@
           <a:srgbClr val="000000"/>
         </a:buClr>
         <a:buFont typeface="Arial"/>
-        <a:defRPr b="0" i="0" sz="1400" u="none" cap="none" strike="noStrike">
+        <a:defRPr sz="1400" b="0" i="0" u="none" strike="noStrike" cap="none">
           <a:solidFill>
             <a:srgbClr val="000000"/>
           </a:solidFill>
@@ -7964,7 +8058,7 @@
           <a:sym typeface="Arial"/>
         </a:defRPr>
       </a:lvl5pPr>
-      <a:lvl6pPr lvl="5" marR="0" rtl="0" algn="l">
+      <a:lvl6pPr marR="0" lvl="5" algn="l" rtl="0">
         <a:lnSpc>
           <a:spcPct val="100000"/>
         </a:lnSpc>
@@ -7978,7 +8072,7 @@
           <a:srgbClr val="000000"/>
         </a:buClr>
         <a:buFont typeface="Arial"/>
-        <a:defRPr b="0" i="0" sz="1400" u="none" cap="none" strike="noStrike">
+        <a:defRPr sz="1400" b="0" i="0" u="none" strike="noStrike" cap="none">
           <a:solidFill>
             <a:srgbClr val="000000"/>
           </a:solidFill>
@@ -7988,7 +8082,7 @@
           <a:sym typeface="Arial"/>
         </a:defRPr>
       </a:lvl6pPr>
-      <a:lvl7pPr lvl="6" marR="0" rtl="0" algn="l">
+      <a:lvl7pPr marR="0" lvl="6" algn="l" rtl="0">
         <a:lnSpc>
           <a:spcPct val="100000"/>
         </a:lnSpc>
@@ -8002,7 +8096,7 @@
           <a:srgbClr val="000000"/>
         </a:buClr>
         <a:buFont typeface="Arial"/>
-        <a:defRPr b="0" i="0" sz="1400" u="none" cap="none" strike="noStrike">
+        <a:defRPr sz="1400" b="0" i="0" u="none" strike="noStrike" cap="none">
           <a:solidFill>
             <a:srgbClr val="000000"/>
           </a:solidFill>
@@ -8012,7 +8106,7 @@
           <a:sym typeface="Arial"/>
         </a:defRPr>
       </a:lvl7pPr>
-      <a:lvl8pPr lvl="7" marR="0" rtl="0" algn="l">
+      <a:lvl8pPr marR="0" lvl="7" algn="l" rtl="0">
         <a:lnSpc>
           <a:spcPct val="100000"/>
         </a:lnSpc>
@@ -8026,7 +8120,7 @@
           <a:srgbClr val="000000"/>
         </a:buClr>
         <a:buFont typeface="Arial"/>
-        <a:defRPr b="0" i="0" sz="1400" u="none" cap="none" strike="noStrike">
+        <a:defRPr sz="1400" b="0" i="0" u="none" strike="noStrike" cap="none">
           <a:solidFill>
             <a:srgbClr val="000000"/>
           </a:solidFill>
@@ -8036,7 +8130,7 @@
           <a:sym typeface="Arial"/>
         </a:defRPr>
       </a:lvl8pPr>
-      <a:lvl9pPr lvl="8" marR="0" rtl="0" algn="l">
+      <a:lvl9pPr marR="0" lvl="8" algn="l" rtl="0">
         <a:lnSpc>
           <a:spcPct val="100000"/>
         </a:lnSpc>
@@ -8050,7 +8144,7 @@
           <a:srgbClr val="000000"/>
         </a:buClr>
         <a:buFont typeface="Arial"/>
-        <a:defRPr b="0" i="0" sz="1400" u="none" cap="none" strike="noStrike">
+        <a:defRPr sz="1400" b="0" i="0" u="none" strike="noStrike" cap="none">
           <a:solidFill>
             <a:srgbClr val="000000"/>
           </a:solidFill>
@@ -8062,7 +8156,7 @@
       </a:lvl9pPr>
     </p:bodyStyle>
     <p:otherStyle>
-      <a:defPPr lvl="0" marR="0" rtl="0" algn="l">
+      <a:defPPr marR="0" lvl="0" algn="l" rtl="0">
         <a:lnSpc>
           <a:spcPct val="100000"/>
         </a:lnSpc>
@@ -8073,7 +8167,7 @@
           <a:spcPts val="0"/>
         </a:spcAft>
       </a:defPPr>
-      <a:lvl1pPr lvl="0" marR="0" rtl="0" algn="l">
+      <a:lvl1pPr marR="0" lvl="0" algn="l" rtl="0">
         <a:lnSpc>
           <a:spcPct val="100000"/>
         </a:lnSpc>
@@ -8087,7 +8181,7 @@
           <a:srgbClr val="000000"/>
         </a:buClr>
         <a:buFont typeface="Arial"/>
-        <a:defRPr b="0" i="0" sz="1400" u="none" cap="none" strike="noStrike">
+        <a:defRPr sz="1400" b="0" i="0" u="none" strike="noStrike" cap="none">
           <a:solidFill>
             <a:srgbClr val="000000"/>
           </a:solidFill>
@@ -8097,7 +8191,7 @@
           <a:sym typeface="Arial"/>
         </a:defRPr>
       </a:lvl1pPr>
-      <a:lvl2pPr lvl="1" marR="0" rtl="0" algn="l">
+      <a:lvl2pPr marR="0" lvl="1" algn="l" rtl="0">
         <a:lnSpc>
           <a:spcPct val="100000"/>
         </a:lnSpc>
@@ -8111,7 +8205,7 @@
           <a:srgbClr val="000000"/>
         </a:buClr>
         <a:buFont typeface="Arial"/>
-        <a:defRPr b="0" i="0" sz="1400" u="none" cap="none" strike="noStrike">
+        <a:defRPr sz="1400" b="0" i="0" u="none" strike="noStrike" cap="none">
           <a:solidFill>
             <a:srgbClr val="000000"/>
           </a:solidFill>
@@ -8121,7 +8215,7 @@
           <a:sym typeface="Arial"/>
         </a:defRPr>
       </a:lvl2pPr>
-      <a:lvl3pPr lvl="2" marR="0" rtl="0" algn="l">
+      <a:lvl3pPr marR="0" lvl="2" algn="l" rtl="0">
         <a:lnSpc>
           <a:spcPct val="100000"/>
         </a:lnSpc>
@@ -8135,7 +8229,7 @@
           <a:srgbClr val="000000"/>
         </a:buClr>
         <a:buFont typeface="Arial"/>
-        <a:defRPr b="0" i="0" sz="1400" u="none" cap="none" strike="noStrike">
+        <a:defRPr sz="1400" b="0" i="0" u="none" strike="noStrike" cap="none">
           <a:solidFill>
             <a:srgbClr val="000000"/>
           </a:solidFill>
@@ -8145,7 +8239,7 @@
           <a:sym typeface="Arial"/>
         </a:defRPr>
       </a:lvl3pPr>
-      <a:lvl4pPr lvl="3" marR="0" rtl="0" algn="l">
+      <a:lvl4pPr marR="0" lvl="3" algn="l" rtl="0">
         <a:lnSpc>
           <a:spcPct val="100000"/>
         </a:lnSpc>
@@ -8159,7 +8253,7 @@
           <a:srgbClr val="000000"/>
         </a:buClr>
         <a:buFont typeface="Arial"/>
-        <a:defRPr b="0" i="0" sz="1400" u="none" cap="none" strike="noStrike">
+        <a:defRPr sz="1400" b="0" i="0" u="none" strike="noStrike" cap="none">
           <a:solidFill>
             <a:srgbClr val="000000"/>
           </a:solidFill>
@@ -8169,7 +8263,7 @@
           <a:sym typeface="Arial"/>
         </a:defRPr>
       </a:lvl4pPr>
-      <a:lvl5pPr lvl="4" marR="0" rtl="0" algn="l">
+      <a:lvl5pPr marR="0" lvl="4" algn="l" rtl="0">
         <a:lnSpc>
           <a:spcPct val="100000"/>
         </a:lnSpc>
@@ -8183,7 +8277,7 @@
           <a:srgbClr val="000000"/>
         </a:buClr>
         <a:buFont typeface="Arial"/>
-        <a:defRPr b="0" i="0" sz="1400" u="none" cap="none" strike="noStrike">
+        <a:defRPr sz="1400" b="0" i="0" u="none" strike="noStrike" cap="none">
           <a:solidFill>
             <a:srgbClr val="000000"/>
           </a:solidFill>
@@ -8193,7 +8287,7 @@
           <a:sym typeface="Arial"/>
         </a:defRPr>
       </a:lvl5pPr>
-      <a:lvl6pPr lvl="5" marR="0" rtl="0" algn="l">
+      <a:lvl6pPr marR="0" lvl="5" algn="l" rtl="0">
         <a:lnSpc>
           <a:spcPct val="100000"/>
         </a:lnSpc>
@@ -8207,7 +8301,7 @@
           <a:srgbClr val="000000"/>
         </a:buClr>
         <a:buFont typeface="Arial"/>
-        <a:defRPr b="0" i="0" sz="1400" u="none" cap="none" strike="noStrike">
+        <a:defRPr sz="1400" b="0" i="0" u="none" strike="noStrike" cap="none">
           <a:solidFill>
             <a:srgbClr val="000000"/>
           </a:solidFill>
@@ -8217,7 +8311,7 @@
           <a:sym typeface="Arial"/>
         </a:defRPr>
       </a:lvl6pPr>
-      <a:lvl7pPr lvl="6" marR="0" rtl="0" algn="l">
+      <a:lvl7pPr marR="0" lvl="6" algn="l" rtl="0">
         <a:lnSpc>
           <a:spcPct val="100000"/>
         </a:lnSpc>
@@ -8231,7 +8325,7 @@
           <a:srgbClr val="000000"/>
         </a:buClr>
         <a:buFont typeface="Arial"/>
-        <a:defRPr b="0" i="0" sz="1400" u="none" cap="none" strike="noStrike">
+        <a:defRPr sz="1400" b="0" i="0" u="none" strike="noStrike" cap="none">
           <a:solidFill>
             <a:srgbClr val="000000"/>
           </a:solidFill>
@@ -8241,7 +8335,7 @@
           <a:sym typeface="Arial"/>
         </a:defRPr>
       </a:lvl7pPr>
-      <a:lvl8pPr lvl="7" marR="0" rtl="0" algn="l">
+      <a:lvl8pPr marR="0" lvl="7" algn="l" rtl="0">
         <a:lnSpc>
           <a:spcPct val="100000"/>
         </a:lnSpc>
@@ -8255,7 +8349,7 @@
           <a:srgbClr val="000000"/>
         </a:buClr>
         <a:buFont typeface="Arial"/>
-        <a:defRPr b="0" i="0" sz="1400" u="none" cap="none" strike="noStrike">
+        <a:defRPr sz="1400" b="0" i="0" u="none" strike="noStrike" cap="none">
           <a:solidFill>
             <a:srgbClr val="000000"/>
           </a:solidFill>
@@ -8265,7 +8359,7 @@
           <a:sym typeface="Arial"/>
         </a:defRPr>
       </a:lvl8pPr>
-      <a:lvl9pPr lvl="8" marR="0" rtl="0" algn="l">
+      <a:lvl9pPr marR="0" lvl="8" algn="l" rtl="0">
         <a:lnSpc>
           <a:spcPct val="100000"/>
         </a:lnSpc>
@@ -8279,7 +8373,7 @@
           <a:srgbClr val="000000"/>
         </a:buClr>
         <a:buFont typeface="Arial"/>
-        <a:defRPr b="0" i="0" sz="1400" u="none" cap="none" strike="noStrike">
+        <a:defRPr sz="1400" b="0" i="0" u="none" strike="noStrike" cap="none">
           <a:solidFill>
             <a:srgbClr val="000000"/>
           </a:solidFill>
@@ -8295,11 +8389,11 @@
 </file>
 
 <file path=ppt/slides/slide1.xml><?xml version="1.0" encoding="utf-8"?>
-<p:sld xmlns:a="http://schemas.openxmlformats.org/drawingml/2006/main" xmlns:r="http://schemas.openxmlformats.org/officeDocument/2006/relationships" xmlns:mc="http://schemas.openxmlformats.org/markup-compatibility/2006" xmlns:mv="urn:schemas-microsoft-com:mac:vml" xmlns:p="http://schemas.openxmlformats.org/presentationml/2006/main" xmlns:c="http://schemas.openxmlformats.org/drawingml/2006/chart" xmlns:dgm="http://schemas.openxmlformats.org/drawingml/2006/diagram" xmlns:o="urn:schemas-microsoft-com:office:office" xmlns:v="urn:schemas-microsoft-com:vml" xmlns:pvml="urn:schemas-microsoft-com:office:powerpoint" xmlns:com="http://schemas.openxmlformats.org/drawingml/2006/compatibility" xmlns:p14="http://schemas.microsoft.com/office/powerpoint/2010/main" xmlns:p15="http://schemas.microsoft.com/office/powerpoint/2012/main" xmlns:ahyp="http://schemas.microsoft.com/office/drawing/2018/hyperlinkcolor">
+<p:sld xmlns:a="http://schemas.openxmlformats.org/drawingml/2006/main" xmlns:r="http://schemas.openxmlformats.org/officeDocument/2006/relationships" xmlns:p="http://schemas.openxmlformats.org/presentationml/2006/main">
   <p:cSld>
     <p:spTree>
       <p:nvGrpSpPr>
-        <p:cNvPr id="84" name="Shape 84"/>
+        <p:cNvPr id="1" name="Shape 84"/>
         <p:cNvGrpSpPr/>
         <p:nvPr/>
       </p:nvGrpSpPr>
@@ -8314,7 +8408,9 @@
       <p:sp>
         <p:nvSpPr>
           <p:cNvPr id="85" name="Google Shape;85;p13"/>
-          <p:cNvSpPr txBox="1"/>
+          <p:cNvSpPr txBox="1">
+            <a:spLocks noGrp="1"/>
+          </p:cNvSpPr>
           <p:nvPr>
             <p:ph type="ctrTitle"/>
           </p:nvPr>
@@ -8329,12 +8425,12 @@
           </a:prstGeom>
         </p:spPr>
         <p:txBody>
-          <a:bodyPr anchorCtr="0" anchor="b" bIns="91425" lIns="91425" spcFirstLastPara="1" rIns="91425" wrap="square" tIns="91425">
+          <a:bodyPr spcFirstLastPara="1" wrap="square" lIns="91425" tIns="91425" rIns="91425" bIns="91425" anchor="b" anchorCtr="0">
             <a:normAutofit/>
           </a:bodyPr>
           <a:lstStyle/>
           <a:p>
-            <a:pPr indent="0" lvl="0" marL="0" rtl="0" algn="l">
+            <a:pPr marL="0" lvl="0" indent="0" algn="l" rtl="0">
               <a:spcBef>
                 <a:spcPts val="0"/>
               </a:spcBef>
@@ -8354,9 +8450,11 @@
       <p:sp>
         <p:nvSpPr>
           <p:cNvPr id="86" name="Google Shape;86;p13"/>
-          <p:cNvSpPr txBox="1"/>
+          <p:cNvSpPr txBox="1">
+            <a:spLocks noGrp="1"/>
+          </p:cNvSpPr>
           <p:nvPr>
-            <p:ph idx="1" type="subTitle"/>
+            <p:ph type="subTitle" idx="1"/>
           </p:nvPr>
         </p:nvSpPr>
         <p:spPr>
@@ -8369,12 +8467,12 @@
           </a:prstGeom>
         </p:spPr>
         <p:txBody>
-          <a:bodyPr anchorCtr="0" anchor="t" bIns="91425" lIns="91425" spcFirstLastPara="1" rIns="91425" wrap="square" tIns="91425">
+          <a:bodyPr spcFirstLastPara="1" wrap="square" lIns="91425" tIns="91425" rIns="91425" bIns="91425" anchor="t" anchorCtr="0">
             <a:normAutofit/>
           </a:bodyPr>
           <a:lstStyle/>
           <a:p>
-            <a:pPr indent="0" lvl="0" marL="0" rtl="0" algn="l">
+            <a:pPr marL="0" lvl="0" indent="0" algn="l" rtl="0">
               <a:spcBef>
                 <a:spcPts val="0"/>
               </a:spcBef>
@@ -8390,7 +8488,7 @@
             <a:endParaRPr/>
           </a:p>
           <a:p>
-            <a:pPr indent="0" lvl="0" marL="0" rtl="0" algn="l">
+            <a:pPr marL="0" lvl="0" indent="0" algn="l" rtl="0">
               <a:spcBef>
                 <a:spcPts val="0"/>
               </a:spcBef>
@@ -8400,20 +8498,12 @@
               <a:buNone/>
             </a:pPr>
             <a:r>
-              <a:rPr b="1" lang="en-CA" sz="1600"/>
+              <a:rPr lang="en-CA" sz="1600" b="1"/>
               <a:t>Group 2: </a:t>
             </a:r>
             <a:r>
               <a:rPr lang="en-CA" sz="1600"/>
-              <a:t>Beni Shankar De,</a:t>
-            </a:r>
-            <a:r>
-              <a:rPr lang="en-CA" sz="1600"/>
-              <a:t> Avneet Singh,</a:t>
-            </a:r>
-            <a:r>
-              <a:rPr lang="en-CA" sz="1600"/>
-              <a:t> Aakshay Gautam, Tarun Midha, Juil Yoon</a:t>
+              <a:t>Beni Shankar De, Avneet Singh, Aakshay Gautam, Tarun Midha, Juil Yoon</a:t>
             </a:r>
             <a:endParaRPr sz="1600"/>
           </a:p>
@@ -8428,11 +8518,11 @@
 </file>
 
 <file path=ppt/slides/slide10.xml><?xml version="1.0" encoding="utf-8"?>
-<p:sld xmlns:a="http://schemas.openxmlformats.org/drawingml/2006/main" xmlns:r="http://schemas.openxmlformats.org/officeDocument/2006/relationships" xmlns:mc="http://schemas.openxmlformats.org/markup-compatibility/2006" xmlns:mv="urn:schemas-microsoft-com:mac:vml" xmlns:p="http://schemas.openxmlformats.org/presentationml/2006/main" xmlns:c="http://schemas.openxmlformats.org/drawingml/2006/chart" xmlns:dgm="http://schemas.openxmlformats.org/drawingml/2006/diagram" xmlns:o="urn:schemas-microsoft-com:office:office" xmlns:v="urn:schemas-microsoft-com:vml" xmlns:pvml="urn:schemas-microsoft-com:office:powerpoint" xmlns:com="http://schemas.openxmlformats.org/drawingml/2006/compatibility" xmlns:p14="http://schemas.microsoft.com/office/powerpoint/2010/main" xmlns:p15="http://schemas.microsoft.com/office/powerpoint/2012/main" xmlns:ahyp="http://schemas.microsoft.com/office/drawing/2018/hyperlinkcolor">
+<p:sld xmlns:a="http://schemas.openxmlformats.org/drawingml/2006/main" xmlns:r="http://schemas.openxmlformats.org/officeDocument/2006/relationships" xmlns:p="http://schemas.openxmlformats.org/presentationml/2006/main">
   <p:cSld>
     <p:spTree>
       <p:nvGrpSpPr>
-        <p:cNvPr id="146" name="Shape 146"/>
+        <p:cNvPr id="1" name="Shape 146"/>
         <p:cNvGrpSpPr/>
         <p:nvPr/>
       </p:nvGrpSpPr>
@@ -8447,7 +8537,9 @@
       <p:sp>
         <p:nvSpPr>
           <p:cNvPr id="147" name="Google Shape;147;p22"/>
-          <p:cNvSpPr txBox="1"/>
+          <p:cNvSpPr txBox="1">
+            <a:spLocks noGrp="1"/>
+          </p:cNvSpPr>
           <p:nvPr>
             <p:ph type="title"/>
           </p:nvPr>
@@ -8462,12 +8554,12 @@
           </a:prstGeom>
         </p:spPr>
         <p:txBody>
-          <a:bodyPr anchorCtr="0" anchor="t" bIns="91425" lIns="91425" spcFirstLastPara="1" rIns="91425" wrap="square" tIns="91425">
+          <a:bodyPr spcFirstLastPara="1" wrap="square" lIns="91425" tIns="91425" rIns="91425" bIns="91425" anchor="t" anchorCtr="0">
             <a:normAutofit fontScale="90000"/>
           </a:bodyPr>
           <a:lstStyle/>
           <a:p>
-            <a:pPr indent="0" lvl="0" marL="0" rtl="0" algn="l">
+            <a:pPr marL="0" lvl="0" indent="0" algn="l" rtl="0">
               <a:spcBef>
                 <a:spcPts val="0"/>
               </a:spcBef>
@@ -8487,9 +8579,11 @@
       <p:sp>
         <p:nvSpPr>
           <p:cNvPr id="148" name="Google Shape;148;p22"/>
-          <p:cNvSpPr txBox="1"/>
+          <p:cNvSpPr txBox="1">
+            <a:spLocks noGrp="1"/>
+          </p:cNvSpPr>
           <p:nvPr>
-            <p:ph idx="1" type="body"/>
+            <p:ph type="body" idx="1"/>
           </p:nvPr>
         </p:nvSpPr>
         <p:spPr>
@@ -8502,12 +8596,12 @@
           </a:prstGeom>
         </p:spPr>
         <p:txBody>
-          <a:bodyPr anchorCtr="0" anchor="t" bIns="91425" lIns="91425" spcFirstLastPara="1" rIns="91425" wrap="square" tIns="91425">
+          <a:bodyPr spcFirstLastPara="1" wrap="square" lIns="91425" tIns="91425" rIns="91425" bIns="91425" anchor="t" anchorCtr="0">
             <a:normAutofit/>
           </a:bodyPr>
           <a:lstStyle/>
           <a:p>
-            <a:pPr indent="0" lvl="0" marL="0" rtl="0" algn="l">
+            <a:pPr marL="0" lvl="0" indent="0" algn="l" rtl="0">
               <a:spcBef>
                 <a:spcPts val="0"/>
               </a:spcBef>
@@ -8517,13 +8611,13 @@
               <a:buNone/>
             </a:pPr>
             <a:r>
-              <a:rPr lang="en-CA"/>
+              <a:rPr lang="en-CA" dirty="0"/>
               <a:t>One of our team’s unfinished goals.</a:t>
             </a:r>
-            <a:endParaRPr/>
+            <a:endParaRPr dirty="0"/>
           </a:p>
           <a:p>
-            <a:pPr indent="0" lvl="0" marL="0" rtl="0" algn="l">
+            <a:pPr marL="0" lvl="0" indent="0" algn="l" rtl="0">
               <a:spcBef>
                 <a:spcPts val="1200"/>
               </a:spcBef>
@@ -8533,13 +8627,13 @@
               <a:buNone/>
             </a:pPr>
             <a:r>
-              <a:rPr lang="en-CA"/>
+              <a:rPr lang="en-CA" dirty="0"/>
               <a:t>Because TKT ownership is permanent and publicly trackable, the TKT app aims to cut out scalpers and become the central marketplace for buying and reselling TKTs.</a:t>
             </a:r>
-            <a:endParaRPr/>
+            <a:endParaRPr dirty="0"/>
           </a:p>
           <a:p>
-            <a:pPr indent="0" lvl="0" marL="0" rtl="0" algn="l">
+            <a:pPr marL="0" lvl="0" indent="0" algn="l" rtl="0">
               <a:spcBef>
                 <a:spcPts val="1200"/>
               </a:spcBef>
@@ -8549,13 +8643,13 @@
               <a:buNone/>
             </a:pPr>
             <a:r>
-              <a:rPr lang="en-CA"/>
-              <a:t>By providing a trusted marketplace where regular TKT holders can sell TKTs they can no longer attend or want to attend, scalpers cannot price gouge attendees.</a:t>
+              <a:rPr lang="en-CA" dirty="0"/>
+              <a:t>By providing a trusted marketplace where regular TKT holders can sell TKTs they can no longer attend or want to attend, scalpers cannot price gauge attendees.</a:t>
             </a:r>
-            <a:endParaRPr/>
+            <a:endParaRPr dirty="0"/>
           </a:p>
           <a:p>
-            <a:pPr indent="0" lvl="0" marL="0" rtl="0" algn="l">
+            <a:pPr marL="0" lvl="0" indent="0" algn="l" rtl="0">
               <a:spcBef>
                 <a:spcPts val="1200"/>
               </a:spcBef>
@@ -8565,10 +8659,10 @@
               <a:buNone/>
             </a:pPr>
             <a:r>
-              <a:rPr lang="en-CA"/>
+              <a:rPr lang="en-CA" dirty="0"/>
               <a:t>ERC-2981 also allows secondary sales royalties to be paid to the event organizer and/or artist.</a:t>
             </a:r>
-            <a:endParaRPr/>
+            <a:endParaRPr dirty="0"/>
           </a:p>
         </p:txBody>
       </p:sp>
@@ -8581,11 +8675,11 @@
 </file>
 
 <file path=ppt/slides/slide2.xml><?xml version="1.0" encoding="utf-8"?>
-<p:sld xmlns:a="http://schemas.openxmlformats.org/drawingml/2006/main" xmlns:r="http://schemas.openxmlformats.org/officeDocument/2006/relationships" xmlns:mc="http://schemas.openxmlformats.org/markup-compatibility/2006" xmlns:mv="urn:schemas-microsoft-com:mac:vml" xmlns:p="http://schemas.openxmlformats.org/presentationml/2006/main" xmlns:c="http://schemas.openxmlformats.org/drawingml/2006/chart" xmlns:dgm="http://schemas.openxmlformats.org/drawingml/2006/diagram" xmlns:o="urn:schemas-microsoft-com:office:office" xmlns:v="urn:schemas-microsoft-com:vml" xmlns:pvml="urn:schemas-microsoft-com:office:powerpoint" xmlns:com="http://schemas.openxmlformats.org/drawingml/2006/compatibility" xmlns:p14="http://schemas.microsoft.com/office/powerpoint/2010/main" xmlns:p15="http://schemas.microsoft.com/office/powerpoint/2012/main" xmlns:ahyp="http://schemas.microsoft.com/office/drawing/2018/hyperlinkcolor">
+<p:sld xmlns:a="http://schemas.openxmlformats.org/drawingml/2006/main" xmlns:r="http://schemas.openxmlformats.org/officeDocument/2006/relationships" xmlns:p="http://schemas.openxmlformats.org/presentationml/2006/main">
   <p:cSld>
     <p:spTree>
       <p:nvGrpSpPr>
-        <p:cNvPr id="90" name="Shape 90"/>
+        <p:cNvPr id="1" name="Shape 90"/>
         <p:cNvGrpSpPr/>
         <p:nvPr/>
       </p:nvGrpSpPr>
@@ -8600,9 +8694,11 @@
       <p:sp>
         <p:nvSpPr>
           <p:cNvPr id="91" name="Google Shape;91;p14"/>
-          <p:cNvSpPr txBox="1"/>
+          <p:cNvSpPr txBox="1">
+            <a:spLocks noGrp="1"/>
+          </p:cNvSpPr>
           <p:nvPr>
-            <p:ph idx="1" type="body"/>
+            <p:ph type="body" idx="1"/>
           </p:nvPr>
         </p:nvSpPr>
         <p:spPr>
@@ -8615,12 +8711,12 @@
           </a:prstGeom>
         </p:spPr>
         <p:txBody>
-          <a:bodyPr anchorCtr="0" anchor="t" bIns="91425" lIns="91425" spcFirstLastPara="1" rIns="91425" wrap="square" tIns="91425">
+          <a:bodyPr spcFirstLastPara="1" wrap="square" lIns="91425" tIns="91425" rIns="91425" bIns="91425" anchor="t" anchorCtr="0">
             <a:normAutofit/>
           </a:bodyPr>
           <a:lstStyle/>
           <a:p>
-            <a:pPr indent="0" lvl="0" marL="0" rtl="0" algn="l">
+            <a:pPr marL="0" lvl="0" indent="0" algn="l" rtl="0">
               <a:spcBef>
                 <a:spcPts val="0"/>
               </a:spcBef>
@@ -8636,7 +8732,7 @@
             <a:endParaRPr/>
           </a:p>
           <a:p>
-            <a:pPr indent="0" lvl="0" marL="0" rtl="0" algn="l">
+            <a:pPr marL="0" lvl="0" indent="0" algn="l" rtl="0">
               <a:spcBef>
                 <a:spcPts val="1200"/>
               </a:spcBef>
@@ -8652,7 +8748,7 @@
             <a:endParaRPr/>
           </a:p>
           <a:p>
-            <a:pPr indent="0" lvl="0" marL="0" rtl="0" algn="l">
+            <a:pPr marL="0" lvl="0" indent="0" algn="l" rtl="0">
               <a:spcBef>
                 <a:spcPts val="1200"/>
               </a:spcBef>
@@ -8672,7 +8768,9 @@
       <p:sp>
         <p:nvSpPr>
           <p:cNvPr id="92" name="Google Shape;92;p14"/>
-          <p:cNvSpPr txBox="1"/>
+          <p:cNvSpPr txBox="1">
+            <a:spLocks noGrp="1"/>
+          </p:cNvSpPr>
           <p:nvPr>
             <p:ph type="title"/>
           </p:nvPr>
@@ -8687,12 +8785,12 @@
           </a:prstGeom>
         </p:spPr>
         <p:txBody>
-          <a:bodyPr anchorCtr="0" anchor="t" bIns="91425" lIns="91425" spcFirstLastPara="1" rIns="91425" wrap="square" tIns="91425">
+          <a:bodyPr spcFirstLastPara="1" wrap="square" lIns="91425" tIns="91425" rIns="91425" bIns="91425" anchor="t" anchorCtr="0">
             <a:normAutofit fontScale="90000"/>
           </a:bodyPr>
           <a:lstStyle/>
           <a:p>
-            <a:pPr indent="0" lvl="0" marL="0" rtl="0" algn="l">
+            <a:pPr marL="0" lvl="0" indent="0" algn="l" rtl="0">
               <a:spcBef>
                 <a:spcPts val="0"/>
               </a:spcBef>
@@ -8718,11 +8816,11 @@
 </file>
 
 <file path=ppt/slides/slide3.xml><?xml version="1.0" encoding="utf-8"?>
-<p:sld xmlns:a="http://schemas.openxmlformats.org/drawingml/2006/main" xmlns:r="http://schemas.openxmlformats.org/officeDocument/2006/relationships" xmlns:mc="http://schemas.openxmlformats.org/markup-compatibility/2006" xmlns:mv="urn:schemas-microsoft-com:mac:vml" xmlns:p="http://schemas.openxmlformats.org/presentationml/2006/main" xmlns:c="http://schemas.openxmlformats.org/drawingml/2006/chart" xmlns:dgm="http://schemas.openxmlformats.org/drawingml/2006/diagram" xmlns:o="urn:schemas-microsoft-com:office:office" xmlns:v="urn:schemas-microsoft-com:vml" xmlns:pvml="urn:schemas-microsoft-com:office:powerpoint" xmlns:com="http://schemas.openxmlformats.org/drawingml/2006/compatibility" xmlns:p14="http://schemas.microsoft.com/office/powerpoint/2010/main" xmlns:p15="http://schemas.microsoft.com/office/powerpoint/2012/main" xmlns:ahyp="http://schemas.microsoft.com/office/drawing/2018/hyperlinkcolor">
+<p:sld xmlns:a="http://schemas.openxmlformats.org/drawingml/2006/main" xmlns:r="http://schemas.openxmlformats.org/officeDocument/2006/relationships" xmlns:p="http://schemas.openxmlformats.org/presentationml/2006/main">
   <p:cSld>
     <p:spTree>
       <p:nvGrpSpPr>
-        <p:cNvPr id="96" name="Shape 96"/>
+        <p:cNvPr id="1" name="Shape 96"/>
         <p:cNvGrpSpPr/>
         <p:nvPr/>
       </p:nvGrpSpPr>
@@ -8737,7 +8835,9 @@
       <p:sp>
         <p:nvSpPr>
           <p:cNvPr id="97" name="Google Shape;97;p15"/>
-          <p:cNvSpPr txBox="1"/>
+          <p:cNvSpPr txBox="1">
+            <a:spLocks noGrp="1"/>
+          </p:cNvSpPr>
           <p:nvPr>
             <p:ph type="title"/>
           </p:nvPr>
@@ -8752,12 +8852,12 @@
           </a:prstGeom>
         </p:spPr>
         <p:txBody>
-          <a:bodyPr anchorCtr="0" anchor="ctr" bIns="91425" lIns="91425" spcFirstLastPara="1" rIns="91425" wrap="square" tIns="91425">
+          <a:bodyPr spcFirstLastPara="1" wrap="square" lIns="91425" tIns="91425" rIns="91425" bIns="91425" anchor="ctr" anchorCtr="0">
             <a:normAutofit/>
           </a:bodyPr>
           <a:lstStyle/>
           <a:p>
-            <a:pPr indent="0" lvl="0" marL="0" rtl="0" algn="l">
+            <a:pPr marL="0" lvl="0" indent="0" algn="l" rtl="0">
               <a:spcBef>
                 <a:spcPts val="0"/>
               </a:spcBef>
@@ -8783,11 +8883,11 @@
 </file>
 
 <file path=ppt/slides/slide4.xml><?xml version="1.0" encoding="utf-8"?>
-<p:sld xmlns:a="http://schemas.openxmlformats.org/drawingml/2006/main" xmlns:r="http://schemas.openxmlformats.org/officeDocument/2006/relationships" xmlns:mc="http://schemas.openxmlformats.org/markup-compatibility/2006" xmlns:mv="urn:schemas-microsoft-com:mac:vml" xmlns:p="http://schemas.openxmlformats.org/presentationml/2006/main" xmlns:c="http://schemas.openxmlformats.org/drawingml/2006/chart" xmlns:dgm="http://schemas.openxmlformats.org/drawingml/2006/diagram" xmlns:o="urn:schemas-microsoft-com:office:office" xmlns:v="urn:schemas-microsoft-com:vml" xmlns:pvml="urn:schemas-microsoft-com:office:powerpoint" xmlns:com="http://schemas.openxmlformats.org/drawingml/2006/compatibility" xmlns:p14="http://schemas.microsoft.com/office/powerpoint/2010/main" xmlns:p15="http://schemas.microsoft.com/office/powerpoint/2012/main" xmlns:ahyp="http://schemas.microsoft.com/office/drawing/2018/hyperlinkcolor">
+<p:sld xmlns:a="http://schemas.openxmlformats.org/drawingml/2006/main" xmlns:r="http://schemas.openxmlformats.org/officeDocument/2006/relationships" xmlns:p="http://schemas.openxmlformats.org/presentationml/2006/main">
   <p:cSld>
     <p:spTree>
       <p:nvGrpSpPr>
-        <p:cNvPr id="101" name="Shape 101"/>
+        <p:cNvPr id="1" name="Shape 101"/>
         <p:cNvGrpSpPr/>
         <p:nvPr/>
       </p:nvGrpSpPr>
@@ -8948,11 +9048,11 @@
 </file>
 
 <file path=ppt/slides/slide5.xml><?xml version="1.0" encoding="utf-8"?>
-<p:sld xmlns:a="http://schemas.openxmlformats.org/drawingml/2006/main" xmlns:r="http://schemas.openxmlformats.org/officeDocument/2006/relationships" xmlns:mc="http://schemas.openxmlformats.org/markup-compatibility/2006" xmlns:mv="urn:schemas-microsoft-com:mac:vml" xmlns:p="http://schemas.openxmlformats.org/presentationml/2006/main" xmlns:c="http://schemas.openxmlformats.org/drawingml/2006/chart" xmlns:dgm="http://schemas.openxmlformats.org/drawingml/2006/diagram" xmlns:o="urn:schemas-microsoft-com:office:office" xmlns:v="urn:schemas-microsoft-com:vml" xmlns:pvml="urn:schemas-microsoft-com:office:powerpoint" xmlns:com="http://schemas.openxmlformats.org/drawingml/2006/compatibility" xmlns:p14="http://schemas.microsoft.com/office/powerpoint/2010/main" xmlns:p15="http://schemas.microsoft.com/office/powerpoint/2012/main" xmlns:ahyp="http://schemas.microsoft.com/office/drawing/2018/hyperlinkcolor">
+<p:sld xmlns:a="http://schemas.openxmlformats.org/drawingml/2006/main" xmlns:r="http://schemas.openxmlformats.org/officeDocument/2006/relationships" xmlns:p="http://schemas.openxmlformats.org/presentationml/2006/main">
   <p:cSld>
     <p:spTree>
       <p:nvGrpSpPr>
-        <p:cNvPr id="110" name="Shape 110"/>
+        <p:cNvPr id="1" name="Shape 110"/>
         <p:cNvGrpSpPr/>
         <p:nvPr/>
       </p:nvGrpSpPr>
@@ -8967,7 +9067,9 @@
       <p:sp>
         <p:nvSpPr>
           <p:cNvPr id="111" name="Google Shape;111;p17"/>
-          <p:cNvSpPr txBox="1"/>
+          <p:cNvSpPr txBox="1">
+            <a:spLocks noGrp="1"/>
+          </p:cNvSpPr>
           <p:nvPr>
             <p:ph type="title"/>
           </p:nvPr>
@@ -8982,12 +9084,12 @@
           </a:prstGeom>
         </p:spPr>
         <p:txBody>
-          <a:bodyPr anchorCtr="0" anchor="t" bIns="91425" lIns="91425" spcFirstLastPara="1" rIns="91425" wrap="square" tIns="91425">
+          <a:bodyPr spcFirstLastPara="1" wrap="square" lIns="91425" tIns="91425" rIns="91425" bIns="91425" anchor="t" anchorCtr="0">
             <a:normAutofit fontScale="90000"/>
           </a:bodyPr>
           <a:lstStyle/>
           <a:p>
-            <a:pPr indent="0" lvl="0" marL="0" rtl="0" algn="l">
+            <a:pPr marL="0" lvl="0" indent="0" algn="l" rtl="0">
               <a:spcBef>
                 <a:spcPts val="0"/>
               </a:spcBef>
@@ -9007,9 +9109,11 @@
       <p:sp>
         <p:nvSpPr>
           <p:cNvPr id="112" name="Google Shape;112;p17"/>
-          <p:cNvSpPr txBox="1"/>
+          <p:cNvSpPr txBox="1">
+            <a:spLocks noGrp="1"/>
+          </p:cNvSpPr>
           <p:nvPr>
-            <p:ph idx="1" type="body"/>
+            <p:ph type="body" idx="1"/>
           </p:nvPr>
         </p:nvSpPr>
         <p:spPr>
@@ -9022,12 +9126,12 @@
           </a:prstGeom>
         </p:spPr>
         <p:txBody>
-          <a:bodyPr anchorCtr="0" anchor="t" bIns="91425" lIns="91425" spcFirstLastPara="1" rIns="91425" wrap="square" tIns="91425">
+          <a:bodyPr spcFirstLastPara="1" wrap="square" lIns="91425" tIns="91425" rIns="91425" bIns="91425" anchor="t" anchorCtr="0">
             <a:normAutofit fontScale="92500" lnSpcReduction="20000"/>
           </a:bodyPr>
           <a:lstStyle/>
           <a:p>
-            <a:pPr indent="0" lvl="0" marL="0" rtl="0" algn="l">
+            <a:pPr marL="0" lvl="0" indent="0" algn="l" rtl="0">
               <a:spcBef>
                 <a:spcPts val="0"/>
               </a:spcBef>
@@ -9103,9 +9207,11 @@
       <p:sp>
         <p:nvSpPr>
           <p:cNvPr id="115" name="Google Shape;115;p17"/>
-          <p:cNvSpPr txBox="1"/>
+          <p:cNvSpPr txBox="1">
+            <a:spLocks noGrp="1"/>
+          </p:cNvSpPr>
           <p:nvPr>
-            <p:ph idx="1" type="body"/>
+            <p:ph type="body" idx="1"/>
           </p:nvPr>
         </p:nvSpPr>
         <p:spPr>
@@ -9118,12 +9224,12 @@
           </a:prstGeom>
         </p:spPr>
         <p:txBody>
-          <a:bodyPr anchorCtr="0" anchor="t" bIns="91425" lIns="91425" spcFirstLastPara="1" rIns="91425" wrap="square" tIns="91425">
+          <a:bodyPr spcFirstLastPara="1" wrap="square" lIns="91425" tIns="91425" rIns="91425" bIns="91425" anchor="t" anchorCtr="0">
             <a:normAutofit fontScale="92500" lnSpcReduction="20000"/>
           </a:bodyPr>
           <a:lstStyle/>
           <a:p>
-            <a:pPr indent="0" lvl="0" marL="0" rtl="0" algn="l">
+            <a:pPr marL="0" lvl="0" indent="0" algn="l" rtl="0">
               <a:spcBef>
                 <a:spcPts val="0"/>
               </a:spcBef>
@@ -9149,11 +9255,11 @@
 </file>
 
 <file path=ppt/slides/slide6.xml><?xml version="1.0" encoding="utf-8"?>
-<p:sld xmlns:a="http://schemas.openxmlformats.org/drawingml/2006/main" xmlns:r="http://schemas.openxmlformats.org/officeDocument/2006/relationships" xmlns:mc="http://schemas.openxmlformats.org/markup-compatibility/2006" xmlns:mv="urn:schemas-microsoft-com:mac:vml" xmlns:p="http://schemas.openxmlformats.org/presentationml/2006/main" xmlns:c="http://schemas.openxmlformats.org/drawingml/2006/chart" xmlns:dgm="http://schemas.openxmlformats.org/drawingml/2006/diagram" xmlns:o="urn:schemas-microsoft-com:office:office" xmlns:v="urn:schemas-microsoft-com:vml" xmlns:pvml="urn:schemas-microsoft-com:office:powerpoint" xmlns:com="http://schemas.openxmlformats.org/drawingml/2006/compatibility" xmlns:p14="http://schemas.microsoft.com/office/powerpoint/2010/main" xmlns:p15="http://schemas.microsoft.com/office/powerpoint/2012/main" xmlns:ahyp="http://schemas.microsoft.com/office/drawing/2018/hyperlinkcolor">
+<p:sld xmlns:a="http://schemas.openxmlformats.org/drawingml/2006/main" xmlns:r="http://schemas.openxmlformats.org/officeDocument/2006/relationships" xmlns:p="http://schemas.openxmlformats.org/presentationml/2006/main">
   <p:cSld>
     <p:spTree>
       <p:nvGrpSpPr>
-        <p:cNvPr id="119" name="Shape 119"/>
+        <p:cNvPr id="1" name="Shape 119"/>
         <p:cNvGrpSpPr/>
         <p:nvPr/>
       </p:nvGrpSpPr>
@@ -9168,7 +9274,9 @@
       <p:sp>
         <p:nvSpPr>
           <p:cNvPr id="120" name="Google Shape;120;p18"/>
-          <p:cNvSpPr txBox="1"/>
+          <p:cNvSpPr txBox="1">
+            <a:spLocks noGrp="1"/>
+          </p:cNvSpPr>
           <p:nvPr>
             <p:ph type="title"/>
           </p:nvPr>
@@ -9183,12 +9291,12 @@
           </a:prstGeom>
         </p:spPr>
         <p:txBody>
-          <a:bodyPr anchorCtr="0" anchor="t" bIns="91425" lIns="91425" spcFirstLastPara="1" rIns="91425" wrap="square" tIns="91425">
+          <a:bodyPr spcFirstLastPara="1" wrap="square" lIns="91425" tIns="91425" rIns="91425" bIns="91425" anchor="t" anchorCtr="0">
             <a:normAutofit fontScale="90000"/>
           </a:bodyPr>
           <a:lstStyle/>
           <a:p>
-            <a:pPr indent="0" lvl="0" marL="0" rtl="0" algn="l">
+            <a:pPr marL="0" lvl="0" indent="0" algn="l" rtl="0">
               <a:spcBef>
                 <a:spcPts val="0"/>
               </a:spcBef>
@@ -9208,9 +9316,11 @@
       <p:sp>
         <p:nvSpPr>
           <p:cNvPr id="121" name="Google Shape;121;p18"/>
-          <p:cNvSpPr txBox="1"/>
+          <p:cNvSpPr txBox="1">
+            <a:spLocks noGrp="1"/>
+          </p:cNvSpPr>
           <p:nvPr>
-            <p:ph idx="1" type="body"/>
+            <p:ph type="body" idx="1"/>
           </p:nvPr>
         </p:nvSpPr>
         <p:spPr>
@@ -9223,12 +9333,12 @@
           </a:prstGeom>
         </p:spPr>
         <p:txBody>
-          <a:bodyPr anchorCtr="0" anchor="t" bIns="91425" lIns="91425" spcFirstLastPara="1" rIns="91425" wrap="square" tIns="91425">
+          <a:bodyPr spcFirstLastPara="1" wrap="square" lIns="91425" tIns="91425" rIns="91425" bIns="91425" anchor="t" anchorCtr="0">
             <a:normAutofit/>
           </a:bodyPr>
           <a:lstStyle/>
           <a:p>
-            <a:pPr indent="0" lvl="0" marL="0" rtl="0" algn="l">
+            <a:pPr marL="0" lvl="0" indent="0" algn="l" rtl="0">
               <a:spcBef>
                 <a:spcPts val="0"/>
               </a:spcBef>
@@ -9239,11 +9349,7 @@
             </a:pPr>
             <a:r>
               <a:rPr lang="en-CA"/>
-              <a:t>Application </a:t>
-            </a:r>
-            <a:r>
-              <a:rPr lang="en-CA"/>
-              <a:t>screen to Mint a Ticket and Buy /Transfer</a:t>
+              <a:t>Application screen to Mint a Ticket and Buy /Transfer</a:t>
             </a:r>
             <a:endParaRPr/>
           </a:p>
@@ -9280,9 +9386,11 @@
       <p:sp>
         <p:nvSpPr>
           <p:cNvPr id="123" name="Google Shape;123;p18"/>
-          <p:cNvSpPr txBox="1"/>
+          <p:cNvSpPr txBox="1">
+            <a:spLocks noGrp="1"/>
+          </p:cNvSpPr>
           <p:nvPr>
-            <p:ph idx="1" type="body"/>
+            <p:ph type="body" idx="1"/>
           </p:nvPr>
         </p:nvSpPr>
         <p:spPr>
@@ -9295,12 +9403,12 @@
           </a:prstGeom>
         </p:spPr>
         <p:txBody>
-          <a:bodyPr anchorCtr="0" anchor="t" bIns="91425" lIns="91425" spcFirstLastPara="1" rIns="91425" wrap="square" tIns="91425">
+          <a:bodyPr spcFirstLastPara="1" wrap="square" lIns="91425" tIns="91425" rIns="91425" bIns="91425" anchor="t" anchorCtr="0">
             <a:normAutofit/>
           </a:bodyPr>
           <a:lstStyle/>
           <a:p>
-            <a:pPr indent="0" lvl="0" marL="0" rtl="0" algn="l">
+            <a:pPr marL="0" lvl="0" indent="0" algn="l" rtl="0">
               <a:spcBef>
                 <a:spcPts val="0"/>
               </a:spcBef>
@@ -9382,11 +9490,11 @@
 </file>
 
 <file path=ppt/slides/slide7.xml><?xml version="1.0" encoding="utf-8"?>
-<p:sld xmlns:a="http://schemas.openxmlformats.org/drawingml/2006/main" xmlns:r="http://schemas.openxmlformats.org/officeDocument/2006/relationships" xmlns:mc="http://schemas.openxmlformats.org/markup-compatibility/2006" xmlns:mv="urn:schemas-microsoft-com:mac:vml" xmlns:p="http://schemas.openxmlformats.org/presentationml/2006/main" xmlns:c="http://schemas.openxmlformats.org/drawingml/2006/chart" xmlns:dgm="http://schemas.openxmlformats.org/drawingml/2006/diagram" xmlns:o="urn:schemas-microsoft-com:office:office" xmlns:v="urn:schemas-microsoft-com:vml" xmlns:pvml="urn:schemas-microsoft-com:office:powerpoint" xmlns:com="http://schemas.openxmlformats.org/drawingml/2006/compatibility" xmlns:p14="http://schemas.microsoft.com/office/powerpoint/2010/main" xmlns:p15="http://schemas.microsoft.com/office/powerpoint/2012/main" xmlns:ahyp="http://schemas.microsoft.com/office/drawing/2018/hyperlinkcolor">
+<p:sld xmlns:a="http://schemas.openxmlformats.org/drawingml/2006/main" xmlns:r="http://schemas.openxmlformats.org/officeDocument/2006/relationships" xmlns:p="http://schemas.openxmlformats.org/presentationml/2006/main">
   <p:cSld>
     <p:spTree>
       <p:nvGrpSpPr>
-        <p:cNvPr id="129" name="Shape 129"/>
+        <p:cNvPr id="1" name="Shape 129"/>
         <p:cNvGrpSpPr/>
         <p:nvPr/>
       </p:nvGrpSpPr>
@@ -9401,7 +9509,9 @@
       <p:sp>
         <p:nvSpPr>
           <p:cNvPr id="130" name="Google Shape;130;p19"/>
-          <p:cNvSpPr txBox="1"/>
+          <p:cNvSpPr txBox="1">
+            <a:spLocks noGrp="1"/>
+          </p:cNvSpPr>
           <p:nvPr>
             <p:ph type="title"/>
           </p:nvPr>
@@ -9416,12 +9526,12 @@
           </a:prstGeom>
         </p:spPr>
         <p:txBody>
-          <a:bodyPr anchorCtr="0" anchor="ctr" bIns="91425" lIns="91425" spcFirstLastPara="1" rIns="91425" wrap="square" tIns="91425">
+          <a:bodyPr spcFirstLastPara="1" wrap="square" lIns="91425" tIns="91425" rIns="91425" bIns="91425" anchor="ctr" anchorCtr="0">
             <a:normAutofit/>
           </a:bodyPr>
           <a:lstStyle/>
           <a:p>
-            <a:pPr indent="0" lvl="0" marL="0" rtl="0" algn="l">
+            <a:pPr marL="0" lvl="0" indent="0" algn="l" rtl="0">
               <a:spcBef>
                 <a:spcPts val="0"/>
               </a:spcBef>
@@ -9447,11 +9557,11 @@
 </file>
 
 <file path=ppt/slides/slide8.xml><?xml version="1.0" encoding="utf-8"?>
-<p:sld xmlns:a="http://schemas.openxmlformats.org/drawingml/2006/main" xmlns:r="http://schemas.openxmlformats.org/officeDocument/2006/relationships" xmlns:mc="http://schemas.openxmlformats.org/markup-compatibility/2006" xmlns:mv="urn:schemas-microsoft-com:mac:vml" xmlns:p="http://schemas.openxmlformats.org/presentationml/2006/main" xmlns:c="http://schemas.openxmlformats.org/drawingml/2006/chart" xmlns:dgm="http://schemas.openxmlformats.org/drawingml/2006/diagram" xmlns:o="urn:schemas-microsoft-com:office:office" xmlns:v="urn:schemas-microsoft-com:vml" xmlns:pvml="urn:schemas-microsoft-com:office:powerpoint" xmlns:com="http://schemas.openxmlformats.org/drawingml/2006/compatibility" xmlns:p14="http://schemas.microsoft.com/office/powerpoint/2010/main" xmlns:p15="http://schemas.microsoft.com/office/powerpoint/2012/main" xmlns:ahyp="http://schemas.microsoft.com/office/drawing/2018/hyperlinkcolor">
+<p:sld xmlns:a="http://schemas.openxmlformats.org/drawingml/2006/main" xmlns:r="http://schemas.openxmlformats.org/officeDocument/2006/relationships" xmlns:p="http://schemas.openxmlformats.org/presentationml/2006/main">
   <p:cSld>
     <p:spTree>
       <p:nvGrpSpPr>
-        <p:cNvPr id="134" name="Shape 134"/>
+        <p:cNvPr id="1" name="Shape 134"/>
         <p:cNvGrpSpPr/>
         <p:nvPr/>
       </p:nvGrpSpPr>
@@ -9466,7 +9576,9 @@
       <p:sp>
         <p:nvSpPr>
           <p:cNvPr id="135" name="Google Shape;135;p20"/>
-          <p:cNvSpPr txBox="1"/>
+          <p:cNvSpPr txBox="1">
+            <a:spLocks noGrp="1"/>
+          </p:cNvSpPr>
           <p:nvPr>
             <p:ph type="title"/>
           </p:nvPr>
@@ -9481,12 +9593,12 @@
           </a:prstGeom>
         </p:spPr>
         <p:txBody>
-          <a:bodyPr anchorCtr="0" anchor="t" bIns="91425" lIns="91425" spcFirstLastPara="1" rIns="91425" wrap="square" tIns="91425">
+          <a:bodyPr spcFirstLastPara="1" wrap="square" lIns="91425" tIns="91425" rIns="91425" bIns="91425" anchor="t" anchorCtr="0">
             <a:normAutofit fontScale="90000"/>
           </a:bodyPr>
           <a:lstStyle/>
           <a:p>
-            <a:pPr indent="0" lvl="0" marL="0" rtl="0" algn="l">
+            <a:pPr marL="0" lvl="0" indent="0" algn="l" rtl="0">
               <a:spcBef>
                 <a:spcPts val="0"/>
               </a:spcBef>
@@ -9506,9 +9618,11 @@
       <p:sp>
         <p:nvSpPr>
           <p:cNvPr id="136" name="Google Shape;136;p20"/>
-          <p:cNvSpPr txBox="1"/>
+          <p:cNvSpPr txBox="1">
+            <a:spLocks noGrp="1"/>
+          </p:cNvSpPr>
           <p:nvPr>
-            <p:ph idx="1" type="body"/>
+            <p:ph type="body" idx="1"/>
           </p:nvPr>
         </p:nvSpPr>
         <p:spPr>
@@ -9521,12 +9635,12 @@
           </a:prstGeom>
         </p:spPr>
         <p:txBody>
-          <a:bodyPr anchorCtr="0" anchor="t" bIns="91425" lIns="91425" spcFirstLastPara="1" rIns="91425" wrap="square" tIns="91425">
+          <a:bodyPr spcFirstLastPara="1" wrap="square" lIns="91425" tIns="91425" rIns="91425" bIns="91425" anchor="t" anchorCtr="0">
             <a:normAutofit/>
           </a:bodyPr>
           <a:lstStyle/>
           <a:p>
-            <a:pPr indent="0" lvl="0" marL="0" rtl="0" algn="l">
+            <a:pPr marL="0" lvl="0" indent="0" algn="l" rtl="0">
               <a:spcBef>
                 <a:spcPts val="0"/>
               </a:spcBef>
@@ -9542,7 +9656,7 @@
             <a:endParaRPr/>
           </a:p>
           <a:p>
-            <a:pPr indent="0" lvl="0" marL="0" rtl="0" algn="l">
+            <a:pPr marL="0" lvl="0" indent="0" algn="l" rtl="0">
               <a:spcBef>
                 <a:spcPts val="1200"/>
               </a:spcBef>
@@ -9558,7 +9672,7 @@
             <a:endParaRPr/>
           </a:p>
           <a:p>
-            <a:pPr indent="-342900" lvl="0" marL="457200" rtl="0" algn="l">
+            <a:pPr marL="457200" lvl="0" indent="-342900" algn="l" rtl="0">
               <a:spcBef>
                 <a:spcPts val="1200"/>
               </a:spcBef>
@@ -9575,7 +9689,7 @@
             <a:endParaRPr/>
           </a:p>
           <a:p>
-            <a:pPr indent="-342900" lvl="0" marL="457200" rtl="0" algn="l">
+            <a:pPr marL="457200" lvl="0" indent="-342900" algn="l" rtl="0">
               <a:spcBef>
                 <a:spcPts val="0"/>
               </a:spcBef>
@@ -9592,7 +9706,7 @@
             <a:endParaRPr/>
           </a:p>
           <a:p>
-            <a:pPr indent="-342900" lvl="0" marL="457200" rtl="0" algn="l">
+            <a:pPr marL="457200" lvl="0" indent="-342900" algn="l" rtl="0">
               <a:spcBef>
                 <a:spcPts val="0"/>
               </a:spcBef>
@@ -9609,7 +9723,7 @@
             <a:endParaRPr/>
           </a:p>
           <a:p>
-            <a:pPr indent="-342900" lvl="0" marL="457200" rtl="0" algn="l">
+            <a:pPr marL="457200" lvl="0" indent="-342900" algn="l" rtl="0">
               <a:spcBef>
                 <a:spcPts val="0"/>
               </a:spcBef>
@@ -9636,11 +9750,11 @@
 </file>
 
 <file path=ppt/slides/slide9.xml><?xml version="1.0" encoding="utf-8"?>
-<p:sld xmlns:a="http://schemas.openxmlformats.org/drawingml/2006/main" xmlns:r="http://schemas.openxmlformats.org/officeDocument/2006/relationships" xmlns:mc="http://schemas.openxmlformats.org/markup-compatibility/2006" xmlns:mv="urn:schemas-microsoft-com:mac:vml" xmlns:p="http://schemas.openxmlformats.org/presentationml/2006/main" xmlns:c="http://schemas.openxmlformats.org/drawingml/2006/chart" xmlns:dgm="http://schemas.openxmlformats.org/drawingml/2006/diagram" xmlns:o="urn:schemas-microsoft-com:office:office" xmlns:v="urn:schemas-microsoft-com:vml" xmlns:pvml="urn:schemas-microsoft-com:office:powerpoint" xmlns:com="http://schemas.openxmlformats.org/drawingml/2006/compatibility" xmlns:p14="http://schemas.microsoft.com/office/powerpoint/2010/main" xmlns:p15="http://schemas.microsoft.com/office/powerpoint/2012/main" xmlns:ahyp="http://schemas.microsoft.com/office/drawing/2018/hyperlinkcolor">
+<p:sld xmlns:a="http://schemas.openxmlformats.org/drawingml/2006/main" xmlns:r="http://schemas.openxmlformats.org/officeDocument/2006/relationships" xmlns:p="http://schemas.openxmlformats.org/presentationml/2006/main">
   <p:cSld>
     <p:spTree>
       <p:nvGrpSpPr>
-        <p:cNvPr id="140" name="Shape 140"/>
+        <p:cNvPr id="1" name="Shape 140"/>
         <p:cNvGrpSpPr/>
         <p:nvPr/>
       </p:nvGrpSpPr>
@@ -9655,7 +9769,9 @@
       <p:sp>
         <p:nvSpPr>
           <p:cNvPr id="141" name="Google Shape;141;p21"/>
-          <p:cNvSpPr txBox="1"/>
+          <p:cNvSpPr txBox="1">
+            <a:spLocks noGrp="1"/>
+          </p:cNvSpPr>
           <p:nvPr>
             <p:ph type="title"/>
           </p:nvPr>
@@ -9670,12 +9786,12 @@
           </a:prstGeom>
         </p:spPr>
         <p:txBody>
-          <a:bodyPr anchorCtr="0" anchor="t" bIns="91425" lIns="91425" spcFirstLastPara="1" rIns="91425" wrap="square" tIns="91425">
+          <a:bodyPr spcFirstLastPara="1" wrap="square" lIns="91425" tIns="91425" rIns="91425" bIns="91425" anchor="t" anchorCtr="0">
             <a:normAutofit fontScale="90000"/>
           </a:bodyPr>
           <a:lstStyle/>
           <a:p>
-            <a:pPr indent="0" lvl="0" marL="0" rtl="0" algn="l">
+            <a:pPr marL="0" lvl="0" indent="0" algn="l" rtl="0">
               <a:spcBef>
                 <a:spcPts val="0"/>
               </a:spcBef>
@@ -9695,9 +9811,11 @@
       <p:sp>
         <p:nvSpPr>
           <p:cNvPr id="142" name="Google Shape;142;p21"/>
-          <p:cNvSpPr txBox="1"/>
+          <p:cNvSpPr txBox="1">
+            <a:spLocks noGrp="1"/>
+          </p:cNvSpPr>
           <p:nvPr>
-            <p:ph idx="1" type="body"/>
+            <p:ph type="body" idx="1"/>
           </p:nvPr>
         </p:nvSpPr>
         <p:spPr>
@@ -9710,12 +9828,12 @@
           </a:prstGeom>
         </p:spPr>
         <p:txBody>
-          <a:bodyPr anchorCtr="0" anchor="t" bIns="91425" lIns="91425" spcFirstLastPara="1" rIns="91425" wrap="square" tIns="91425">
+          <a:bodyPr spcFirstLastPara="1" wrap="square" lIns="91425" tIns="91425" rIns="91425" bIns="91425" anchor="t" anchorCtr="0">
             <a:normAutofit/>
           </a:bodyPr>
           <a:lstStyle/>
           <a:p>
-            <a:pPr indent="0" lvl="0" marL="0" rtl="0" algn="l">
+            <a:pPr marL="0" lvl="0" indent="0" algn="l" rtl="0">
               <a:spcBef>
                 <a:spcPts val="0"/>
               </a:spcBef>
@@ -9731,7 +9849,7 @@
             <a:endParaRPr/>
           </a:p>
           <a:p>
-            <a:pPr indent="0" lvl="0" marL="0" rtl="0" algn="l">
+            <a:pPr marL="0" lvl="0" indent="0" algn="l" rtl="0">
               <a:spcBef>
                 <a:spcPts val="1200"/>
               </a:spcBef>
@@ -9757,7 +9875,288 @@
 </file>
 
 <file path=ppt/theme/theme1.xml><?xml version="1.0" encoding="utf-8"?>
-<a:theme xmlns:a="http://schemas.openxmlformats.org/drawingml/2006/main" xmlns:r="http://schemas.openxmlformats.org/officeDocument/2006/relationships">
+<a:theme xmlns:a="http://schemas.openxmlformats.org/drawingml/2006/main" name="Geometric">
+  <a:themeElements>
+    <a:clrScheme name="Geometric">
+      <a:dk1>
+        <a:srgbClr val="2A3990"/>
+      </a:dk1>
+      <a:lt1>
+        <a:srgbClr val="FFFFFF"/>
+      </a:lt1>
+      <a:dk2>
+        <a:srgbClr val="434343"/>
+      </a:dk2>
+      <a:lt2>
+        <a:srgbClr val="999999"/>
+      </a:lt2>
+      <a:accent1>
+        <a:srgbClr val="212D74"/>
+      </a:accent1>
+      <a:accent2>
+        <a:srgbClr val="3949AB"/>
+      </a:accent2>
+      <a:accent3>
+        <a:srgbClr val="9C254D"/>
+      </a:accent3>
+      <a:accent4>
+        <a:srgbClr val="D23369"/>
+      </a:accent4>
+      <a:accent5>
+        <a:srgbClr val="F06292"/>
+      </a:accent5>
+      <a:accent6>
+        <a:srgbClr val="7890CD"/>
+      </a:accent6>
+      <a:hlink>
+        <a:srgbClr val="F06292"/>
+      </a:hlink>
+      <a:folHlink>
+        <a:srgbClr val="F06292"/>
+      </a:folHlink>
+    </a:clrScheme>
+    <a:fontScheme name="Office">
+      <a:majorFont>
+        <a:latin typeface="Arial"/>
+        <a:ea typeface=""/>
+        <a:cs typeface=""/>
+        <a:font script="Jpan" typeface="ＭＳ Ｐゴシック"/>
+        <a:font script="Hang" typeface="맑은 고딕"/>
+        <a:font script="Hans" typeface="宋体"/>
+        <a:font script="Hant" typeface="新細明體"/>
+        <a:font script="Arab" typeface="Times New Roman"/>
+        <a:font script="Hebr" typeface="Times New Roman"/>
+        <a:font script="Thai" typeface="Angsana New"/>
+        <a:font script="Ethi" typeface="Nyala"/>
+        <a:font script="Beng" typeface="Vrinda"/>
+        <a:font script="Gujr" typeface="Shruti"/>
+        <a:font script="Khmr" typeface="MoolBoran"/>
+        <a:font script="Knda" typeface="Tunga"/>
+        <a:font script="Guru" typeface="Raavi"/>
+        <a:font script="Cans" typeface="Euphemia"/>
+        <a:font script="Cher" typeface="Plantagenet Cherokee"/>
+        <a:font script="Yiii" typeface="Microsoft Yi Baiti"/>
+        <a:font script="Tibt" typeface="Microsoft Himalaya"/>
+        <a:font script="Thaa" typeface="MV Boli"/>
+        <a:font script="Deva" typeface="Mangal"/>
+        <a:font script="Telu" typeface="Gautami"/>
+        <a:font script="Taml" typeface="Latha"/>
+        <a:font script="Syrc" typeface="Estrangelo Edessa"/>
+        <a:font script="Orya" typeface="Kalinga"/>
+        <a:font script="Mlym" typeface="Kartika"/>
+        <a:font script="Laoo" typeface="DokChampa"/>
+        <a:font script="Sinh" typeface="Iskoola Pota"/>
+        <a:font script="Mong" typeface="Mongolian Baiti"/>
+        <a:font script="Viet" typeface="Times New Roman"/>
+        <a:font script="Uigh" typeface="Microsoft Uighur"/>
+        <a:font script="Geor" typeface="Sylfaen"/>
+      </a:majorFont>
+      <a:minorFont>
+        <a:latin typeface="Arial"/>
+        <a:ea typeface=""/>
+        <a:cs typeface=""/>
+        <a:font script="Jpan" typeface="ＭＳ Ｐゴシック"/>
+        <a:font script="Hang" typeface="맑은 고딕"/>
+        <a:font script="Hans" typeface="宋体"/>
+        <a:font script="Hant" typeface="新細明體"/>
+        <a:font script="Arab" typeface="Arial"/>
+        <a:font script="Hebr" typeface="Arial"/>
+        <a:font script="Thai" typeface="Cordia New"/>
+        <a:font script="Ethi" typeface="Nyala"/>
+        <a:font script="Beng" typeface="Vrinda"/>
+        <a:font script="Gujr" typeface="Shruti"/>
+        <a:font script="Khmr" typeface="DaunPenh"/>
+        <a:font script="Knda" typeface="Tunga"/>
+        <a:font script="Guru" typeface="Raavi"/>
+        <a:font script="Cans" typeface="Euphemia"/>
+        <a:font script="Cher" typeface="Plantagenet Cherokee"/>
+        <a:font script="Yiii" typeface="Microsoft Yi Baiti"/>
+        <a:font script="Tibt" typeface="Microsoft Himalaya"/>
+        <a:font script="Thaa" typeface="MV Boli"/>
+        <a:font script="Deva" typeface="Mangal"/>
+        <a:font script="Telu" typeface="Gautami"/>
+        <a:font script="Taml" typeface="Latha"/>
+        <a:font script="Syrc" typeface="Estrangelo Edessa"/>
+        <a:font script="Orya" typeface="Kalinga"/>
+        <a:font script="Mlym" typeface="Kartika"/>
+        <a:font script="Laoo" typeface="DokChampa"/>
+        <a:font script="Sinh" typeface="Iskoola Pota"/>
+        <a:font script="Mong" typeface="Mongolian Baiti"/>
+        <a:font script="Viet" typeface="Arial"/>
+        <a:font script="Uigh" typeface="Microsoft Uighur"/>
+        <a:font script="Geor" typeface="Sylfaen"/>
+      </a:minorFont>
+    </a:fontScheme>
+    <a:fmtScheme name="Office">
+      <a:fillStyleLst>
+        <a:solidFill>
+          <a:schemeClr val="phClr"/>
+        </a:solidFill>
+        <a:gradFill rotWithShape="1">
+          <a:gsLst>
+            <a:gs pos="0">
+              <a:schemeClr val="phClr">
+                <a:tint val="50000"/>
+                <a:satMod val="300000"/>
+              </a:schemeClr>
+            </a:gs>
+            <a:gs pos="35000">
+              <a:schemeClr val="phClr">
+                <a:tint val="37000"/>
+                <a:satMod val="300000"/>
+              </a:schemeClr>
+            </a:gs>
+            <a:gs pos="100000">
+              <a:schemeClr val="phClr">
+                <a:tint val="15000"/>
+                <a:satMod val="350000"/>
+              </a:schemeClr>
+            </a:gs>
+          </a:gsLst>
+          <a:lin ang="16200000" scaled="1"/>
+        </a:gradFill>
+        <a:gradFill rotWithShape="1">
+          <a:gsLst>
+            <a:gs pos="0">
+              <a:schemeClr val="phClr">
+                <a:tint val="100000"/>
+                <a:shade val="100000"/>
+                <a:satMod val="130000"/>
+              </a:schemeClr>
+            </a:gs>
+            <a:gs pos="100000">
+              <a:schemeClr val="phClr">
+                <a:tint val="50000"/>
+                <a:shade val="100000"/>
+                <a:satMod val="350000"/>
+              </a:schemeClr>
+            </a:gs>
+          </a:gsLst>
+          <a:lin ang="16200000" scaled="0"/>
+        </a:gradFill>
+      </a:fillStyleLst>
+      <a:lnStyleLst>
+        <a:ln w="9525" cap="flat" cmpd="sng" algn="ctr">
+          <a:solidFill>
+            <a:schemeClr val="phClr">
+              <a:shade val="95000"/>
+              <a:satMod val="105000"/>
+            </a:schemeClr>
+          </a:solidFill>
+          <a:prstDash val="solid"/>
+        </a:ln>
+        <a:ln w="25400" cap="flat" cmpd="sng" algn="ctr">
+          <a:solidFill>
+            <a:schemeClr val="phClr"/>
+          </a:solidFill>
+          <a:prstDash val="solid"/>
+        </a:ln>
+        <a:ln w="38100" cap="flat" cmpd="sng" algn="ctr">
+          <a:solidFill>
+            <a:schemeClr val="phClr"/>
+          </a:solidFill>
+          <a:prstDash val="solid"/>
+        </a:ln>
+      </a:lnStyleLst>
+      <a:effectStyleLst>
+        <a:effectStyle>
+          <a:effectLst>
+            <a:outerShdw blurRad="40000" dist="20000" dir="5400000" rotWithShape="0">
+              <a:srgbClr val="000000">
+                <a:alpha val="38000"/>
+              </a:srgbClr>
+            </a:outerShdw>
+          </a:effectLst>
+        </a:effectStyle>
+        <a:effectStyle>
+          <a:effectLst>
+            <a:outerShdw blurRad="40000" dist="23000" dir="5400000" rotWithShape="0">
+              <a:srgbClr val="000000">
+                <a:alpha val="35000"/>
+              </a:srgbClr>
+            </a:outerShdw>
+          </a:effectLst>
+        </a:effectStyle>
+        <a:effectStyle>
+          <a:effectLst>
+            <a:outerShdw blurRad="40000" dist="23000" dir="5400000" rotWithShape="0">
+              <a:srgbClr val="000000">
+                <a:alpha val="35000"/>
+              </a:srgbClr>
+            </a:outerShdw>
+          </a:effectLst>
+          <a:scene3d>
+            <a:camera prst="orthographicFront">
+              <a:rot lat="0" lon="0" rev="0"/>
+            </a:camera>
+            <a:lightRig rig="threePt" dir="t">
+              <a:rot lat="0" lon="0" rev="1200000"/>
+            </a:lightRig>
+          </a:scene3d>
+          <a:sp3d>
+            <a:bevelT w="63500" h="25400"/>
+          </a:sp3d>
+        </a:effectStyle>
+      </a:effectStyleLst>
+      <a:bgFillStyleLst>
+        <a:solidFill>
+          <a:schemeClr val="phClr"/>
+        </a:solidFill>
+        <a:gradFill rotWithShape="1">
+          <a:gsLst>
+            <a:gs pos="0">
+              <a:schemeClr val="phClr">
+                <a:tint val="40000"/>
+                <a:satMod val="350000"/>
+              </a:schemeClr>
+            </a:gs>
+            <a:gs pos="40000">
+              <a:schemeClr val="phClr">
+                <a:tint val="45000"/>
+                <a:shade val="99000"/>
+                <a:satMod val="350000"/>
+              </a:schemeClr>
+            </a:gs>
+            <a:gs pos="100000">
+              <a:schemeClr val="phClr">
+                <a:shade val="20000"/>
+                <a:satMod val="255000"/>
+              </a:schemeClr>
+            </a:gs>
+          </a:gsLst>
+          <a:path path="circle">
+            <a:fillToRect l="50000" t="-80000" r="50000" b="180000"/>
+          </a:path>
+        </a:gradFill>
+        <a:gradFill rotWithShape="1">
+          <a:gsLst>
+            <a:gs pos="0">
+              <a:schemeClr val="phClr">
+                <a:tint val="80000"/>
+                <a:satMod val="300000"/>
+              </a:schemeClr>
+            </a:gs>
+            <a:gs pos="100000">
+              <a:schemeClr val="phClr">
+                <a:shade val="30000"/>
+                <a:satMod val="200000"/>
+              </a:schemeClr>
+            </a:gs>
+          </a:gsLst>
+          <a:path path="circle">
+            <a:fillToRect l="50000" t="50000" r="50000" b="50000"/>
+          </a:path>
+        </a:gradFill>
+      </a:bgFillStyleLst>
+    </a:fmtScheme>
+  </a:themeElements>
+  <a:objectDefaults/>
+  <a:extraClrSchemeLst/>
+</a:theme>
+</file>
+
+<file path=ppt/theme/theme2.xml><?xml version="1.0" encoding="utf-8"?>
+<a:theme xmlns:a="http://schemas.openxmlformats.org/drawingml/2006/main">
   <a:themeElements>
     <a:clrScheme name="Default">
       <a:dk1>
@@ -10032,284 +10431,7 @@
       </a:bgFillStyleLst>
     </a:fmtScheme>
   </a:themeElements>
-</a:theme>
-</file>
-
-<file path=ppt/theme/theme2.xml><?xml version="1.0" encoding="utf-8"?>
-<a:theme xmlns:a="http://schemas.openxmlformats.org/drawingml/2006/main" xmlns:r="http://schemas.openxmlformats.org/officeDocument/2006/relationships" name="Geometric">
-  <a:themeElements>
-    <a:clrScheme name="Geometric">
-      <a:dk1>
-        <a:srgbClr val="2A3990"/>
-      </a:dk1>
-      <a:lt1>
-        <a:srgbClr val="FFFFFF"/>
-      </a:lt1>
-      <a:dk2>
-        <a:srgbClr val="434343"/>
-      </a:dk2>
-      <a:lt2>
-        <a:srgbClr val="999999"/>
-      </a:lt2>
-      <a:accent1>
-        <a:srgbClr val="212D74"/>
-      </a:accent1>
-      <a:accent2>
-        <a:srgbClr val="3949AB"/>
-      </a:accent2>
-      <a:accent3>
-        <a:srgbClr val="9C254D"/>
-      </a:accent3>
-      <a:accent4>
-        <a:srgbClr val="D23369"/>
-      </a:accent4>
-      <a:accent5>
-        <a:srgbClr val="F06292"/>
-      </a:accent5>
-      <a:accent6>
-        <a:srgbClr val="7890CD"/>
-      </a:accent6>
-      <a:hlink>
-        <a:srgbClr val="F06292"/>
-      </a:hlink>
-      <a:folHlink>
-        <a:srgbClr val="F06292"/>
-      </a:folHlink>
-    </a:clrScheme>
-    <a:fontScheme name="Office">
-      <a:majorFont>
-        <a:latin typeface="Arial"/>
-        <a:ea typeface=""/>
-        <a:cs typeface=""/>
-        <a:font script="Jpan" typeface="ＭＳ Ｐゴシック"/>
-        <a:font script="Hang" typeface="맑은 고딕"/>
-        <a:font script="Hans" typeface="宋体"/>
-        <a:font script="Hant" typeface="新細明體"/>
-        <a:font script="Arab" typeface="Times New Roman"/>
-        <a:font script="Hebr" typeface="Times New Roman"/>
-        <a:font script="Thai" typeface="Angsana New"/>
-        <a:font script="Ethi" typeface="Nyala"/>
-        <a:font script="Beng" typeface="Vrinda"/>
-        <a:font script="Gujr" typeface="Shruti"/>
-        <a:font script="Khmr" typeface="MoolBoran"/>
-        <a:font script="Knda" typeface="Tunga"/>
-        <a:font script="Guru" typeface="Raavi"/>
-        <a:font script="Cans" typeface="Euphemia"/>
-        <a:font script="Cher" typeface="Plantagenet Cherokee"/>
-        <a:font script="Yiii" typeface="Microsoft Yi Baiti"/>
-        <a:font script="Tibt" typeface="Microsoft Himalaya"/>
-        <a:font script="Thaa" typeface="MV Boli"/>
-        <a:font script="Deva" typeface="Mangal"/>
-        <a:font script="Telu" typeface="Gautami"/>
-        <a:font script="Taml" typeface="Latha"/>
-        <a:font script="Syrc" typeface="Estrangelo Edessa"/>
-        <a:font script="Orya" typeface="Kalinga"/>
-        <a:font script="Mlym" typeface="Kartika"/>
-        <a:font script="Laoo" typeface="DokChampa"/>
-        <a:font script="Sinh" typeface="Iskoola Pota"/>
-        <a:font script="Mong" typeface="Mongolian Baiti"/>
-        <a:font script="Viet" typeface="Times New Roman"/>
-        <a:font script="Uigh" typeface="Microsoft Uighur"/>
-        <a:font script="Geor" typeface="Sylfaen"/>
-      </a:majorFont>
-      <a:minorFont>
-        <a:latin typeface="Arial"/>
-        <a:ea typeface=""/>
-        <a:cs typeface=""/>
-        <a:font script="Jpan" typeface="ＭＳ Ｐゴシック"/>
-        <a:font script="Hang" typeface="맑은 고딕"/>
-        <a:font script="Hans" typeface="宋体"/>
-        <a:font script="Hant" typeface="新細明體"/>
-        <a:font script="Arab" typeface="Arial"/>
-        <a:font script="Hebr" typeface="Arial"/>
-        <a:font script="Thai" typeface="Cordia New"/>
-        <a:font script="Ethi" typeface="Nyala"/>
-        <a:font script="Beng" typeface="Vrinda"/>
-        <a:font script="Gujr" typeface="Shruti"/>
-        <a:font script="Khmr" typeface="DaunPenh"/>
-        <a:font script="Knda" typeface="Tunga"/>
-        <a:font script="Guru" typeface="Raavi"/>
-        <a:font script="Cans" typeface="Euphemia"/>
-        <a:font script="Cher" typeface="Plantagenet Cherokee"/>
-        <a:font script="Yiii" typeface="Microsoft Yi Baiti"/>
-        <a:font script="Tibt" typeface="Microsoft Himalaya"/>
-        <a:font script="Thaa" typeface="MV Boli"/>
-        <a:font script="Deva" typeface="Mangal"/>
-        <a:font script="Telu" typeface="Gautami"/>
-        <a:font script="Taml" typeface="Latha"/>
-        <a:font script="Syrc" typeface="Estrangelo Edessa"/>
-        <a:font script="Orya" typeface="Kalinga"/>
-        <a:font script="Mlym" typeface="Kartika"/>
-        <a:font script="Laoo" typeface="DokChampa"/>
-        <a:font script="Sinh" typeface="Iskoola Pota"/>
-        <a:font script="Mong" typeface="Mongolian Baiti"/>
-        <a:font script="Viet" typeface="Arial"/>
-        <a:font script="Uigh" typeface="Microsoft Uighur"/>
-        <a:font script="Geor" typeface="Sylfaen"/>
-      </a:minorFont>
-    </a:fontScheme>
-    <a:fmtScheme name="Office">
-      <a:fillStyleLst>
-        <a:solidFill>
-          <a:schemeClr val="phClr"/>
-        </a:solidFill>
-        <a:gradFill rotWithShape="1">
-          <a:gsLst>
-            <a:gs pos="0">
-              <a:schemeClr val="phClr">
-                <a:tint val="50000"/>
-                <a:satMod val="300000"/>
-              </a:schemeClr>
-            </a:gs>
-            <a:gs pos="35000">
-              <a:schemeClr val="phClr">
-                <a:tint val="37000"/>
-                <a:satMod val="300000"/>
-              </a:schemeClr>
-            </a:gs>
-            <a:gs pos="100000">
-              <a:schemeClr val="phClr">
-                <a:tint val="15000"/>
-                <a:satMod val="350000"/>
-              </a:schemeClr>
-            </a:gs>
-          </a:gsLst>
-          <a:lin ang="16200000" scaled="1"/>
-        </a:gradFill>
-        <a:gradFill rotWithShape="1">
-          <a:gsLst>
-            <a:gs pos="0">
-              <a:schemeClr val="phClr">
-                <a:tint val="100000"/>
-                <a:shade val="100000"/>
-                <a:satMod val="130000"/>
-              </a:schemeClr>
-            </a:gs>
-            <a:gs pos="100000">
-              <a:schemeClr val="phClr">
-                <a:tint val="50000"/>
-                <a:shade val="100000"/>
-                <a:satMod val="350000"/>
-              </a:schemeClr>
-            </a:gs>
-          </a:gsLst>
-          <a:lin ang="16200000" scaled="0"/>
-        </a:gradFill>
-      </a:fillStyleLst>
-      <a:lnStyleLst>
-        <a:ln w="9525" cap="flat" cmpd="sng" algn="ctr">
-          <a:solidFill>
-            <a:schemeClr val="phClr">
-              <a:shade val="95000"/>
-              <a:satMod val="105000"/>
-            </a:schemeClr>
-          </a:solidFill>
-          <a:prstDash val="solid"/>
-        </a:ln>
-        <a:ln w="25400" cap="flat" cmpd="sng" algn="ctr">
-          <a:solidFill>
-            <a:schemeClr val="phClr"/>
-          </a:solidFill>
-          <a:prstDash val="solid"/>
-        </a:ln>
-        <a:ln w="38100" cap="flat" cmpd="sng" algn="ctr">
-          <a:solidFill>
-            <a:schemeClr val="phClr"/>
-          </a:solidFill>
-          <a:prstDash val="solid"/>
-        </a:ln>
-      </a:lnStyleLst>
-      <a:effectStyleLst>
-        <a:effectStyle>
-          <a:effectLst>
-            <a:outerShdw blurRad="40000" dist="20000" dir="5400000" rotWithShape="0">
-              <a:srgbClr val="000000">
-                <a:alpha val="38000"/>
-              </a:srgbClr>
-            </a:outerShdw>
-          </a:effectLst>
-        </a:effectStyle>
-        <a:effectStyle>
-          <a:effectLst>
-            <a:outerShdw blurRad="40000" dist="23000" dir="5400000" rotWithShape="0">
-              <a:srgbClr val="000000">
-                <a:alpha val="35000"/>
-              </a:srgbClr>
-            </a:outerShdw>
-          </a:effectLst>
-        </a:effectStyle>
-        <a:effectStyle>
-          <a:effectLst>
-            <a:outerShdw blurRad="40000" dist="23000" dir="5400000" rotWithShape="0">
-              <a:srgbClr val="000000">
-                <a:alpha val="35000"/>
-              </a:srgbClr>
-            </a:outerShdw>
-          </a:effectLst>
-          <a:scene3d>
-            <a:camera prst="orthographicFront">
-              <a:rot lat="0" lon="0" rev="0"/>
-            </a:camera>
-            <a:lightRig rig="threePt" dir="t">
-              <a:rot lat="0" lon="0" rev="1200000"/>
-            </a:lightRig>
-          </a:scene3d>
-          <a:sp3d>
-            <a:bevelT w="63500" h="25400"/>
-          </a:sp3d>
-        </a:effectStyle>
-      </a:effectStyleLst>
-      <a:bgFillStyleLst>
-        <a:solidFill>
-          <a:schemeClr val="phClr"/>
-        </a:solidFill>
-        <a:gradFill rotWithShape="1">
-          <a:gsLst>
-            <a:gs pos="0">
-              <a:schemeClr val="phClr">
-                <a:tint val="40000"/>
-                <a:satMod val="350000"/>
-              </a:schemeClr>
-            </a:gs>
-            <a:gs pos="40000">
-              <a:schemeClr val="phClr">
-                <a:tint val="45000"/>
-                <a:shade val="99000"/>
-                <a:satMod val="350000"/>
-              </a:schemeClr>
-            </a:gs>
-            <a:gs pos="100000">
-              <a:schemeClr val="phClr">
-                <a:shade val="20000"/>
-                <a:satMod val="255000"/>
-              </a:schemeClr>
-            </a:gs>
-          </a:gsLst>
-          <a:path path="circle">
-            <a:fillToRect l="50000" t="-80000" r="50000" b="180000"/>
-          </a:path>
-        </a:gradFill>
-        <a:gradFill rotWithShape="1">
-          <a:gsLst>
-            <a:gs pos="0">
-              <a:schemeClr val="phClr">
-                <a:tint val="80000"/>
-                <a:satMod val="300000"/>
-              </a:schemeClr>
-            </a:gs>
-            <a:gs pos="100000">
-              <a:schemeClr val="phClr">
-                <a:shade val="30000"/>
-                <a:satMod val="200000"/>
-              </a:schemeClr>
-            </a:gs>
-          </a:gsLst>
-          <a:path path="circle">
-            <a:fillToRect l="50000" t="50000" r="50000" b="50000"/>
-          </a:path>
-        </a:gradFill>
-      </a:bgFillStyleLst>
-    </a:fmtScheme>
-  </a:themeElements>
+  <a:objectDefaults/>
+  <a:extraClrSchemeLst/>
 </a:theme>
 </file>
--- a/TKT Project Whitepaper.pptx
+++ b/TKT Project Whitepaper.pptx
@@ -956,7 +956,7 @@
         </p:nvSpPr>
         <p:spPr>
           <a:xfrm>
-            <a:off x="381300" y="685800"/>
+            <a:off x="381000" y="685800"/>
             <a:ext cx="6096000" cy="3429000"/>
           </a:xfrm>
           <a:custGeom>
@@ -8726,10 +8726,10 @@
               <a:buNone/>
             </a:pPr>
             <a:r>
-              <a:rPr lang="en-CA"/>
+              <a:rPr lang="en-CA" dirty="0"/>
               <a:t>TKT is a ticket sale and management application built with ERC721 NFTs on the Ethereum Network.</a:t>
             </a:r>
-            <a:endParaRPr/>
+            <a:endParaRPr dirty="0"/>
           </a:p>
           <a:p>
             <a:pPr marL="0" lvl="0" indent="0" algn="l" rtl="0">
@@ -8742,10 +8742,10 @@
               <a:buNone/>
             </a:pPr>
             <a:r>
-              <a:rPr lang="en-CA"/>
-              <a:t>TKT offers a secure and transparent platform for both event attendees and organizers alike. Because TKTs are minted on the Ethereum blockchain, transactions are immutable and attendees have total ownership of TKTs in their wallet, while organizers can guarantee authenticity.</a:t>
+              <a:rPr lang="en-CA" dirty="0"/>
+              <a:t>TKT offers a secure and transparent platform for event attendees and organizers. Because TKTs are minted on the Ethereum blockchain, transactions are immutable and attendees have total ownership of TKTs in their wallet, while organizers can guarantee authenticity.</a:t>
             </a:r>
-            <a:endParaRPr/>
+            <a:endParaRPr dirty="0"/>
           </a:p>
           <a:p>
             <a:pPr marL="0" lvl="0" indent="0" algn="l" rtl="0">
@@ -8758,10 +8758,10 @@
               <a:buNone/>
             </a:pPr>
             <a:r>
-              <a:rPr lang="en-CA"/>
+              <a:rPr lang="en-CA" dirty="0"/>
               <a:t>TKT aims to decentralize and disrupt the $60+ billion global ticketing industry.</a:t>
             </a:r>
-            <a:endParaRPr/>
+            <a:endParaRPr dirty="0"/>
           </a:p>
         </p:txBody>
       </p:sp>
